--- a/assets/Computer_Science/Class_12/PHP_FULL.pptx
+++ b/assets/Computer_Science/Class_12/PHP_FULL.pptx
@@ -4,6 +4,9 @@
   <p:sldMasterIdLst>
     <p:sldMasterId id="2147483678" r:id="rId1"/>
   </p:sldMasterIdLst>
+  <p:notesMasterIdLst>
+    <p:notesMasterId r:id="rId29"/>
+  </p:notesMasterIdLst>
   <p:sldIdLst>
     <p:sldId id="256" r:id="rId2"/>
     <p:sldId id="257" r:id="rId3"/>
@@ -17,19 +20,21 @@
     <p:sldId id="281" r:id="rId11"/>
     <p:sldId id="265" r:id="rId12"/>
     <p:sldId id="267" r:id="rId13"/>
-    <p:sldId id="279" r:id="rId14"/>
-    <p:sldId id="266" r:id="rId15"/>
-    <p:sldId id="268" r:id="rId16"/>
-    <p:sldId id="273" r:id="rId17"/>
-    <p:sldId id="269" r:id="rId18"/>
-    <p:sldId id="274" r:id="rId19"/>
-    <p:sldId id="275" r:id="rId20"/>
-    <p:sldId id="276" r:id="rId21"/>
-    <p:sldId id="271" r:id="rId22"/>
-    <p:sldId id="277" r:id="rId23"/>
-    <p:sldId id="278" r:id="rId24"/>
-    <p:sldId id="272" r:id="rId25"/>
-    <p:sldId id="280" r:id="rId26"/>
+    <p:sldId id="282" r:id="rId14"/>
+    <p:sldId id="283" r:id="rId15"/>
+    <p:sldId id="279" r:id="rId16"/>
+    <p:sldId id="266" r:id="rId17"/>
+    <p:sldId id="268" r:id="rId18"/>
+    <p:sldId id="273" r:id="rId19"/>
+    <p:sldId id="269" r:id="rId20"/>
+    <p:sldId id="274" r:id="rId21"/>
+    <p:sldId id="275" r:id="rId22"/>
+    <p:sldId id="276" r:id="rId23"/>
+    <p:sldId id="271" r:id="rId24"/>
+    <p:sldId id="277" r:id="rId25"/>
+    <p:sldId id="278" r:id="rId26"/>
+    <p:sldId id="272" r:id="rId27"/>
+    <p:sldId id="280" r:id="rId28"/>
   </p:sldIdLst>
   <p:sldSz cx="12192000" cy="6858000"/>
   <p:notesSz cx="6858000" cy="9144000"/>
@@ -128,7 +133,529 @@
       </a:defRPr>
     </a:lvl9pPr>
   </p:defaultTextStyle>
+  <p:extLst>
+    <p:ext uri="{EFAFB233-063F-42B5-8137-9DF3F51BA10A}">
+      <p15:sldGuideLst xmlns:p15="http://schemas.microsoft.com/office/powerpoint/2012/main"/>
+    </p:ext>
+  </p:extLst>
 </p:presentation>
+</file>
+
+<file path=ppt/notesMasters/notesMaster1.xml><?xml version="1.0" encoding="utf-8"?>
+<p:notesMaster xmlns:a="http://schemas.openxmlformats.org/drawingml/2006/main" xmlns:r="http://schemas.openxmlformats.org/officeDocument/2006/relationships" xmlns:p="http://schemas.openxmlformats.org/presentationml/2006/main">
+  <p:cSld>
+    <p:bg>
+      <p:bgRef idx="1001">
+        <a:schemeClr val="bg1"/>
+      </p:bgRef>
+    </p:bg>
+    <p:spTree>
+      <p:nvGrpSpPr>
+        <p:cNvPr id="1" name=""/>
+        <p:cNvGrpSpPr/>
+        <p:nvPr/>
+      </p:nvGrpSpPr>
+      <p:grpSpPr>
+        <a:xfrm>
+          <a:off x="0" y="0"/>
+          <a:ext cx="0" cy="0"/>
+          <a:chOff x="0" y="0"/>
+          <a:chExt cx="0" cy="0"/>
+        </a:xfrm>
+      </p:grpSpPr>
+      <p:sp>
+        <p:nvSpPr>
+          <p:cNvPr id="2" name="Header Placeholder 1"/>
+          <p:cNvSpPr>
+            <a:spLocks noGrp="1"/>
+          </p:cNvSpPr>
+          <p:nvPr>
+            <p:ph type="hdr" sz="quarter"/>
+          </p:nvPr>
+        </p:nvSpPr>
+        <p:spPr>
+          <a:xfrm>
+            <a:off x="0" y="0"/>
+            <a:ext cx="2971800" cy="458788"/>
+          </a:xfrm>
+          <a:prstGeom prst="rect">
+            <a:avLst/>
+          </a:prstGeom>
+        </p:spPr>
+        <p:txBody>
+          <a:bodyPr vert="horz" lIns="91440" tIns="45720" rIns="91440" bIns="45720" rtlCol="0"/>
+          <a:lstStyle>
+            <a:lvl1pPr algn="l">
+              <a:defRPr sz="1200"/>
+            </a:lvl1pPr>
+          </a:lstStyle>
+          <a:p>
+            <a:endParaRPr lang="en-US"/>
+          </a:p>
+        </p:txBody>
+      </p:sp>
+      <p:sp>
+        <p:nvSpPr>
+          <p:cNvPr id="3" name="Date Placeholder 2"/>
+          <p:cNvSpPr>
+            <a:spLocks noGrp="1"/>
+          </p:cNvSpPr>
+          <p:nvPr>
+            <p:ph type="dt" idx="1"/>
+          </p:nvPr>
+        </p:nvSpPr>
+        <p:spPr>
+          <a:xfrm>
+            <a:off x="3884613" y="0"/>
+            <a:ext cx="2971800" cy="458788"/>
+          </a:xfrm>
+          <a:prstGeom prst="rect">
+            <a:avLst/>
+          </a:prstGeom>
+        </p:spPr>
+        <p:txBody>
+          <a:bodyPr vert="horz" lIns="91440" tIns="45720" rIns="91440" bIns="45720" rtlCol="0"/>
+          <a:lstStyle>
+            <a:lvl1pPr algn="r">
+              <a:defRPr sz="1200"/>
+            </a:lvl1pPr>
+          </a:lstStyle>
+          <a:p>
+            <a:fld id="{7358CC29-445E-4375-84FA-A1290C1DFF7E}" type="datetimeFigureOut">
+              <a:rPr lang="en-US" smtClean="0"/>
+              <a:t>1/31/2023</a:t>
+            </a:fld>
+            <a:endParaRPr lang="en-US"/>
+          </a:p>
+        </p:txBody>
+      </p:sp>
+      <p:sp>
+        <p:nvSpPr>
+          <p:cNvPr id="4" name="Slide Image Placeholder 3"/>
+          <p:cNvSpPr>
+            <a:spLocks noGrp="1" noRot="1" noChangeAspect="1"/>
+          </p:cNvSpPr>
+          <p:nvPr>
+            <p:ph type="sldImg" idx="2"/>
+          </p:nvPr>
+        </p:nvSpPr>
+        <p:spPr>
+          <a:xfrm>
+            <a:off x="685800" y="1143000"/>
+            <a:ext cx="5486400" cy="3086100"/>
+          </a:xfrm>
+          <a:prstGeom prst="rect">
+            <a:avLst/>
+          </a:prstGeom>
+          <a:noFill/>
+          <a:ln w="12700">
+            <a:solidFill>
+              <a:prstClr val="black"/>
+            </a:solidFill>
+          </a:ln>
+        </p:spPr>
+        <p:txBody>
+          <a:bodyPr vert="horz" lIns="91440" tIns="45720" rIns="91440" bIns="45720" rtlCol="0" anchor="ctr"/>
+          <a:lstStyle/>
+          <a:p>
+            <a:endParaRPr lang="en-US"/>
+          </a:p>
+        </p:txBody>
+      </p:sp>
+      <p:sp>
+        <p:nvSpPr>
+          <p:cNvPr id="5" name="Notes Placeholder 4"/>
+          <p:cNvSpPr>
+            <a:spLocks noGrp="1"/>
+          </p:cNvSpPr>
+          <p:nvPr>
+            <p:ph type="body" sz="quarter" idx="3"/>
+          </p:nvPr>
+        </p:nvSpPr>
+        <p:spPr>
+          <a:xfrm>
+            <a:off x="685800" y="4400550"/>
+            <a:ext cx="5486400" cy="3600450"/>
+          </a:xfrm>
+          <a:prstGeom prst="rect">
+            <a:avLst/>
+          </a:prstGeom>
+        </p:spPr>
+        <p:txBody>
+          <a:bodyPr vert="horz" lIns="91440" tIns="45720" rIns="91440" bIns="45720" rtlCol="0"/>
+          <a:lstStyle/>
+          <a:p>
+            <a:pPr lvl="0"/>
+            <a:r>
+              <a:rPr lang="en-US"/>
+              <a:t>Click to edit Master text styles</a:t>
+            </a:r>
+          </a:p>
+          <a:p>
+            <a:pPr lvl="1"/>
+            <a:r>
+              <a:rPr lang="en-US"/>
+              <a:t>Second level</a:t>
+            </a:r>
+          </a:p>
+          <a:p>
+            <a:pPr lvl="2"/>
+            <a:r>
+              <a:rPr lang="en-US"/>
+              <a:t>Third level</a:t>
+            </a:r>
+          </a:p>
+          <a:p>
+            <a:pPr lvl="3"/>
+            <a:r>
+              <a:rPr lang="en-US"/>
+              <a:t>Fourth level</a:t>
+            </a:r>
+          </a:p>
+          <a:p>
+            <a:pPr lvl="4"/>
+            <a:r>
+              <a:rPr lang="en-US"/>
+              <a:t>Fifth level</a:t>
+            </a:r>
+          </a:p>
+        </p:txBody>
+      </p:sp>
+      <p:sp>
+        <p:nvSpPr>
+          <p:cNvPr id="6" name="Footer Placeholder 5"/>
+          <p:cNvSpPr>
+            <a:spLocks noGrp="1"/>
+          </p:cNvSpPr>
+          <p:nvPr>
+            <p:ph type="ftr" sz="quarter" idx="4"/>
+          </p:nvPr>
+        </p:nvSpPr>
+        <p:spPr>
+          <a:xfrm>
+            <a:off x="0" y="8685213"/>
+            <a:ext cx="2971800" cy="458787"/>
+          </a:xfrm>
+          <a:prstGeom prst="rect">
+            <a:avLst/>
+          </a:prstGeom>
+        </p:spPr>
+        <p:txBody>
+          <a:bodyPr vert="horz" lIns="91440" tIns="45720" rIns="91440" bIns="45720" rtlCol="0" anchor="b"/>
+          <a:lstStyle>
+            <a:lvl1pPr algn="l">
+              <a:defRPr sz="1200"/>
+            </a:lvl1pPr>
+          </a:lstStyle>
+          <a:p>
+            <a:endParaRPr lang="en-US"/>
+          </a:p>
+        </p:txBody>
+      </p:sp>
+      <p:sp>
+        <p:nvSpPr>
+          <p:cNvPr id="7" name="Slide Number Placeholder 6"/>
+          <p:cNvSpPr>
+            <a:spLocks noGrp="1"/>
+          </p:cNvSpPr>
+          <p:nvPr>
+            <p:ph type="sldNum" sz="quarter" idx="5"/>
+          </p:nvPr>
+        </p:nvSpPr>
+        <p:spPr>
+          <a:xfrm>
+            <a:off x="3884613" y="8685213"/>
+            <a:ext cx="2971800" cy="458787"/>
+          </a:xfrm>
+          <a:prstGeom prst="rect">
+            <a:avLst/>
+          </a:prstGeom>
+        </p:spPr>
+        <p:txBody>
+          <a:bodyPr vert="horz" lIns="91440" tIns="45720" rIns="91440" bIns="45720" rtlCol="0" anchor="b"/>
+          <a:lstStyle>
+            <a:lvl1pPr algn="r">
+              <a:defRPr sz="1200"/>
+            </a:lvl1pPr>
+          </a:lstStyle>
+          <a:p>
+            <a:fld id="{E013960D-C34C-42E3-92B8-43FB3AC17457}" type="slidenum">
+              <a:rPr lang="en-US" smtClean="0"/>
+              <a:t>‹#›</a:t>
+            </a:fld>
+            <a:endParaRPr lang="en-US"/>
+          </a:p>
+        </p:txBody>
+      </p:sp>
+    </p:spTree>
+    <p:extLst>
+      <p:ext uri="{BB962C8B-B14F-4D97-AF65-F5344CB8AC3E}">
+        <p14:creationId xmlns:p14="http://schemas.microsoft.com/office/powerpoint/2010/main" val="3885430784"/>
+      </p:ext>
+    </p:extLst>
+  </p:cSld>
+  <p:clrMap bg1="lt1" tx1="dk1" bg2="lt2" tx2="dk2" accent1="accent1" accent2="accent2" accent3="accent3" accent4="accent4" accent5="accent5" accent6="accent6" hlink="hlink" folHlink="folHlink"/>
+  <p:notesStyle>
+    <a:lvl1pPr marL="0" algn="l" defTabSz="914400" rtl="0" eaLnBrk="1" latinLnBrk="0" hangingPunct="1">
+      <a:defRPr sz="1200" kern="1200">
+        <a:solidFill>
+          <a:schemeClr val="tx1"/>
+        </a:solidFill>
+        <a:latin typeface="+mn-lt"/>
+        <a:ea typeface="+mn-ea"/>
+        <a:cs typeface="+mn-cs"/>
+      </a:defRPr>
+    </a:lvl1pPr>
+    <a:lvl2pPr marL="457200" algn="l" defTabSz="914400" rtl="0" eaLnBrk="1" latinLnBrk="0" hangingPunct="1">
+      <a:defRPr sz="1200" kern="1200">
+        <a:solidFill>
+          <a:schemeClr val="tx1"/>
+        </a:solidFill>
+        <a:latin typeface="+mn-lt"/>
+        <a:ea typeface="+mn-ea"/>
+        <a:cs typeface="+mn-cs"/>
+      </a:defRPr>
+    </a:lvl2pPr>
+    <a:lvl3pPr marL="914400" algn="l" defTabSz="914400" rtl="0" eaLnBrk="1" latinLnBrk="0" hangingPunct="1">
+      <a:defRPr sz="1200" kern="1200">
+        <a:solidFill>
+          <a:schemeClr val="tx1"/>
+        </a:solidFill>
+        <a:latin typeface="+mn-lt"/>
+        <a:ea typeface="+mn-ea"/>
+        <a:cs typeface="+mn-cs"/>
+      </a:defRPr>
+    </a:lvl3pPr>
+    <a:lvl4pPr marL="1371600" algn="l" defTabSz="914400" rtl="0" eaLnBrk="1" latinLnBrk="0" hangingPunct="1">
+      <a:defRPr sz="1200" kern="1200">
+        <a:solidFill>
+          <a:schemeClr val="tx1"/>
+        </a:solidFill>
+        <a:latin typeface="+mn-lt"/>
+        <a:ea typeface="+mn-ea"/>
+        <a:cs typeface="+mn-cs"/>
+      </a:defRPr>
+    </a:lvl4pPr>
+    <a:lvl5pPr marL="1828800" algn="l" defTabSz="914400" rtl="0" eaLnBrk="1" latinLnBrk="0" hangingPunct="1">
+      <a:defRPr sz="1200" kern="1200">
+        <a:solidFill>
+          <a:schemeClr val="tx1"/>
+        </a:solidFill>
+        <a:latin typeface="+mn-lt"/>
+        <a:ea typeface="+mn-ea"/>
+        <a:cs typeface="+mn-cs"/>
+      </a:defRPr>
+    </a:lvl5pPr>
+    <a:lvl6pPr marL="2286000" algn="l" defTabSz="914400" rtl="0" eaLnBrk="1" latinLnBrk="0" hangingPunct="1">
+      <a:defRPr sz="1200" kern="1200">
+        <a:solidFill>
+          <a:schemeClr val="tx1"/>
+        </a:solidFill>
+        <a:latin typeface="+mn-lt"/>
+        <a:ea typeface="+mn-ea"/>
+        <a:cs typeface="+mn-cs"/>
+      </a:defRPr>
+    </a:lvl6pPr>
+    <a:lvl7pPr marL="2743200" algn="l" defTabSz="914400" rtl="0" eaLnBrk="1" latinLnBrk="0" hangingPunct="1">
+      <a:defRPr sz="1200" kern="1200">
+        <a:solidFill>
+          <a:schemeClr val="tx1"/>
+        </a:solidFill>
+        <a:latin typeface="+mn-lt"/>
+        <a:ea typeface="+mn-ea"/>
+        <a:cs typeface="+mn-cs"/>
+      </a:defRPr>
+    </a:lvl7pPr>
+    <a:lvl8pPr marL="3200400" algn="l" defTabSz="914400" rtl="0" eaLnBrk="1" latinLnBrk="0" hangingPunct="1">
+      <a:defRPr sz="1200" kern="1200">
+        <a:solidFill>
+          <a:schemeClr val="tx1"/>
+        </a:solidFill>
+        <a:latin typeface="+mn-lt"/>
+        <a:ea typeface="+mn-ea"/>
+        <a:cs typeface="+mn-cs"/>
+      </a:defRPr>
+    </a:lvl8pPr>
+    <a:lvl9pPr marL="3657600" algn="l" defTabSz="914400" rtl="0" eaLnBrk="1" latinLnBrk="0" hangingPunct="1">
+      <a:defRPr sz="1200" kern="1200">
+        <a:solidFill>
+          <a:schemeClr val="tx1"/>
+        </a:solidFill>
+        <a:latin typeface="+mn-lt"/>
+        <a:ea typeface="+mn-ea"/>
+        <a:cs typeface="+mn-cs"/>
+      </a:defRPr>
+    </a:lvl9pPr>
+  </p:notesStyle>
+</p:notesMaster>
+</file>
+
+<file path=ppt/notesSlides/notesSlide1.xml><?xml version="1.0" encoding="utf-8"?>
+<p:notes xmlns:a="http://schemas.openxmlformats.org/drawingml/2006/main" xmlns:r="http://schemas.openxmlformats.org/officeDocument/2006/relationships" xmlns:p="http://schemas.openxmlformats.org/presentationml/2006/main">
+  <p:cSld>
+    <p:spTree>
+      <p:nvGrpSpPr>
+        <p:cNvPr id="1" name=""/>
+        <p:cNvGrpSpPr/>
+        <p:nvPr/>
+      </p:nvGrpSpPr>
+      <p:grpSpPr>
+        <a:xfrm>
+          <a:off x="0" y="0"/>
+          <a:ext cx="0" cy="0"/>
+          <a:chOff x="0" y="0"/>
+          <a:chExt cx="0" cy="0"/>
+        </a:xfrm>
+      </p:grpSpPr>
+      <p:sp>
+        <p:nvSpPr>
+          <p:cNvPr id="2" name="Slide Image Placeholder 1"/>
+          <p:cNvSpPr>
+            <a:spLocks noGrp="1" noRot="1" noChangeAspect="1"/>
+          </p:cNvSpPr>
+          <p:nvPr>
+            <p:ph type="sldImg"/>
+          </p:nvPr>
+        </p:nvSpPr>
+        <p:spPr/>
+      </p:sp>
+      <p:sp>
+        <p:nvSpPr>
+          <p:cNvPr id="3" name="Notes Placeholder 2"/>
+          <p:cNvSpPr>
+            <a:spLocks noGrp="1"/>
+          </p:cNvSpPr>
+          <p:nvPr>
+            <p:ph type="body" idx="1"/>
+          </p:nvPr>
+        </p:nvSpPr>
+        <p:spPr/>
+        <p:txBody>
+          <a:bodyPr/>
+          <a:lstStyle/>
+          <a:p>
+            <a:endParaRPr lang="en-US" dirty="0"/>
+          </a:p>
+        </p:txBody>
+      </p:sp>
+      <p:sp>
+        <p:nvSpPr>
+          <p:cNvPr id="4" name="Slide Number Placeholder 3"/>
+          <p:cNvSpPr>
+            <a:spLocks noGrp="1"/>
+          </p:cNvSpPr>
+          <p:nvPr>
+            <p:ph type="sldNum" sz="quarter" idx="5"/>
+          </p:nvPr>
+        </p:nvSpPr>
+        <p:spPr/>
+        <p:txBody>
+          <a:bodyPr/>
+          <a:lstStyle/>
+          <a:p>
+            <a:fld id="{E013960D-C34C-42E3-92B8-43FB3AC17457}" type="slidenum">
+              <a:rPr lang="en-US" smtClean="0"/>
+              <a:t>13</a:t>
+            </a:fld>
+            <a:endParaRPr lang="en-US"/>
+          </a:p>
+        </p:txBody>
+      </p:sp>
+    </p:spTree>
+    <p:extLst>
+      <p:ext uri="{BB962C8B-B14F-4D97-AF65-F5344CB8AC3E}">
+        <p14:creationId xmlns:p14="http://schemas.microsoft.com/office/powerpoint/2010/main" val="301714283"/>
+      </p:ext>
+    </p:extLst>
+  </p:cSld>
+  <p:clrMapOvr>
+    <a:masterClrMapping/>
+  </p:clrMapOvr>
+</p:notes>
+</file>
+
+<file path=ppt/notesSlides/notesSlide2.xml><?xml version="1.0" encoding="utf-8"?>
+<p:notes xmlns:a="http://schemas.openxmlformats.org/drawingml/2006/main" xmlns:r="http://schemas.openxmlformats.org/officeDocument/2006/relationships" xmlns:p="http://schemas.openxmlformats.org/presentationml/2006/main">
+  <p:cSld>
+    <p:spTree>
+      <p:nvGrpSpPr>
+        <p:cNvPr id="1" name=""/>
+        <p:cNvGrpSpPr/>
+        <p:nvPr/>
+      </p:nvGrpSpPr>
+      <p:grpSpPr>
+        <a:xfrm>
+          <a:off x="0" y="0"/>
+          <a:ext cx="0" cy="0"/>
+          <a:chOff x="0" y="0"/>
+          <a:chExt cx="0" cy="0"/>
+        </a:xfrm>
+      </p:grpSpPr>
+      <p:sp>
+        <p:nvSpPr>
+          <p:cNvPr id="2" name="Slide Image Placeholder 1"/>
+          <p:cNvSpPr>
+            <a:spLocks noGrp="1" noRot="1" noChangeAspect="1"/>
+          </p:cNvSpPr>
+          <p:nvPr>
+            <p:ph type="sldImg"/>
+          </p:nvPr>
+        </p:nvSpPr>
+        <p:spPr/>
+      </p:sp>
+      <p:sp>
+        <p:nvSpPr>
+          <p:cNvPr id="3" name="Notes Placeholder 2"/>
+          <p:cNvSpPr>
+            <a:spLocks noGrp="1"/>
+          </p:cNvSpPr>
+          <p:nvPr>
+            <p:ph type="body" idx="1"/>
+          </p:nvPr>
+        </p:nvSpPr>
+        <p:spPr/>
+        <p:txBody>
+          <a:bodyPr/>
+          <a:lstStyle/>
+          <a:p>
+            <a:endParaRPr lang="en-US" dirty="0"/>
+          </a:p>
+        </p:txBody>
+      </p:sp>
+      <p:sp>
+        <p:nvSpPr>
+          <p:cNvPr id="4" name="Slide Number Placeholder 3"/>
+          <p:cNvSpPr>
+            <a:spLocks noGrp="1"/>
+          </p:cNvSpPr>
+          <p:nvPr>
+            <p:ph type="sldNum" sz="quarter" idx="5"/>
+          </p:nvPr>
+        </p:nvSpPr>
+        <p:spPr/>
+        <p:txBody>
+          <a:bodyPr/>
+          <a:lstStyle/>
+          <a:p>
+            <a:fld id="{E013960D-C34C-42E3-92B8-43FB3AC17457}" type="slidenum">
+              <a:rPr lang="en-US" smtClean="0"/>
+              <a:t>14</a:t>
+            </a:fld>
+            <a:endParaRPr lang="en-US"/>
+          </a:p>
+        </p:txBody>
+      </p:sp>
+    </p:spTree>
+    <p:extLst>
+      <p:ext uri="{BB962C8B-B14F-4D97-AF65-F5344CB8AC3E}">
+        <p14:creationId xmlns:p14="http://schemas.microsoft.com/office/powerpoint/2010/main" val="159527851"/>
+      </p:ext>
+    </p:extLst>
+  </p:cSld>
+  <p:clrMapOvr>
+    <a:masterClrMapping/>
+  </p:clrMapOvr>
+</p:notes>
 </file>
 
 <file path=ppt/slideLayouts/slideLayout1.xml><?xml version="1.0" encoding="utf-8"?>
@@ -316,7 +843,7 @@
           <a:p>
             <a:fld id="{0653D66D-8F7F-4D89-96F6-686A96BDA468}" type="datetimeFigureOut">
               <a:rPr lang="en-US" smtClean="0"/>
-              <a:t>1/29/2023</a:t>
+              <a:t>1/31/2023</a:t>
             </a:fld>
             <a:endParaRPr lang="en-US"/>
           </a:p>
@@ -614,7 +1141,7 @@
           <a:p>
             <a:fld id="{0653D66D-8F7F-4D89-96F6-686A96BDA468}" type="datetimeFigureOut">
               <a:rPr lang="en-US" smtClean="0"/>
-              <a:t>1/29/2023</a:t>
+              <a:t>1/31/2023</a:t>
             </a:fld>
             <a:endParaRPr lang="en-US"/>
           </a:p>
@@ -806,7 +1333,7 @@
           <a:p>
             <a:fld id="{0653D66D-8F7F-4D89-96F6-686A96BDA468}" type="datetimeFigureOut">
               <a:rPr lang="en-US" smtClean="0"/>
-              <a:t>1/29/2023</a:t>
+              <a:t>1/31/2023</a:t>
             </a:fld>
             <a:endParaRPr lang="en-US"/>
           </a:p>
@@ -1067,7 +1594,7 @@
           <a:p>
             <a:fld id="{0653D66D-8F7F-4D89-96F6-686A96BDA468}" type="datetimeFigureOut">
               <a:rPr lang="en-US" smtClean="0"/>
-              <a:t>1/29/2023</a:t>
+              <a:t>1/31/2023</a:t>
             </a:fld>
             <a:endParaRPr lang="en-US"/>
           </a:p>
@@ -1491,7 +2018,7 @@
           <a:p>
             <a:fld id="{0653D66D-8F7F-4D89-96F6-686A96BDA468}" type="datetimeFigureOut">
               <a:rPr lang="en-US" smtClean="0"/>
-              <a:t>1/29/2023</a:t>
+              <a:t>1/31/2023</a:t>
             </a:fld>
             <a:endParaRPr lang="en-US"/>
           </a:p>
@@ -2028,7 +2555,7 @@
           <a:p>
             <a:fld id="{0653D66D-8F7F-4D89-96F6-686A96BDA468}" type="datetimeFigureOut">
               <a:rPr lang="en-US" smtClean="0"/>
-              <a:t>1/29/2023</a:t>
+              <a:t>1/31/2023</a:t>
             </a:fld>
             <a:endParaRPr lang="en-US"/>
           </a:p>
@@ -2892,7 +3419,7 @@
           <a:p>
             <a:fld id="{0653D66D-8F7F-4D89-96F6-686A96BDA468}" type="datetimeFigureOut">
               <a:rPr lang="en-US" smtClean="0"/>
-              <a:t>1/29/2023</a:t>
+              <a:t>1/31/2023</a:t>
             </a:fld>
             <a:endParaRPr lang="en-US"/>
           </a:p>
@@ -3062,7 +3589,7 @@
           <a:p>
             <a:fld id="{0653D66D-8F7F-4D89-96F6-686A96BDA468}" type="datetimeFigureOut">
               <a:rPr lang="en-US" smtClean="0"/>
-              <a:t>1/29/2023</a:t>
+              <a:t>1/31/2023</a:t>
             </a:fld>
             <a:endParaRPr lang="en-US"/>
           </a:p>
@@ -3246,7 +3773,7 @@
           <a:p>
             <a:fld id="{0653D66D-8F7F-4D89-96F6-686A96BDA468}" type="datetimeFigureOut">
               <a:rPr lang="en-US" smtClean="0"/>
-              <a:t>1/29/2023</a:t>
+              <a:t>1/31/2023</a:t>
             </a:fld>
             <a:endParaRPr lang="en-US"/>
           </a:p>
@@ -3416,7 +3943,7 @@
           <a:p>
             <a:fld id="{0653D66D-8F7F-4D89-96F6-686A96BDA468}" type="datetimeFigureOut">
               <a:rPr lang="en-US" smtClean="0"/>
-              <a:t>1/29/2023</a:t>
+              <a:t>1/31/2023</a:t>
             </a:fld>
             <a:endParaRPr lang="en-US"/>
           </a:p>
@@ -3660,7 +4187,7 @@
           <a:p>
             <a:fld id="{0653D66D-8F7F-4D89-96F6-686A96BDA468}" type="datetimeFigureOut">
               <a:rPr lang="en-US" smtClean="0"/>
-              <a:t>1/29/2023</a:t>
+              <a:t>1/31/2023</a:t>
             </a:fld>
             <a:endParaRPr lang="en-US"/>
           </a:p>
@@ -3896,7 +4423,7 @@
           <a:p>
             <a:fld id="{0653D66D-8F7F-4D89-96F6-686A96BDA468}" type="datetimeFigureOut">
               <a:rPr lang="en-US" smtClean="0"/>
-              <a:t>1/29/2023</a:t>
+              <a:t>1/31/2023</a:t>
             </a:fld>
             <a:endParaRPr lang="en-US"/>
           </a:p>
@@ -4362,7 +4889,7 @@
           <a:p>
             <a:fld id="{0653D66D-8F7F-4D89-96F6-686A96BDA468}" type="datetimeFigureOut">
               <a:rPr lang="en-US" smtClean="0"/>
-              <a:t>1/29/2023</a:t>
+              <a:t>1/31/2023</a:t>
             </a:fld>
             <a:endParaRPr lang="en-US"/>
           </a:p>
@@ -4480,7 +5007,7 @@
           <a:p>
             <a:fld id="{0653D66D-8F7F-4D89-96F6-686A96BDA468}" type="datetimeFigureOut">
               <a:rPr lang="en-US" smtClean="0"/>
-              <a:t>1/29/2023</a:t>
+              <a:t>1/31/2023</a:t>
             </a:fld>
             <a:endParaRPr lang="en-US"/>
           </a:p>
@@ -4575,7 +5102,7 @@
           <a:p>
             <a:fld id="{0653D66D-8F7F-4D89-96F6-686A96BDA468}" type="datetimeFigureOut">
               <a:rPr lang="en-US" smtClean="0"/>
-              <a:t>1/29/2023</a:t>
+              <a:t>1/31/2023</a:t>
             </a:fld>
             <a:endParaRPr lang="en-US"/>
           </a:p>
@@ -4830,7 +5357,7 @@
           <a:p>
             <a:fld id="{0653D66D-8F7F-4D89-96F6-686A96BDA468}" type="datetimeFigureOut">
               <a:rPr lang="en-US" smtClean="0"/>
-              <a:t>1/29/2023</a:t>
+              <a:t>1/31/2023</a:t>
             </a:fld>
             <a:endParaRPr lang="en-US"/>
           </a:p>
@@ -5130,7 +5657,7 @@
           <a:p>
             <a:fld id="{0653D66D-8F7F-4D89-96F6-686A96BDA468}" type="datetimeFigureOut">
               <a:rPr lang="en-US" smtClean="0"/>
-              <a:t>1/29/2023</a:t>
+              <a:t>1/31/2023</a:t>
             </a:fld>
             <a:endParaRPr lang="en-US"/>
           </a:p>
@@ -5364,7 +5891,7 @@
           <a:p>
             <a:fld id="{0653D66D-8F7F-4D89-96F6-686A96BDA468}" type="datetimeFigureOut">
               <a:rPr lang="en-US" smtClean="0"/>
-              <a:t>1/29/2023</a:t>
+              <a:t>1/31/2023</a:t>
             </a:fld>
             <a:endParaRPr lang="en-US"/>
           </a:p>
@@ -7327,6 +7854,297 @@
         </p:nvSpPr>
         <p:spPr>
           <a:xfrm>
+            <a:off x="292608" y="127381"/>
+            <a:ext cx="7040880" cy="1043051"/>
+          </a:xfrm>
+        </p:spPr>
+        <p:txBody>
+          <a:bodyPr>
+            <a:normAutofit fontScale="90000"/>
+          </a:bodyPr>
+          <a:lstStyle/>
+          <a:p>
+            <a:r>
+              <a:rPr lang="en-US" sz="4000" dirty="0"/>
+              <a:t>3.18 </a:t>
+            </a:r>
+            <a:r>
+              <a:rPr lang="en-US" sz="4000" b="0" i="0" dirty="0">
+                <a:solidFill>
+                  <a:srgbClr val="D1D5DB"/>
+                </a:solidFill>
+                <a:effectLst/>
+                <a:latin typeface="Söhne"/>
+              </a:rPr>
+              <a:t>Operator Precedence in PHP</a:t>
+            </a:r>
+            <a:endParaRPr lang="en-US" sz="4000" dirty="0"/>
+          </a:p>
+        </p:txBody>
+      </p:sp>
+      <p:pic>
+        <p:nvPicPr>
+          <p:cNvPr id="5" name="Picture 4" descr="Complex maths formulae on a blackboard">
+            <a:extLst>
+              <a:ext uri="{FF2B5EF4-FFF2-40B4-BE49-F238E27FC236}">
+                <a16:creationId xmlns:a16="http://schemas.microsoft.com/office/drawing/2014/main" id="{CE7FDB88-985B-BB0B-A990-FB188E735A16}"/>
+              </a:ext>
+            </a:extLst>
+          </p:cNvPr>
+          <p:cNvPicPr>
+            <a:picLocks noChangeAspect="1"/>
+          </p:cNvPicPr>
+          <p:nvPr/>
+        </p:nvPicPr>
+        <p:blipFill rotWithShape="1">
+          <a:blip r:embed="rId3"/>
+          <a:srcRect l="32268" r="18344" b="-1"/>
+          <a:stretch/>
+        </p:blipFill>
+        <p:spPr>
+          <a:xfrm>
+            <a:off x="7552266" y="10"/>
+            <a:ext cx="4639733" cy="6857990"/>
+          </a:xfrm>
+          <a:prstGeom prst="rect">
+            <a:avLst/>
+          </a:prstGeom>
+        </p:spPr>
+      </p:pic>
+      <p:pic>
+        <p:nvPicPr>
+          <p:cNvPr id="9" name="Picture 8">
+            <a:extLst>
+              <a:ext uri="{FF2B5EF4-FFF2-40B4-BE49-F238E27FC236}">
+                <a16:creationId xmlns:a16="http://schemas.microsoft.com/office/drawing/2014/main" id="{C2161B9A-A5EF-1858-E1B9-E40C18B76E66}"/>
+              </a:ext>
+            </a:extLst>
+          </p:cNvPr>
+          <p:cNvPicPr>
+            <a:picLocks noChangeAspect="1"/>
+          </p:cNvPicPr>
+          <p:nvPr/>
+        </p:nvPicPr>
+        <p:blipFill>
+          <a:blip r:embed="rId4"/>
+          <a:stretch>
+            <a:fillRect/>
+          </a:stretch>
+        </p:blipFill>
+        <p:spPr>
+          <a:xfrm>
+            <a:off x="1593181" y="995654"/>
+            <a:ext cx="8418566" cy="5622998"/>
+          </a:xfrm>
+          <a:prstGeom prst="rect">
+            <a:avLst/>
+          </a:prstGeom>
+        </p:spPr>
+      </p:pic>
+    </p:spTree>
+    <p:extLst>
+      <p:ext uri="{BB962C8B-B14F-4D97-AF65-F5344CB8AC3E}">
+        <p14:creationId xmlns:p14="http://schemas.microsoft.com/office/powerpoint/2010/main" val="2211972705"/>
+      </p:ext>
+    </p:extLst>
+  </p:cSld>
+  <p:clrMapOvr>
+    <a:overrideClrMapping bg1="dk1" tx1="lt1" bg2="dk2" tx2="lt2" accent1="accent1" accent2="accent2" accent3="accent3" accent4="accent4" accent5="accent5" accent6="accent6" hlink="hlink" folHlink="folHlink"/>
+  </p:clrMapOvr>
+</p:sld>
+</file>
+
+<file path=ppt/slides/slide14.xml><?xml version="1.0" encoding="utf-8"?>
+<p:sld xmlns:a="http://schemas.openxmlformats.org/drawingml/2006/main" xmlns:r="http://schemas.openxmlformats.org/officeDocument/2006/relationships" xmlns:p="http://schemas.openxmlformats.org/presentationml/2006/main">
+  <p:cSld>
+    <p:bg>
+      <p:bgPr>
+        <a:solidFill>
+          <a:schemeClr val="bg1"/>
+        </a:solidFill>
+        <a:effectLst/>
+      </p:bgPr>
+    </p:bg>
+    <p:spTree>
+      <p:nvGrpSpPr>
+        <p:cNvPr id="1" name=""/>
+        <p:cNvGrpSpPr/>
+        <p:nvPr/>
+      </p:nvGrpSpPr>
+      <p:grpSpPr>
+        <a:xfrm>
+          <a:off x="0" y="0"/>
+          <a:ext cx="0" cy="0"/>
+          <a:chOff x="0" y="0"/>
+          <a:chExt cx="0" cy="0"/>
+        </a:xfrm>
+      </p:grpSpPr>
+      <p:sp>
+        <p:nvSpPr>
+          <p:cNvPr id="2" name="Title 1">
+            <a:extLst>
+              <a:ext uri="{FF2B5EF4-FFF2-40B4-BE49-F238E27FC236}">
+                <a16:creationId xmlns:a16="http://schemas.microsoft.com/office/drawing/2014/main" id="{5F90F9AB-0060-AF89-7872-164E917AF23D}"/>
+              </a:ext>
+            </a:extLst>
+          </p:cNvPr>
+          <p:cNvSpPr>
+            <a:spLocks noGrp="1"/>
+          </p:cNvSpPr>
+          <p:nvPr>
+            <p:ph type="title"/>
+          </p:nvPr>
+        </p:nvSpPr>
+        <p:spPr>
+          <a:xfrm>
+            <a:off x="292608" y="127381"/>
+            <a:ext cx="7040880" cy="1043051"/>
+          </a:xfrm>
+        </p:spPr>
+        <p:txBody>
+          <a:bodyPr>
+            <a:normAutofit fontScale="90000"/>
+          </a:bodyPr>
+          <a:lstStyle/>
+          <a:p>
+            <a:r>
+              <a:rPr lang="en-US" sz="4000" dirty="0"/>
+              <a:t>3.18 </a:t>
+            </a:r>
+            <a:r>
+              <a:rPr lang="en-US" sz="4000" b="0" i="0" dirty="0">
+                <a:solidFill>
+                  <a:srgbClr val="D1D5DB"/>
+                </a:solidFill>
+                <a:effectLst/>
+                <a:latin typeface="Söhne"/>
+              </a:rPr>
+              <a:t>Operator Precedence in PHP</a:t>
+            </a:r>
+            <a:endParaRPr lang="en-US" sz="4000" dirty="0"/>
+          </a:p>
+        </p:txBody>
+      </p:sp>
+      <p:pic>
+        <p:nvPicPr>
+          <p:cNvPr id="5" name="Picture 4" descr="Complex maths formulae on a blackboard">
+            <a:extLst>
+              <a:ext uri="{FF2B5EF4-FFF2-40B4-BE49-F238E27FC236}">
+                <a16:creationId xmlns:a16="http://schemas.microsoft.com/office/drawing/2014/main" id="{CE7FDB88-985B-BB0B-A990-FB188E735A16}"/>
+              </a:ext>
+            </a:extLst>
+          </p:cNvPr>
+          <p:cNvPicPr>
+            <a:picLocks noChangeAspect="1"/>
+          </p:cNvPicPr>
+          <p:nvPr/>
+        </p:nvPicPr>
+        <p:blipFill rotWithShape="1">
+          <a:blip r:embed="rId3"/>
+          <a:srcRect l="32268" r="18344" b="-1"/>
+          <a:stretch/>
+        </p:blipFill>
+        <p:spPr>
+          <a:xfrm>
+            <a:off x="7552266" y="10"/>
+            <a:ext cx="4639733" cy="6857990"/>
+          </a:xfrm>
+          <a:prstGeom prst="rect">
+            <a:avLst/>
+          </a:prstGeom>
+        </p:spPr>
+      </p:pic>
+      <p:pic>
+        <p:nvPicPr>
+          <p:cNvPr id="9" name="Picture 8">
+            <a:extLst>
+              <a:ext uri="{FF2B5EF4-FFF2-40B4-BE49-F238E27FC236}">
+                <a16:creationId xmlns:a16="http://schemas.microsoft.com/office/drawing/2014/main" id="{C2161B9A-A5EF-1858-E1B9-E40C18B76E66}"/>
+              </a:ext>
+            </a:extLst>
+          </p:cNvPr>
+          <p:cNvPicPr>
+            <a:picLocks noChangeAspect="1"/>
+          </p:cNvPicPr>
+          <p:nvPr/>
+        </p:nvPicPr>
+        <p:blipFill>
+          <a:blip r:embed="rId4">
+            <a:extLst>
+              <a:ext uri="{28A0092B-C50C-407E-A947-70E740481C1C}">
+                <a14:useLocalDpi xmlns:a14="http://schemas.microsoft.com/office/drawing/2010/main" val="0"/>
+              </a:ext>
+            </a:extLst>
+          </a:blip>
+          <a:srcRect/>
+          <a:stretch/>
+        </p:blipFill>
+        <p:spPr>
+          <a:xfrm>
+            <a:off x="1090261" y="1795919"/>
+            <a:ext cx="8418566" cy="2504563"/>
+          </a:xfrm>
+          <a:prstGeom prst="rect">
+            <a:avLst/>
+          </a:prstGeom>
+        </p:spPr>
+      </p:pic>
+    </p:spTree>
+    <p:extLst>
+      <p:ext uri="{BB962C8B-B14F-4D97-AF65-F5344CB8AC3E}">
+        <p14:creationId xmlns:p14="http://schemas.microsoft.com/office/powerpoint/2010/main" val="170858411"/>
+      </p:ext>
+    </p:extLst>
+  </p:cSld>
+  <p:clrMapOvr>
+    <a:overrideClrMapping bg1="dk1" tx1="lt1" bg2="dk2" tx2="lt2" accent1="accent1" accent2="accent2" accent3="accent3" accent4="accent4" accent5="accent5" accent6="accent6" hlink="hlink" folHlink="folHlink"/>
+  </p:clrMapOvr>
+</p:sld>
+</file>
+
+<file path=ppt/slides/slide15.xml><?xml version="1.0" encoding="utf-8"?>
+<p:sld xmlns:a="http://schemas.openxmlformats.org/drawingml/2006/main" xmlns:r="http://schemas.openxmlformats.org/officeDocument/2006/relationships" xmlns:p="http://schemas.openxmlformats.org/presentationml/2006/main">
+  <p:cSld>
+    <p:bg>
+      <p:bgPr>
+        <a:solidFill>
+          <a:schemeClr val="bg1"/>
+        </a:solidFill>
+        <a:effectLst/>
+      </p:bgPr>
+    </p:bg>
+    <p:spTree>
+      <p:nvGrpSpPr>
+        <p:cNvPr id="1" name=""/>
+        <p:cNvGrpSpPr/>
+        <p:nvPr/>
+      </p:nvGrpSpPr>
+      <p:grpSpPr>
+        <a:xfrm>
+          <a:off x="0" y="0"/>
+          <a:ext cx="0" cy="0"/>
+          <a:chOff x="0" y="0"/>
+          <a:chExt cx="0" cy="0"/>
+        </a:xfrm>
+      </p:grpSpPr>
+      <p:sp>
+        <p:nvSpPr>
+          <p:cNvPr id="2" name="Title 1">
+            <a:extLst>
+              <a:ext uri="{FF2B5EF4-FFF2-40B4-BE49-F238E27FC236}">
+                <a16:creationId xmlns:a16="http://schemas.microsoft.com/office/drawing/2014/main" id="{5F90F9AB-0060-AF89-7872-164E917AF23D}"/>
+              </a:ext>
+            </a:extLst>
+          </p:cNvPr>
+          <p:cNvSpPr>
+            <a:spLocks noGrp="1"/>
+          </p:cNvSpPr>
+          <p:nvPr>
+            <p:ph type="title"/>
+          </p:nvPr>
+        </p:nvSpPr>
+        <p:spPr>
+          <a:xfrm>
             <a:off x="292608" y="365125"/>
             <a:ext cx="7040880" cy="1828800"/>
           </a:xfrm>
@@ -7481,7 +8299,7 @@
 </p:sld>
 </file>
 
-<file path=ppt/slides/slide14.xml><?xml version="1.0" encoding="utf-8"?>
+<file path=ppt/slides/slide16.xml><?xml version="1.0" encoding="utf-8"?>
 <p:sld xmlns:a="http://schemas.openxmlformats.org/drawingml/2006/main" xmlns:r="http://schemas.openxmlformats.org/officeDocument/2006/relationships" xmlns:p="http://schemas.openxmlformats.org/presentationml/2006/main">
   <p:cSld>
     <p:bg>
@@ -7715,7 +8533,7 @@
 </p:sld>
 </file>
 
-<file path=ppt/slides/slide15.xml><?xml version="1.0" encoding="utf-8"?>
+<file path=ppt/slides/slide17.xml><?xml version="1.0" encoding="utf-8"?>
 <p:sld xmlns:a="http://schemas.openxmlformats.org/drawingml/2006/main" xmlns:r="http://schemas.openxmlformats.org/officeDocument/2006/relationships" xmlns:p="http://schemas.openxmlformats.org/presentationml/2006/main">
   <p:cSld>
     <p:bg>
@@ -7936,7 +8754,7 @@
 </p:sld>
 </file>
 
-<file path=ppt/slides/slide16.xml><?xml version="1.0" encoding="utf-8"?>
+<file path=ppt/slides/slide18.xml><?xml version="1.0" encoding="utf-8"?>
 <p:sld xmlns:a="http://schemas.openxmlformats.org/drawingml/2006/main" xmlns:r="http://schemas.openxmlformats.org/officeDocument/2006/relationships" xmlns:p="http://schemas.openxmlformats.org/presentationml/2006/main">
   <p:cSld>
     <p:bg>
@@ -8133,325 +8951,6 @@
     <p:extLst>
       <p:ext uri="{BB962C8B-B14F-4D97-AF65-F5344CB8AC3E}">
         <p14:creationId xmlns:p14="http://schemas.microsoft.com/office/powerpoint/2010/main" val="2750575835"/>
-      </p:ext>
-    </p:extLst>
-  </p:cSld>
-  <p:clrMapOvr>
-    <a:overrideClrMapping bg1="dk1" tx1="lt1" bg2="dk2" tx2="lt2" accent1="accent1" accent2="accent2" accent3="accent3" accent4="accent4" accent5="accent5" accent6="accent6" hlink="hlink" folHlink="folHlink"/>
-  </p:clrMapOvr>
-</p:sld>
-</file>
-
-<file path=ppt/slides/slide17.xml><?xml version="1.0" encoding="utf-8"?>
-<p:sld xmlns:a="http://schemas.openxmlformats.org/drawingml/2006/main" xmlns:r="http://schemas.openxmlformats.org/officeDocument/2006/relationships" xmlns:p="http://schemas.openxmlformats.org/presentationml/2006/main">
-  <p:cSld>
-    <p:bg>
-      <p:bgPr>
-        <a:solidFill>
-          <a:srgbClr val="404040"/>
-        </a:solidFill>
-        <a:effectLst/>
-      </p:bgPr>
-    </p:bg>
-    <p:spTree>
-      <p:nvGrpSpPr>
-        <p:cNvPr id="1" name=""/>
-        <p:cNvGrpSpPr/>
-        <p:nvPr/>
-      </p:nvGrpSpPr>
-      <p:grpSpPr>
-        <a:xfrm>
-          <a:off x="0" y="0"/>
-          <a:ext cx="0" cy="0"/>
-          <a:chOff x="0" y="0"/>
-          <a:chExt cx="0" cy="0"/>
-        </a:xfrm>
-      </p:grpSpPr>
-      <p:sp>
-        <p:nvSpPr>
-          <p:cNvPr id="2" name="Title 1">
-            <a:extLst>
-              <a:ext uri="{FF2B5EF4-FFF2-40B4-BE49-F238E27FC236}">
-                <a16:creationId xmlns:a16="http://schemas.microsoft.com/office/drawing/2014/main" id="{B1DD3849-2FD7-E8DB-F319-B8A4E43EC061}"/>
-              </a:ext>
-            </a:extLst>
-          </p:cNvPr>
-          <p:cNvSpPr>
-            <a:spLocks noGrp="1"/>
-          </p:cNvSpPr>
-          <p:nvPr>
-            <p:ph type="title"/>
-          </p:nvPr>
-        </p:nvSpPr>
-        <p:spPr>
-          <a:xfrm>
-            <a:off x="833002" y="365125"/>
-            <a:ext cx="10520702" cy="1325563"/>
-          </a:xfrm>
-        </p:spPr>
-        <p:txBody>
-          <a:bodyPr>
-            <a:normAutofit/>
-          </a:bodyPr>
-          <a:lstStyle/>
-          <a:p>
-            <a:r>
-              <a:rPr lang="en-US">
-                <a:solidFill>
-                  <a:srgbClr val="FFFFFF"/>
-                </a:solidFill>
-              </a:rPr>
-              <a:t>3.21 Connecting server-side script to database</a:t>
-            </a:r>
-          </a:p>
-        </p:txBody>
-      </p:sp>
-      <p:sp>
-        <p:nvSpPr>
-          <p:cNvPr id="3" name="Content Placeholder 2">
-            <a:extLst>
-              <a:ext uri="{FF2B5EF4-FFF2-40B4-BE49-F238E27FC236}">
-                <a16:creationId xmlns:a16="http://schemas.microsoft.com/office/drawing/2014/main" id="{07EFEDED-6A61-7FA9-78C7-B4D2EDA45225}"/>
-              </a:ext>
-            </a:extLst>
-          </p:cNvPr>
-          <p:cNvSpPr>
-            <a:spLocks noGrp="1"/>
-          </p:cNvSpPr>
-          <p:nvPr>
-            <p:ph idx="1"/>
-          </p:nvPr>
-        </p:nvSpPr>
-        <p:spPr>
-          <a:xfrm>
-            <a:off x="838201" y="2022601"/>
-            <a:ext cx="10515598" cy="4154361"/>
-          </a:xfrm>
-        </p:spPr>
-        <p:txBody>
-          <a:bodyPr>
-            <a:normAutofit/>
-          </a:bodyPr>
-          <a:lstStyle/>
-          <a:p>
-            <a:pPr>
-              <a:buFont typeface="Arial" panose="020B0604020202020204" pitchFamily="34" charset="0"/>
-              <a:buChar char="•"/>
-            </a:pPr>
-            <a:r>
-              <a:rPr lang="en-US" sz="2000" b="0" i="0" dirty="0">
-                <a:solidFill>
-                  <a:srgbClr val="FFFFFF"/>
-                </a:solidFill>
-                <a:effectLst/>
-                <a:latin typeface="Söhne"/>
-              </a:rPr>
-              <a:t>To connect to a database from PHP, you will need to use the appropriate database extension (e.g. PDO or </a:t>
-            </a:r>
-            <a:r>
-              <a:rPr lang="en-US" sz="2000" b="0" i="0" dirty="0" err="1">
-                <a:solidFill>
-                  <a:srgbClr val="FFFFFF"/>
-                </a:solidFill>
-                <a:effectLst/>
-                <a:latin typeface="Söhne"/>
-              </a:rPr>
-              <a:t>MySQLi</a:t>
-            </a:r>
-            <a:r>
-              <a:rPr lang="en-US" sz="2000" b="0" i="0" dirty="0">
-                <a:solidFill>
-                  <a:srgbClr val="FFFFFF"/>
-                </a:solidFill>
-                <a:effectLst/>
-                <a:latin typeface="Söhne"/>
-              </a:rPr>
-              <a:t>) and provide the necessary connection details such as the hostname, username, password, and database name</a:t>
-            </a:r>
-          </a:p>
-          <a:p>
-            <a:pPr>
-              <a:buFont typeface="Arial" panose="020B0604020202020204" pitchFamily="34" charset="0"/>
-              <a:buChar char="•"/>
-            </a:pPr>
-            <a:r>
-              <a:rPr lang="en-US" sz="2000" b="0" i="0" dirty="0">
-                <a:solidFill>
-                  <a:srgbClr val="FFFFFF"/>
-                </a:solidFill>
-                <a:effectLst/>
-                <a:latin typeface="Söhne"/>
-              </a:rPr>
-              <a:t>Once connected, you can use the extension's methods to execute SQL statements, bind parameters, and fetch results</a:t>
-            </a:r>
-          </a:p>
-          <a:p>
-            <a:pPr>
-              <a:buFont typeface="Arial" panose="020B0604020202020204" pitchFamily="34" charset="0"/>
-              <a:buChar char="•"/>
-            </a:pPr>
-            <a:r>
-              <a:rPr lang="en-US" sz="2000" b="0" i="0" dirty="0">
-                <a:solidFill>
-                  <a:srgbClr val="FFFFFF"/>
-                </a:solidFill>
-                <a:effectLst/>
-                <a:latin typeface="Söhne"/>
-              </a:rPr>
-              <a:t>It's important to use prepared statements and parameter binding to protect against SQL injection attacks</a:t>
-            </a:r>
-          </a:p>
-          <a:p>
-            <a:pPr>
-              <a:buFont typeface="Arial" panose="020B0604020202020204" pitchFamily="34" charset="0"/>
-              <a:buChar char="•"/>
-            </a:pPr>
-            <a:r>
-              <a:rPr lang="en-US" sz="2000" b="0" i="0" dirty="0">
-                <a:solidFill>
-                  <a:srgbClr val="FFFFFF"/>
-                </a:solidFill>
-                <a:effectLst/>
-                <a:latin typeface="Söhne"/>
-              </a:rPr>
-              <a:t>It's also a good practice to use an ORM library to abstract the database operations and make the code more readable and maintainable</a:t>
-            </a:r>
-          </a:p>
-          <a:p>
-            <a:pPr>
-              <a:buFont typeface="Arial" panose="020B0604020202020204" pitchFamily="34" charset="0"/>
-              <a:buChar char="•"/>
-            </a:pPr>
-            <a:r>
-              <a:rPr lang="en-US" sz="2000" b="0" i="0" dirty="0">
-                <a:solidFill>
-                  <a:srgbClr val="FFFFFF"/>
-                </a:solidFill>
-                <a:effectLst/>
-                <a:latin typeface="Söhne"/>
-              </a:rPr>
-              <a:t>An example of connecting to a MySQL database using PDO:</a:t>
-            </a:r>
-          </a:p>
-          <a:p>
-            <a:endParaRPr lang="en-US" sz="2000" dirty="0">
-              <a:solidFill>
-                <a:srgbClr val="FFFFFF"/>
-              </a:solidFill>
-            </a:endParaRPr>
-          </a:p>
-        </p:txBody>
-      </p:sp>
-    </p:spTree>
-    <p:extLst>
-      <p:ext uri="{BB962C8B-B14F-4D97-AF65-F5344CB8AC3E}">
-        <p14:creationId xmlns:p14="http://schemas.microsoft.com/office/powerpoint/2010/main" val="2155792955"/>
-      </p:ext>
-    </p:extLst>
-  </p:cSld>
-  <p:clrMapOvr>
-    <a:overrideClrMapping bg1="dk1" tx1="lt1" bg2="dk2" tx2="lt2" accent1="accent1" accent2="accent2" accent3="accent3" accent4="accent4" accent5="accent5" accent6="accent6" hlink="hlink" folHlink="folHlink"/>
-  </p:clrMapOvr>
-</p:sld>
-</file>
-
-<file path=ppt/slides/slide18.xml><?xml version="1.0" encoding="utf-8"?>
-<p:sld xmlns:a="http://schemas.openxmlformats.org/drawingml/2006/main" xmlns:r="http://schemas.openxmlformats.org/officeDocument/2006/relationships" xmlns:p="http://schemas.openxmlformats.org/presentationml/2006/main">
-  <p:cSld>
-    <p:bg>
-      <p:bgPr>
-        <a:solidFill>
-          <a:srgbClr val="404040"/>
-        </a:solidFill>
-        <a:effectLst/>
-      </p:bgPr>
-    </p:bg>
-    <p:spTree>
-      <p:nvGrpSpPr>
-        <p:cNvPr id="1" name=""/>
-        <p:cNvGrpSpPr/>
-        <p:nvPr/>
-      </p:nvGrpSpPr>
-      <p:grpSpPr>
-        <a:xfrm>
-          <a:off x="0" y="0"/>
-          <a:ext cx="0" cy="0"/>
-          <a:chOff x="0" y="0"/>
-          <a:chExt cx="0" cy="0"/>
-        </a:xfrm>
-      </p:grpSpPr>
-      <p:sp>
-        <p:nvSpPr>
-          <p:cNvPr id="2" name="Title 1">
-            <a:extLst>
-              <a:ext uri="{FF2B5EF4-FFF2-40B4-BE49-F238E27FC236}">
-                <a16:creationId xmlns:a16="http://schemas.microsoft.com/office/drawing/2014/main" id="{B1DD3849-2FD7-E8DB-F319-B8A4E43EC061}"/>
-              </a:ext>
-            </a:extLst>
-          </p:cNvPr>
-          <p:cNvSpPr>
-            <a:spLocks noGrp="1"/>
-          </p:cNvSpPr>
-          <p:nvPr>
-            <p:ph type="title"/>
-          </p:nvPr>
-        </p:nvSpPr>
-        <p:spPr>
-          <a:xfrm>
-            <a:off x="833002" y="365125"/>
-            <a:ext cx="10520702" cy="1325563"/>
-          </a:xfrm>
-        </p:spPr>
-        <p:txBody>
-          <a:bodyPr>
-            <a:normAutofit/>
-          </a:bodyPr>
-          <a:lstStyle/>
-          <a:p>
-            <a:r>
-              <a:rPr lang="en-US">
-                <a:solidFill>
-                  <a:srgbClr val="FFFFFF"/>
-                </a:solidFill>
-              </a:rPr>
-              <a:t>3.21 Connecting server-side script to database</a:t>
-            </a:r>
-          </a:p>
-        </p:txBody>
-      </p:sp>
-      <p:pic>
-        <p:nvPicPr>
-          <p:cNvPr id="5" name="Content Placeholder 4">
-            <a:extLst>
-              <a:ext uri="{FF2B5EF4-FFF2-40B4-BE49-F238E27FC236}">
-                <a16:creationId xmlns:a16="http://schemas.microsoft.com/office/drawing/2014/main" id="{769D04DE-94DB-0967-3AB2-4B3A4E9151C9}"/>
-              </a:ext>
-            </a:extLst>
-          </p:cNvPr>
-          <p:cNvPicPr>
-            <a:picLocks noGrp="1" noChangeAspect="1"/>
-          </p:cNvPicPr>
-          <p:nvPr>
-            <p:ph idx="1"/>
-          </p:nvPr>
-        </p:nvPicPr>
-        <p:blipFill>
-          <a:blip r:embed="rId2"/>
-          <a:stretch>
-            <a:fillRect/>
-          </a:stretch>
-        </p:blipFill>
-        <p:spPr>
-          <a:xfrm>
-            <a:off x="1790700" y="2193143"/>
-            <a:ext cx="8968739" cy="2360195"/>
-          </a:xfrm>
-        </p:spPr>
-      </p:pic>
-    </p:spTree>
-    <p:extLst>
-      <p:ext uri="{BB962C8B-B14F-4D97-AF65-F5344CB8AC3E}">
-        <p14:creationId xmlns:p14="http://schemas.microsoft.com/office/powerpoint/2010/main" val="3267874731"/>
       </p:ext>
     </p:extLst>
   </p:cSld>
@@ -8515,14 +9014,13 @@
           <a:lstStyle/>
           <a:p>
             <a:r>
-              <a:rPr lang="en-US" dirty="0"/>
-              <a:t>3.22 Making SQL queries in PHP</a:t>
-            </a:r>
-            <a:endParaRPr lang="en-US" dirty="0">
-              <a:solidFill>
-                <a:srgbClr val="FFFFFF"/>
-              </a:solidFill>
-            </a:endParaRPr>
+              <a:rPr lang="en-US">
+                <a:solidFill>
+                  <a:srgbClr val="FFFFFF"/>
+                </a:solidFill>
+              </a:rPr>
+              <a:t>3.21 Connecting server-side script to database</a:t>
+            </a:r>
           </a:p>
         </p:txBody>
       </p:sp>
@@ -8545,33 +9043,33 @@
         <p:spPr>
           <a:xfrm>
             <a:off x="838201" y="2022601"/>
-            <a:ext cx="10515598" cy="1132079"/>
+            <a:ext cx="10515598" cy="4154361"/>
           </a:xfrm>
         </p:spPr>
         <p:txBody>
           <a:bodyPr>
-            <a:normAutofit lnSpcReduction="10000"/>
+            <a:normAutofit/>
           </a:bodyPr>
           <a:lstStyle/>
           <a:p>
-            <a:pPr algn="l">
+            <a:pPr>
               <a:buFont typeface="Arial" panose="020B0604020202020204" pitchFamily="34" charset="0"/>
               <a:buChar char="•"/>
             </a:pPr>
             <a:r>
               <a:rPr lang="en-US" sz="2000" b="0" i="0" dirty="0">
                 <a:solidFill>
-                  <a:srgbClr val="D1D5DB"/>
-                </a:solidFill>
-                <a:effectLst/>
-                <a:latin typeface="Söhne"/>
-              </a:rPr>
-              <a:t>Once connected to the database, you can execute SQL statements using the appropriate methods of the database extension (e.g. PDO or </a:t>
+                  <a:srgbClr val="FFFFFF"/>
+                </a:solidFill>
+                <a:effectLst/>
+                <a:latin typeface="Söhne"/>
+              </a:rPr>
+              <a:t>To connect to a database from PHP, you will need to use the appropriate database extension (e.g. PDO or </a:t>
             </a:r>
             <a:r>
               <a:rPr lang="en-US" sz="2000" b="0" i="0" dirty="0" err="1">
                 <a:solidFill>
-                  <a:srgbClr val="D1D5DB"/>
+                  <a:srgbClr val="FFFFFF"/>
                 </a:solidFill>
                 <a:effectLst/>
                 <a:latin typeface="Söhne"/>
@@ -8581,307 +9079,91 @@
             <a:r>
               <a:rPr lang="en-US" sz="2000" b="0" i="0" dirty="0">
                 <a:solidFill>
-                  <a:srgbClr val="D1D5DB"/>
-                </a:solidFill>
-                <a:effectLst/>
-                <a:latin typeface="Söhne"/>
-              </a:rPr>
-              <a:t>)</a:t>
-            </a:r>
-          </a:p>
-          <a:p>
-            <a:pPr algn="l">
+                  <a:srgbClr val="FFFFFF"/>
+                </a:solidFill>
+                <a:effectLst/>
+                <a:latin typeface="Söhne"/>
+              </a:rPr>
+              <a:t>) and provide the necessary connection details such as the hostname, username, password, and database name</a:t>
+            </a:r>
+          </a:p>
+          <a:p>
+            <a:pPr>
               <a:buFont typeface="Arial" panose="020B0604020202020204" pitchFamily="34" charset="0"/>
               <a:buChar char="•"/>
             </a:pPr>
             <a:r>
               <a:rPr lang="en-US" sz="2000" b="0" i="0" dirty="0">
                 <a:solidFill>
-                  <a:srgbClr val="D1D5DB"/>
-                </a:solidFill>
-                <a:effectLst/>
-                <a:latin typeface="Söhne"/>
-              </a:rPr>
-              <a:t>For example, to execute a SELECT statement using PDO, you can use the query() method:</a:t>
-            </a:r>
-          </a:p>
-        </p:txBody>
-      </p:sp>
-      <p:pic>
-        <p:nvPicPr>
-          <p:cNvPr id="5" name="Picture 4">
-            <a:extLst>
-              <a:ext uri="{FF2B5EF4-FFF2-40B4-BE49-F238E27FC236}">
-                <a16:creationId xmlns:a16="http://schemas.microsoft.com/office/drawing/2014/main" id="{DE2685B0-A9FA-0DD5-EAE4-A2ACEF3BEB55}"/>
-              </a:ext>
-            </a:extLst>
-          </p:cNvPr>
-          <p:cNvPicPr>
-            <a:picLocks noChangeAspect="1"/>
-          </p:cNvPicPr>
-          <p:nvPr/>
-        </p:nvPicPr>
-        <p:blipFill>
-          <a:blip r:embed="rId2"/>
-          <a:stretch>
-            <a:fillRect/>
-          </a:stretch>
-        </p:blipFill>
-        <p:spPr>
-          <a:xfrm>
-            <a:off x="2042515" y="3154680"/>
-            <a:ext cx="8106969" cy="1194711"/>
-          </a:xfrm>
-          <a:prstGeom prst="rect">
-            <a:avLst/>
-          </a:prstGeom>
-        </p:spPr>
-      </p:pic>
-      <p:sp>
-        <p:nvSpPr>
-          <p:cNvPr id="6" name="Content Placeholder 2">
-            <a:extLst>
-              <a:ext uri="{FF2B5EF4-FFF2-40B4-BE49-F238E27FC236}">
-                <a16:creationId xmlns:a16="http://schemas.microsoft.com/office/drawing/2014/main" id="{BFD43735-0783-E1E3-8844-CACFF092329A}"/>
-              </a:ext>
-            </a:extLst>
-          </p:cNvPr>
-          <p:cNvSpPr txBox="1">
-            <a:spLocks/>
-          </p:cNvSpPr>
-          <p:nvPr/>
-        </p:nvSpPr>
-        <p:spPr>
-          <a:xfrm>
-            <a:off x="838106" y="4504839"/>
-            <a:ext cx="10515598" cy="414633"/>
-          </a:xfrm>
-          <a:prstGeom prst="rect">
-            <a:avLst/>
-          </a:prstGeom>
-        </p:spPr>
-        <p:txBody>
-          <a:bodyPr vert="horz" lIns="91440" tIns="45720" rIns="91440" bIns="45720" rtlCol="0">
-            <a:normAutofit/>
-          </a:bodyPr>
-          <a:lstStyle>
-            <a:lvl1pPr marL="228600" indent="-228600" algn="l" defTabSz="914400" rtl="0" eaLnBrk="1" latinLnBrk="0" hangingPunct="1">
-              <a:lnSpc>
-                <a:spcPct val="90000"/>
-              </a:lnSpc>
-              <a:spcBef>
-                <a:spcPts val="1000"/>
-              </a:spcBef>
+                  <a:srgbClr val="FFFFFF"/>
+                </a:solidFill>
+                <a:effectLst/>
+                <a:latin typeface="Söhne"/>
+              </a:rPr>
+              <a:t>Once connected, you can use the extension's methods to execute SQL statements, bind parameters, and fetch results</a:t>
+            </a:r>
+          </a:p>
+          <a:p>
+            <a:pPr>
               <a:buFont typeface="Arial" panose="020B0604020202020204" pitchFamily="34" charset="0"/>
               <a:buChar char="•"/>
-              <a:defRPr sz="2800" kern="1200">
-                <a:solidFill>
-                  <a:schemeClr val="tx1"/>
-                </a:solidFill>
-                <a:latin typeface="+mn-lt"/>
-                <a:ea typeface="+mn-ea"/>
-                <a:cs typeface="+mn-cs"/>
-              </a:defRPr>
-            </a:lvl1pPr>
-            <a:lvl2pPr marL="685800" indent="-228600" algn="l" defTabSz="914400" rtl="0" eaLnBrk="1" latinLnBrk="0" hangingPunct="1">
-              <a:lnSpc>
-                <a:spcPct val="90000"/>
-              </a:lnSpc>
-              <a:spcBef>
-                <a:spcPts val="500"/>
-              </a:spcBef>
+            </a:pPr>
+            <a:r>
+              <a:rPr lang="en-US" sz="2000" b="0" i="0" dirty="0">
+                <a:solidFill>
+                  <a:srgbClr val="FFFFFF"/>
+                </a:solidFill>
+                <a:effectLst/>
+                <a:latin typeface="Söhne"/>
+              </a:rPr>
+              <a:t>It's important to use prepared statements and parameter binding to protect against SQL injection attacks</a:t>
+            </a:r>
+          </a:p>
+          <a:p>
+            <a:pPr>
               <a:buFont typeface="Arial" panose="020B0604020202020204" pitchFamily="34" charset="0"/>
               <a:buChar char="•"/>
-              <a:defRPr sz="2400" kern="1200">
-                <a:solidFill>
-                  <a:schemeClr val="tx1"/>
-                </a:solidFill>
-                <a:latin typeface="+mn-lt"/>
-                <a:ea typeface="+mn-ea"/>
-                <a:cs typeface="+mn-cs"/>
-              </a:defRPr>
-            </a:lvl2pPr>
-            <a:lvl3pPr marL="1143000" indent="-228600" algn="l" defTabSz="914400" rtl="0" eaLnBrk="1" latinLnBrk="0" hangingPunct="1">
-              <a:lnSpc>
-                <a:spcPct val="90000"/>
-              </a:lnSpc>
-              <a:spcBef>
-                <a:spcPts val="500"/>
-              </a:spcBef>
+            </a:pPr>
+            <a:r>
+              <a:rPr lang="en-US" sz="2000" b="0" i="0" dirty="0">
+                <a:solidFill>
+                  <a:srgbClr val="FFFFFF"/>
+                </a:solidFill>
+                <a:effectLst/>
+                <a:latin typeface="Söhne"/>
+              </a:rPr>
+              <a:t>It's also a good practice to use an ORM library to abstract the database operations and make the code more readable and maintainable</a:t>
+            </a:r>
+          </a:p>
+          <a:p>
+            <a:pPr>
               <a:buFont typeface="Arial" panose="020B0604020202020204" pitchFamily="34" charset="0"/>
               <a:buChar char="•"/>
-              <a:defRPr sz="2000" kern="1200">
-                <a:solidFill>
-                  <a:schemeClr val="tx1"/>
-                </a:solidFill>
-                <a:latin typeface="+mn-lt"/>
-                <a:ea typeface="+mn-ea"/>
-                <a:cs typeface="+mn-cs"/>
-              </a:defRPr>
-            </a:lvl3pPr>
-            <a:lvl4pPr marL="1600200" indent="-228600" algn="l" defTabSz="914400" rtl="0" eaLnBrk="1" latinLnBrk="0" hangingPunct="1">
-              <a:lnSpc>
-                <a:spcPct val="90000"/>
-              </a:lnSpc>
-              <a:spcBef>
-                <a:spcPts val="500"/>
-              </a:spcBef>
-              <a:buFont typeface="Arial" panose="020B0604020202020204" pitchFamily="34" charset="0"/>
-              <a:buChar char="•"/>
-              <a:defRPr sz="1800" kern="1200">
-                <a:solidFill>
-                  <a:schemeClr val="tx1"/>
-                </a:solidFill>
-                <a:latin typeface="+mn-lt"/>
-                <a:ea typeface="+mn-ea"/>
-                <a:cs typeface="+mn-cs"/>
-              </a:defRPr>
-            </a:lvl4pPr>
-            <a:lvl5pPr marL="2057400" indent="-228600" algn="l" defTabSz="914400" rtl="0" eaLnBrk="1" latinLnBrk="0" hangingPunct="1">
-              <a:lnSpc>
-                <a:spcPct val="90000"/>
-              </a:lnSpc>
-              <a:spcBef>
-                <a:spcPts val="500"/>
-              </a:spcBef>
-              <a:buFont typeface="Arial" panose="020B0604020202020204" pitchFamily="34" charset="0"/>
-              <a:buChar char="•"/>
-              <a:defRPr sz="1800" kern="1200">
-                <a:solidFill>
-                  <a:schemeClr val="tx1"/>
-                </a:solidFill>
-                <a:latin typeface="+mn-lt"/>
-                <a:ea typeface="+mn-ea"/>
-                <a:cs typeface="+mn-cs"/>
-              </a:defRPr>
-            </a:lvl5pPr>
-            <a:lvl6pPr marL="2514600" indent="-228600" algn="l" defTabSz="914400" rtl="0" eaLnBrk="1" latinLnBrk="0" hangingPunct="1">
-              <a:lnSpc>
-                <a:spcPct val="90000"/>
-              </a:lnSpc>
-              <a:spcBef>
-                <a:spcPts val="500"/>
-              </a:spcBef>
-              <a:buFont typeface="Arial" panose="020B0604020202020204" pitchFamily="34" charset="0"/>
-              <a:buChar char="•"/>
-              <a:defRPr sz="1800" kern="1200">
-                <a:solidFill>
-                  <a:schemeClr val="tx1"/>
-                </a:solidFill>
-                <a:latin typeface="+mn-lt"/>
-                <a:ea typeface="+mn-ea"/>
-                <a:cs typeface="+mn-cs"/>
-              </a:defRPr>
-            </a:lvl6pPr>
-            <a:lvl7pPr marL="2971800" indent="-228600" algn="l" defTabSz="914400" rtl="0" eaLnBrk="1" latinLnBrk="0" hangingPunct="1">
-              <a:lnSpc>
-                <a:spcPct val="90000"/>
-              </a:lnSpc>
-              <a:spcBef>
-                <a:spcPts val="500"/>
-              </a:spcBef>
-              <a:buFont typeface="Arial" panose="020B0604020202020204" pitchFamily="34" charset="0"/>
-              <a:buChar char="•"/>
-              <a:defRPr sz="1800" kern="1200">
-                <a:solidFill>
-                  <a:schemeClr val="tx1"/>
-                </a:solidFill>
-                <a:latin typeface="+mn-lt"/>
-                <a:ea typeface="+mn-ea"/>
-                <a:cs typeface="+mn-cs"/>
-              </a:defRPr>
-            </a:lvl7pPr>
-            <a:lvl8pPr marL="3429000" indent="-228600" algn="l" defTabSz="914400" rtl="0" eaLnBrk="1" latinLnBrk="0" hangingPunct="1">
-              <a:lnSpc>
-                <a:spcPct val="90000"/>
-              </a:lnSpc>
-              <a:spcBef>
-                <a:spcPts val="500"/>
-              </a:spcBef>
-              <a:buFont typeface="Arial" panose="020B0604020202020204" pitchFamily="34" charset="0"/>
-              <a:buChar char="•"/>
-              <a:defRPr sz="1800" kern="1200">
-                <a:solidFill>
-                  <a:schemeClr val="tx1"/>
-                </a:solidFill>
-                <a:latin typeface="+mn-lt"/>
-                <a:ea typeface="+mn-ea"/>
-                <a:cs typeface="+mn-cs"/>
-              </a:defRPr>
-            </a:lvl8pPr>
-            <a:lvl9pPr marL="3886200" indent="-228600" algn="l" defTabSz="914400" rtl="0" eaLnBrk="1" latinLnBrk="0" hangingPunct="1">
-              <a:lnSpc>
-                <a:spcPct val="90000"/>
-              </a:lnSpc>
-              <a:spcBef>
-                <a:spcPts val="500"/>
-              </a:spcBef>
-              <a:buFont typeface="Arial" panose="020B0604020202020204" pitchFamily="34" charset="0"/>
-              <a:buChar char="•"/>
-              <a:defRPr sz="1800" kern="1200">
-                <a:solidFill>
-                  <a:schemeClr val="tx1"/>
-                </a:solidFill>
-                <a:latin typeface="+mn-lt"/>
-                <a:ea typeface="+mn-ea"/>
-                <a:cs typeface="+mn-cs"/>
-              </a:defRPr>
-            </a:lvl9pPr>
-          </a:lstStyle>
-          <a:p>
-            <a:r>
-              <a:rPr lang="en-US" sz="1800" b="0" i="0" dirty="0">
-                <a:solidFill>
-                  <a:srgbClr val="D1D5DB"/>
-                </a:solidFill>
-                <a:effectLst/>
-                <a:latin typeface="Söhne"/>
-              </a:rPr>
-              <a:t>To execute an INSERT statement using PDO, you can use the prepare() and execute() methods:</a:t>
-            </a:r>
-            <a:endParaRPr lang="en-US" dirty="0">
+            </a:pPr>
+            <a:r>
+              <a:rPr lang="en-US" sz="2000" b="0" i="0" dirty="0">
+                <a:solidFill>
+                  <a:srgbClr val="FFFFFF"/>
+                </a:solidFill>
+                <a:effectLst/>
+                <a:latin typeface="Söhne"/>
+              </a:rPr>
+              <a:t>An example of connecting to a MySQL database using PDO:</a:t>
+            </a:r>
+          </a:p>
+          <a:p>
+            <a:endParaRPr lang="en-US" sz="2000" dirty="0">
               <a:solidFill>
-                <a:srgbClr val="D1D5DB"/>
+                <a:srgbClr val="FFFFFF"/>
               </a:solidFill>
-              <a:latin typeface="Söhne"/>
             </a:endParaRPr>
           </a:p>
         </p:txBody>
       </p:sp>
-      <p:pic>
-        <p:nvPicPr>
-          <p:cNvPr id="13" name="Picture 12">
-            <a:extLst>
-              <a:ext uri="{FF2B5EF4-FFF2-40B4-BE49-F238E27FC236}">
-                <a16:creationId xmlns:a16="http://schemas.microsoft.com/office/drawing/2014/main" id="{8E220705-327A-1AD8-5FE9-88BF584DD5AC}"/>
-              </a:ext>
-            </a:extLst>
-          </p:cNvPr>
-          <p:cNvPicPr>
-            <a:picLocks noChangeAspect="1"/>
-          </p:cNvPicPr>
-          <p:nvPr/>
-        </p:nvPicPr>
-        <p:blipFill>
-          <a:blip r:embed="rId3"/>
-          <a:stretch>
-            <a:fillRect/>
-          </a:stretch>
-        </p:blipFill>
-        <p:spPr>
-          <a:xfrm>
-            <a:off x="1963133" y="5074920"/>
-            <a:ext cx="8265733" cy="1531153"/>
-          </a:xfrm>
-          <a:prstGeom prst="rect">
-            <a:avLst/>
-          </a:prstGeom>
-        </p:spPr>
-      </p:pic>
     </p:spTree>
     <p:extLst>
       <p:ext uri="{BB962C8B-B14F-4D97-AF65-F5344CB8AC3E}">
-        <p14:creationId xmlns:p14="http://schemas.microsoft.com/office/powerpoint/2010/main" val="3482662676"/>
+        <p14:creationId xmlns:p14="http://schemas.microsoft.com/office/powerpoint/2010/main" val="2155792955"/>
       </p:ext>
     </p:extLst>
   </p:cSld>
@@ -9075,6 +9357,542 @@
     <p:bg>
       <p:bgPr>
         <a:solidFill>
+          <a:srgbClr val="404040"/>
+        </a:solidFill>
+        <a:effectLst/>
+      </p:bgPr>
+    </p:bg>
+    <p:spTree>
+      <p:nvGrpSpPr>
+        <p:cNvPr id="1" name=""/>
+        <p:cNvGrpSpPr/>
+        <p:nvPr/>
+      </p:nvGrpSpPr>
+      <p:grpSpPr>
+        <a:xfrm>
+          <a:off x="0" y="0"/>
+          <a:ext cx="0" cy="0"/>
+          <a:chOff x="0" y="0"/>
+          <a:chExt cx="0" cy="0"/>
+        </a:xfrm>
+      </p:grpSpPr>
+      <p:sp>
+        <p:nvSpPr>
+          <p:cNvPr id="2" name="Title 1">
+            <a:extLst>
+              <a:ext uri="{FF2B5EF4-FFF2-40B4-BE49-F238E27FC236}">
+                <a16:creationId xmlns:a16="http://schemas.microsoft.com/office/drawing/2014/main" id="{B1DD3849-2FD7-E8DB-F319-B8A4E43EC061}"/>
+              </a:ext>
+            </a:extLst>
+          </p:cNvPr>
+          <p:cNvSpPr>
+            <a:spLocks noGrp="1"/>
+          </p:cNvSpPr>
+          <p:nvPr>
+            <p:ph type="title"/>
+          </p:nvPr>
+        </p:nvSpPr>
+        <p:spPr>
+          <a:xfrm>
+            <a:off x="833002" y="365125"/>
+            <a:ext cx="10520702" cy="1325563"/>
+          </a:xfrm>
+        </p:spPr>
+        <p:txBody>
+          <a:bodyPr>
+            <a:normAutofit/>
+          </a:bodyPr>
+          <a:lstStyle/>
+          <a:p>
+            <a:r>
+              <a:rPr lang="en-US">
+                <a:solidFill>
+                  <a:srgbClr val="FFFFFF"/>
+                </a:solidFill>
+              </a:rPr>
+              <a:t>3.21 Connecting server-side script to database</a:t>
+            </a:r>
+          </a:p>
+        </p:txBody>
+      </p:sp>
+      <p:pic>
+        <p:nvPicPr>
+          <p:cNvPr id="5" name="Content Placeholder 4">
+            <a:extLst>
+              <a:ext uri="{FF2B5EF4-FFF2-40B4-BE49-F238E27FC236}">
+                <a16:creationId xmlns:a16="http://schemas.microsoft.com/office/drawing/2014/main" id="{769D04DE-94DB-0967-3AB2-4B3A4E9151C9}"/>
+              </a:ext>
+            </a:extLst>
+          </p:cNvPr>
+          <p:cNvPicPr>
+            <a:picLocks noGrp="1" noChangeAspect="1"/>
+          </p:cNvPicPr>
+          <p:nvPr>
+            <p:ph idx="1"/>
+          </p:nvPr>
+        </p:nvPicPr>
+        <p:blipFill>
+          <a:blip r:embed="rId2"/>
+          <a:stretch>
+            <a:fillRect/>
+          </a:stretch>
+        </p:blipFill>
+        <p:spPr>
+          <a:xfrm>
+            <a:off x="1790700" y="2193143"/>
+            <a:ext cx="8968739" cy="2360195"/>
+          </a:xfrm>
+        </p:spPr>
+      </p:pic>
+    </p:spTree>
+    <p:extLst>
+      <p:ext uri="{BB962C8B-B14F-4D97-AF65-F5344CB8AC3E}">
+        <p14:creationId xmlns:p14="http://schemas.microsoft.com/office/powerpoint/2010/main" val="3267874731"/>
+      </p:ext>
+    </p:extLst>
+  </p:cSld>
+  <p:clrMapOvr>
+    <a:overrideClrMapping bg1="dk1" tx1="lt1" bg2="dk2" tx2="lt2" accent1="accent1" accent2="accent2" accent3="accent3" accent4="accent4" accent5="accent5" accent6="accent6" hlink="hlink" folHlink="folHlink"/>
+  </p:clrMapOvr>
+</p:sld>
+</file>
+
+<file path=ppt/slides/slide21.xml><?xml version="1.0" encoding="utf-8"?>
+<p:sld xmlns:a="http://schemas.openxmlformats.org/drawingml/2006/main" xmlns:r="http://schemas.openxmlformats.org/officeDocument/2006/relationships" xmlns:p="http://schemas.openxmlformats.org/presentationml/2006/main">
+  <p:cSld>
+    <p:bg>
+      <p:bgPr>
+        <a:solidFill>
+          <a:srgbClr val="404040"/>
+        </a:solidFill>
+        <a:effectLst/>
+      </p:bgPr>
+    </p:bg>
+    <p:spTree>
+      <p:nvGrpSpPr>
+        <p:cNvPr id="1" name=""/>
+        <p:cNvGrpSpPr/>
+        <p:nvPr/>
+      </p:nvGrpSpPr>
+      <p:grpSpPr>
+        <a:xfrm>
+          <a:off x="0" y="0"/>
+          <a:ext cx="0" cy="0"/>
+          <a:chOff x="0" y="0"/>
+          <a:chExt cx="0" cy="0"/>
+        </a:xfrm>
+      </p:grpSpPr>
+      <p:sp>
+        <p:nvSpPr>
+          <p:cNvPr id="2" name="Title 1">
+            <a:extLst>
+              <a:ext uri="{FF2B5EF4-FFF2-40B4-BE49-F238E27FC236}">
+                <a16:creationId xmlns:a16="http://schemas.microsoft.com/office/drawing/2014/main" id="{B1DD3849-2FD7-E8DB-F319-B8A4E43EC061}"/>
+              </a:ext>
+            </a:extLst>
+          </p:cNvPr>
+          <p:cNvSpPr>
+            <a:spLocks noGrp="1"/>
+          </p:cNvSpPr>
+          <p:nvPr>
+            <p:ph type="title"/>
+          </p:nvPr>
+        </p:nvSpPr>
+        <p:spPr>
+          <a:xfrm>
+            <a:off x="833002" y="365125"/>
+            <a:ext cx="10520702" cy="1325563"/>
+          </a:xfrm>
+        </p:spPr>
+        <p:txBody>
+          <a:bodyPr>
+            <a:normAutofit/>
+          </a:bodyPr>
+          <a:lstStyle/>
+          <a:p>
+            <a:r>
+              <a:rPr lang="en-US" dirty="0"/>
+              <a:t>3.22 Making SQL queries in PHP</a:t>
+            </a:r>
+            <a:endParaRPr lang="en-US" dirty="0">
+              <a:solidFill>
+                <a:srgbClr val="FFFFFF"/>
+              </a:solidFill>
+            </a:endParaRPr>
+          </a:p>
+        </p:txBody>
+      </p:sp>
+      <p:sp>
+        <p:nvSpPr>
+          <p:cNvPr id="3" name="Content Placeholder 2">
+            <a:extLst>
+              <a:ext uri="{FF2B5EF4-FFF2-40B4-BE49-F238E27FC236}">
+                <a16:creationId xmlns:a16="http://schemas.microsoft.com/office/drawing/2014/main" id="{07EFEDED-6A61-7FA9-78C7-B4D2EDA45225}"/>
+              </a:ext>
+            </a:extLst>
+          </p:cNvPr>
+          <p:cNvSpPr>
+            <a:spLocks noGrp="1"/>
+          </p:cNvSpPr>
+          <p:nvPr>
+            <p:ph idx="1"/>
+          </p:nvPr>
+        </p:nvSpPr>
+        <p:spPr>
+          <a:xfrm>
+            <a:off x="838201" y="2022601"/>
+            <a:ext cx="10515598" cy="1132079"/>
+          </a:xfrm>
+        </p:spPr>
+        <p:txBody>
+          <a:bodyPr>
+            <a:normAutofit lnSpcReduction="10000"/>
+          </a:bodyPr>
+          <a:lstStyle/>
+          <a:p>
+            <a:pPr algn="l">
+              <a:buFont typeface="Arial" panose="020B0604020202020204" pitchFamily="34" charset="0"/>
+              <a:buChar char="•"/>
+            </a:pPr>
+            <a:r>
+              <a:rPr lang="en-US" sz="2000" b="0" i="0" dirty="0">
+                <a:solidFill>
+                  <a:srgbClr val="D1D5DB"/>
+                </a:solidFill>
+                <a:effectLst/>
+                <a:latin typeface="Söhne"/>
+              </a:rPr>
+              <a:t>Once connected to the database, you can execute SQL statements using the appropriate methods of the database extension (e.g. PDO or </a:t>
+            </a:r>
+            <a:r>
+              <a:rPr lang="en-US" sz="2000" b="0" i="0" dirty="0" err="1">
+                <a:solidFill>
+                  <a:srgbClr val="D1D5DB"/>
+                </a:solidFill>
+                <a:effectLst/>
+                <a:latin typeface="Söhne"/>
+              </a:rPr>
+              <a:t>MySQLi</a:t>
+            </a:r>
+            <a:r>
+              <a:rPr lang="en-US" sz="2000" b="0" i="0" dirty="0">
+                <a:solidFill>
+                  <a:srgbClr val="D1D5DB"/>
+                </a:solidFill>
+                <a:effectLst/>
+                <a:latin typeface="Söhne"/>
+              </a:rPr>
+              <a:t>)</a:t>
+            </a:r>
+          </a:p>
+          <a:p>
+            <a:pPr algn="l">
+              <a:buFont typeface="Arial" panose="020B0604020202020204" pitchFamily="34" charset="0"/>
+              <a:buChar char="•"/>
+            </a:pPr>
+            <a:r>
+              <a:rPr lang="en-US" sz="2000" b="0" i="0" dirty="0">
+                <a:solidFill>
+                  <a:srgbClr val="D1D5DB"/>
+                </a:solidFill>
+                <a:effectLst/>
+                <a:latin typeface="Söhne"/>
+              </a:rPr>
+              <a:t>For example, to execute a SELECT statement using PDO, you can use the query() method:</a:t>
+            </a:r>
+          </a:p>
+        </p:txBody>
+      </p:sp>
+      <p:pic>
+        <p:nvPicPr>
+          <p:cNvPr id="5" name="Picture 4">
+            <a:extLst>
+              <a:ext uri="{FF2B5EF4-FFF2-40B4-BE49-F238E27FC236}">
+                <a16:creationId xmlns:a16="http://schemas.microsoft.com/office/drawing/2014/main" id="{DE2685B0-A9FA-0DD5-EAE4-A2ACEF3BEB55}"/>
+              </a:ext>
+            </a:extLst>
+          </p:cNvPr>
+          <p:cNvPicPr>
+            <a:picLocks noChangeAspect="1"/>
+          </p:cNvPicPr>
+          <p:nvPr/>
+        </p:nvPicPr>
+        <p:blipFill>
+          <a:blip r:embed="rId2"/>
+          <a:stretch>
+            <a:fillRect/>
+          </a:stretch>
+        </p:blipFill>
+        <p:spPr>
+          <a:xfrm>
+            <a:off x="2042515" y="3154680"/>
+            <a:ext cx="8106969" cy="1194711"/>
+          </a:xfrm>
+          <a:prstGeom prst="rect">
+            <a:avLst/>
+          </a:prstGeom>
+        </p:spPr>
+      </p:pic>
+      <p:sp>
+        <p:nvSpPr>
+          <p:cNvPr id="6" name="Content Placeholder 2">
+            <a:extLst>
+              <a:ext uri="{FF2B5EF4-FFF2-40B4-BE49-F238E27FC236}">
+                <a16:creationId xmlns:a16="http://schemas.microsoft.com/office/drawing/2014/main" id="{BFD43735-0783-E1E3-8844-CACFF092329A}"/>
+              </a:ext>
+            </a:extLst>
+          </p:cNvPr>
+          <p:cNvSpPr txBox="1">
+            <a:spLocks/>
+          </p:cNvSpPr>
+          <p:nvPr/>
+        </p:nvSpPr>
+        <p:spPr>
+          <a:xfrm>
+            <a:off x="838106" y="4504839"/>
+            <a:ext cx="10515598" cy="414633"/>
+          </a:xfrm>
+          <a:prstGeom prst="rect">
+            <a:avLst/>
+          </a:prstGeom>
+        </p:spPr>
+        <p:txBody>
+          <a:bodyPr vert="horz" lIns="91440" tIns="45720" rIns="91440" bIns="45720" rtlCol="0">
+            <a:normAutofit/>
+          </a:bodyPr>
+          <a:lstStyle>
+            <a:lvl1pPr marL="228600" indent="-228600" algn="l" defTabSz="914400" rtl="0" eaLnBrk="1" latinLnBrk="0" hangingPunct="1">
+              <a:lnSpc>
+                <a:spcPct val="90000"/>
+              </a:lnSpc>
+              <a:spcBef>
+                <a:spcPts val="1000"/>
+              </a:spcBef>
+              <a:buFont typeface="Arial" panose="020B0604020202020204" pitchFamily="34" charset="0"/>
+              <a:buChar char="•"/>
+              <a:defRPr sz="2800" kern="1200">
+                <a:solidFill>
+                  <a:schemeClr val="tx1"/>
+                </a:solidFill>
+                <a:latin typeface="+mn-lt"/>
+                <a:ea typeface="+mn-ea"/>
+                <a:cs typeface="+mn-cs"/>
+              </a:defRPr>
+            </a:lvl1pPr>
+            <a:lvl2pPr marL="685800" indent="-228600" algn="l" defTabSz="914400" rtl="0" eaLnBrk="1" latinLnBrk="0" hangingPunct="1">
+              <a:lnSpc>
+                <a:spcPct val="90000"/>
+              </a:lnSpc>
+              <a:spcBef>
+                <a:spcPts val="500"/>
+              </a:spcBef>
+              <a:buFont typeface="Arial" panose="020B0604020202020204" pitchFamily="34" charset="0"/>
+              <a:buChar char="•"/>
+              <a:defRPr sz="2400" kern="1200">
+                <a:solidFill>
+                  <a:schemeClr val="tx1"/>
+                </a:solidFill>
+                <a:latin typeface="+mn-lt"/>
+                <a:ea typeface="+mn-ea"/>
+                <a:cs typeface="+mn-cs"/>
+              </a:defRPr>
+            </a:lvl2pPr>
+            <a:lvl3pPr marL="1143000" indent="-228600" algn="l" defTabSz="914400" rtl="0" eaLnBrk="1" latinLnBrk="0" hangingPunct="1">
+              <a:lnSpc>
+                <a:spcPct val="90000"/>
+              </a:lnSpc>
+              <a:spcBef>
+                <a:spcPts val="500"/>
+              </a:spcBef>
+              <a:buFont typeface="Arial" panose="020B0604020202020204" pitchFamily="34" charset="0"/>
+              <a:buChar char="•"/>
+              <a:defRPr sz="2000" kern="1200">
+                <a:solidFill>
+                  <a:schemeClr val="tx1"/>
+                </a:solidFill>
+                <a:latin typeface="+mn-lt"/>
+                <a:ea typeface="+mn-ea"/>
+                <a:cs typeface="+mn-cs"/>
+              </a:defRPr>
+            </a:lvl3pPr>
+            <a:lvl4pPr marL="1600200" indent="-228600" algn="l" defTabSz="914400" rtl="0" eaLnBrk="1" latinLnBrk="0" hangingPunct="1">
+              <a:lnSpc>
+                <a:spcPct val="90000"/>
+              </a:lnSpc>
+              <a:spcBef>
+                <a:spcPts val="500"/>
+              </a:spcBef>
+              <a:buFont typeface="Arial" panose="020B0604020202020204" pitchFamily="34" charset="0"/>
+              <a:buChar char="•"/>
+              <a:defRPr sz="1800" kern="1200">
+                <a:solidFill>
+                  <a:schemeClr val="tx1"/>
+                </a:solidFill>
+                <a:latin typeface="+mn-lt"/>
+                <a:ea typeface="+mn-ea"/>
+                <a:cs typeface="+mn-cs"/>
+              </a:defRPr>
+            </a:lvl4pPr>
+            <a:lvl5pPr marL="2057400" indent="-228600" algn="l" defTabSz="914400" rtl="0" eaLnBrk="1" latinLnBrk="0" hangingPunct="1">
+              <a:lnSpc>
+                <a:spcPct val="90000"/>
+              </a:lnSpc>
+              <a:spcBef>
+                <a:spcPts val="500"/>
+              </a:spcBef>
+              <a:buFont typeface="Arial" panose="020B0604020202020204" pitchFamily="34" charset="0"/>
+              <a:buChar char="•"/>
+              <a:defRPr sz="1800" kern="1200">
+                <a:solidFill>
+                  <a:schemeClr val="tx1"/>
+                </a:solidFill>
+                <a:latin typeface="+mn-lt"/>
+                <a:ea typeface="+mn-ea"/>
+                <a:cs typeface="+mn-cs"/>
+              </a:defRPr>
+            </a:lvl5pPr>
+            <a:lvl6pPr marL="2514600" indent="-228600" algn="l" defTabSz="914400" rtl="0" eaLnBrk="1" latinLnBrk="0" hangingPunct="1">
+              <a:lnSpc>
+                <a:spcPct val="90000"/>
+              </a:lnSpc>
+              <a:spcBef>
+                <a:spcPts val="500"/>
+              </a:spcBef>
+              <a:buFont typeface="Arial" panose="020B0604020202020204" pitchFamily="34" charset="0"/>
+              <a:buChar char="•"/>
+              <a:defRPr sz="1800" kern="1200">
+                <a:solidFill>
+                  <a:schemeClr val="tx1"/>
+                </a:solidFill>
+                <a:latin typeface="+mn-lt"/>
+                <a:ea typeface="+mn-ea"/>
+                <a:cs typeface="+mn-cs"/>
+              </a:defRPr>
+            </a:lvl6pPr>
+            <a:lvl7pPr marL="2971800" indent="-228600" algn="l" defTabSz="914400" rtl="0" eaLnBrk="1" latinLnBrk="0" hangingPunct="1">
+              <a:lnSpc>
+                <a:spcPct val="90000"/>
+              </a:lnSpc>
+              <a:spcBef>
+                <a:spcPts val="500"/>
+              </a:spcBef>
+              <a:buFont typeface="Arial" panose="020B0604020202020204" pitchFamily="34" charset="0"/>
+              <a:buChar char="•"/>
+              <a:defRPr sz="1800" kern="1200">
+                <a:solidFill>
+                  <a:schemeClr val="tx1"/>
+                </a:solidFill>
+                <a:latin typeface="+mn-lt"/>
+                <a:ea typeface="+mn-ea"/>
+                <a:cs typeface="+mn-cs"/>
+              </a:defRPr>
+            </a:lvl7pPr>
+            <a:lvl8pPr marL="3429000" indent="-228600" algn="l" defTabSz="914400" rtl="0" eaLnBrk="1" latinLnBrk="0" hangingPunct="1">
+              <a:lnSpc>
+                <a:spcPct val="90000"/>
+              </a:lnSpc>
+              <a:spcBef>
+                <a:spcPts val="500"/>
+              </a:spcBef>
+              <a:buFont typeface="Arial" panose="020B0604020202020204" pitchFamily="34" charset="0"/>
+              <a:buChar char="•"/>
+              <a:defRPr sz="1800" kern="1200">
+                <a:solidFill>
+                  <a:schemeClr val="tx1"/>
+                </a:solidFill>
+                <a:latin typeface="+mn-lt"/>
+                <a:ea typeface="+mn-ea"/>
+                <a:cs typeface="+mn-cs"/>
+              </a:defRPr>
+            </a:lvl8pPr>
+            <a:lvl9pPr marL="3886200" indent="-228600" algn="l" defTabSz="914400" rtl="0" eaLnBrk="1" latinLnBrk="0" hangingPunct="1">
+              <a:lnSpc>
+                <a:spcPct val="90000"/>
+              </a:lnSpc>
+              <a:spcBef>
+                <a:spcPts val="500"/>
+              </a:spcBef>
+              <a:buFont typeface="Arial" panose="020B0604020202020204" pitchFamily="34" charset="0"/>
+              <a:buChar char="•"/>
+              <a:defRPr sz="1800" kern="1200">
+                <a:solidFill>
+                  <a:schemeClr val="tx1"/>
+                </a:solidFill>
+                <a:latin typeface="+mn-lt"/>
+                <a:ea typeface="+mn-ea"/>
+                <a:cs typeface="+mn-cs"/>
+              </a:defRPr>
+            </a:lvl9pPr>
+          </a:lstStyle>
+          <a:p>
+            <a:r>
+              <a:rPr lang="en-US" sz="1800" b="0" i="0" dirty="0">
+                <a:solidFill>
+                  <a:srgbClr val="D1D5DB"/>
+                </a:solidFill>
+                <a:effectLst/>
+                <a:latin typeface="Söhne"/>
+              </a:rPr>
+              <a:t>To execute an INSERT statement using PDO, you can use the prepare() and execute() methods:</a:t>
+            </a:r>
+            <a:endParaRPr lang="en-US" dirty="0">
+              <a:solidFill>
+                <a:srgbClr val="D1D5DB"/>
+              </a:solidFill>
+              <a:latin typeface="Söhne"/>
+            </a:endParaRPr>
+          </a:p>
+        </p:txBody>
+      </p:sp>
+      <p:pic>
+        <p:nvPicPr>
+          <p:cNvPr id="13" name="Picture 12">
+            <a:extLst>
+              <a:ext uri="{FF2B5EF4-FFF2-40B4-BE49-F238E27FC236}">
+                <a16:creationId xmlns:a16="http://schemas.microsoft.com/office/drawing/2014/main" id="{8E220705-327A-1AD8-5FE9-88BF584DD5AC}"/>
+              </a:ext>
+            </a:extLst>
+          </p:cNvPr>
+          <p:cNvPicPr>
+            <a:picLocks noChangeAspect="1"/>
+          </p:cNvPicPr>
+          <p:nvPr/>
+        </p:nvPicPr>
+        <p:blipFill>
+          <a:blip r:embed="rId3"/>
+          <a:stretch>
+            <a:fillRect/>
+          </a:stretch>
+        </p:blipFill>
+        <p:spPr>
+          <a:xfrm>
+            <a:off x="1963133" y="5074920"/>
+            <a:ext cx="8265733" cy="1531153"/>
+          </a:xfrm>
+          <a:prstGeom prst="rect">
+            <a:avLst/>
+          </a:prstGeom>
+        </p:spPr>
+      </p:pic>
+    </p:spTree>
+    <p:extLst>
+      <p:ext uri="{BB962C8B-B14F-4D97-AF65-F5344CB8AC3E}">
+        <p14:creationId xmlns:p14="http://schemas.microsoft.com/office/powerpoint/2010/main" val="3482662676"/>
+      </p:ext>
+    </p:extLst>
+  </p:cSld>
+  <p:clrMapOvr>
+    <a:overrideClrMapping bg1="dk1" tx1="lt1" bg2="dk2" tx2="lt2" accent1="accent1" accent2="accent2" accent3="accent3" accent4="accent4" accent5="accent5" accent6="accent6" hlink="hlink" folHlink="folHlink"/>
+  </p:clrMapOvr>
+</p:sld>
+</file>
+
+<file path=ppt/slides/slide22.xml><?xml version="1.0" encoding="utf-8"?>
+<p:sld xmlns:a="http://schemas.openxmlformats.org/drawingml/2006/main" xmlns:r="http://schemas.openxmlformats.org/officeDocument/2006/relationships" xmlns:p="http://schemas.openxmlformats.org/presentationml/2006/main">
+  <p:cSld>
+    <p:bg>
+      <p:bgPr>
+        <a:solidFill>
           <a:schemeClr val="bg1"/>
         </a:solidFill>
         <a:effectLst/>
@@ -9190,404 +10008,6 @@
     <p:extLst>
       <p:ext uri="{BB962C8B-B14F-4D97-AF65-F5344CB8AC3E}">
         <p14:creationId xmlns:p14="http://schemas.microsoft.com/office/powerpoint/2010/main" val="1591456126"/>
-      </p:ext>
-    </p:extLst>
-  </p:cSld>
-  <p:clrMapOvr>
-    <a:masterClrMapping/>
-  </p:clrMapOvr>
-</p:sld>
-</file>
-
-<file path=ppt/slides/slide21.xml><?xml version="1.0" encoding="utf-8"?>
-<p:sld xmlns:a="http://schemas.openxmlformats.org/drawingml/2006/main" xmlns:r="http://schemas.openxmlformats.org/officeDocument/2006/relationships" xmlns:p="http://schemas.openxmlformats.org/presentationml/2006/main">
-  <p:cSld>
-    <p:spTree>
-      <p:nvGrpSpPr>
-        <p:cNvPr id="1" name=""/>
-        <p:cNvGrpSpPr/>
-        <p:nvPr/>
-      </p:nvGrpSpPr>
-      <p:grpSpPr>
-        <a:xfrm>
-          <a:off x="0" y="0"/>
-          <a:ext cx="0" cy="0"/>
-          <a:chOff x="0" y="0"/>
-          <a:chExt cx="0" cy="0"/>
-        </a:xfrm>
-      </p:grpSpPr>
-      <p:sp>
-        <p:nvSpPr>
-          <p:cNvPr id="2" name="Title 1">
-            <a:extLst>
-              <a:ext uri="{FF2B5EF4-FFF2-40B4-BE49-F238E27FC236}">
-                <a16:creationId xmlns:a16="http://schemas.microsoft.com/office/drawing/2014/main" id="{B1DD3849-2FD7-E8DB-F319-B8A4E43EC061}"/>
-              </a:ext>
-            </a:extLst>
-          </p:cNvPr>
-          <p:cNvSpPr>
-            <a:spLocks noGrp="1"/>
-          </p:cNvSpPr>
-          <p:nvPr>
-            <p:ph type="title"/>
-          </p:nvPr>
-        </p:nvSpPr>
-        <p:spPr>
-          <a:xfrm>
-            <a:off x="838200" y="365125"/>
-            <a:ext cx="10628376" cy="1325563"/>
-          </a:xfrm>
-        </p:spPr>
-        <p:txBody>
-          <a:bodyPr/>
-          <a:lstStyle/>
-          <a:p>
-            <a:r>
-              <a:rPr lang="en-US"/>
-              <a:t>3.23 Fetching data sets</a:t>
-            </a:r>
-            <a:endParaRPr lang="en-US" dirty="0"/>
-          </a:p>
-        </p:txBody>
-      </p:sp>
-      <p:sp>
-        <p:nvSpPr>
-          <p:cNvPr id="3" name="Content Placeholder 2">
-            <a:extLst>
-              <a:ext uri="{FF2B5EF4-FFF2-40B4-BE49-F238E27FC236}">
-                <a16:creationId xmlns:a16="http://schemas.microsoft.com/office/drawing/2014/main" id="{07EFEDED-6A61-7FA9-78C7-B4D2EDA45225}"/>
-              </a:ext>
-            </a:extLst>
-          </p:cNvPr>
-          <p:cNvSpPr>
-            <a:spLocks noGrp="1"/>
-          </p:cNvSpPr>
-          <p:nvPr>
-            <p:ph idx="1"/>
-          </p:nvPr>
-        </p:nvSpPr>
-        <p:spPr>
-          <a:xfrm>
-            <a:off x="838200" y="1825625"/>
-            <a:ext cx="10515600" cy="3048127"/>
-          </a:xfrm>
-        </p:spPr>
-        <p:txBody>
-          <a:bodyPr/>
-          <a:lstStyle/>
-          <a:p>
-            <a:pPr algn="l">
-              <a:buFont typeface="Arial" panose="020B0604020202020204" pitchFamily="34" charset="0"/>
-              <a:buChar char="•"/>
-            </a:pPr>
-            <a:r>
-              <a:rPr lang="en-US" b="0" i="0">
-                <a:solidFill>
-                  <a:srgbClr val="D1D5DB"/>
-                </a:solidFill>
-                <a:effectLst/>
-                <a:latin typeface="Söhne"/>
-              </a:rPr>
-              <a:t>To retrieve data from a database, you can use the SELECT statement.</a:t>
-            </a:r>
-          </a:p>
-          <a:p>
-            <a:pPr algn="l">
-              <a:buFont typeface="Arial" panose="020B0604020202020204" pitchFamily="34" charset="0"/>
-              <a:buChar char="•"/>
-            </a:pPr>
-            <a:r>
-              <a:rPr lang="en-US" b="0" i="0">
-                <a:solidFill>
-                  <a:srgbClr val="D1D5DB"/>
-                </a:solidFill>
-                <a:effectLst/>
-                <a:latin typeface="Söhne"/>
-              </a:rPr>
-              <a:t>SELECT statement is used to select data from a database.</a:t>
-            </a:r>
-          </a:p>
-          <a:p>
-            <a:pPr algn="l">
-              <a:buFont typeface="Arial" panose="020B0604020202020204" pitchFamily="34" charset="0"/>
-              <a:buChar char="•"/>
-            </a:pPr>
-            <a:r>
-              <a:rPr lang="en-US" b="0" i="0">
-                <a:solidFill>
-                  <a:srgbClr val="D1D5DB"/>
-                </a:solidFill>
-                <a:effectLst/>
-                <a:latin typeface="Söhne"/>
-              </a:rPr>
-              <a:t>SELECT statement is used to select specific columns and rows from a table in a database</a:t>
-            </a:r>
-          </a:p>
-          <a:p>
-            <a:pPr algn="l">
-              <a:buFont typeface="Arial" panose="020B0604020202020204" pitchFamily="34" charset="0"/>
-              <a:buChar char="•"/>
-            </a:pPr>
-            <a:r>
-              <a:rPr lang="en-US" b="0" i="0">
-                <a:solidFill>
-                  <a:srgbClr val="D1D5DB"/>
-                </a:solidFill>
-                <a:effectLst/>
-                <a:latin typeface="Söhne"/>
-              </a:rPr>
-              <a:t>SELECT statement is the most common statement in SQL</a:t>
-            </a:r>
-          </a:p>
-          <a:p>
-            <a:pPr algn="l">
-              <a:buFont typeface="Arial" panose="020B0604020202020204" pitchFamily="34" charset="0"/>
-              <a:buChar char="•"/>
-            </a:pPr>
-            <a:r>
-              <a:rPr lang="en-US" b="0" i="0">
-                <a:solidFill>
-                  <a:srgbClr val="D1D5DB"/>
-                </a:solidFill>
-                <a:effectLst/>
-                <a:latin typeface="Söhne"/>
-              </a:rPr>
-              <a:t>Example of a SELECT statement:</a:t>
-            </a:r>
-            <a:endParaRPr lang="en-US" b="0" i="0" dirty="0">
-              <a:solidFill>
-                <a:srgbClr val="D1D5DB"/>
-              </a:solidFill>
-              <a:effectLst/>
-              <a:latin typeface="Söhne"/>
-            </a:endParaRPr>
-          </a:p>
-        </p:txBody>
-      </p:sp>
-      <p:pic>
-        <p:nvPicPr>
-          <p:cNvPr id="5" name="Picture 4">
-            <a:extLst>
-              <a:ext uri="{FF2B5EF4-FFF2-40B4-BE49-F238E27FC236}">
-                <a16:creationId xmlns:a16="http://schemas.microsoft.com/office/drawing/2014/main" id="{C4130F3E-1A0E-D3D9-FB25-D67911ACE44C}"/>
-              </a:ext>
-            </a:extLst>
-          </p:cNvPr>
-          <p:cNvPicPr>
-            <a:picLocks noChangeAspect="1"/>
-          </p:cNvPicPr>
-          <p:nvPr/>
-        </p:nvPicPr>
-        <p:blipFill>
-          <a:blip r:embed="rId2"/>
-          <a:stretch>
-            <a:fillRect/>
-          </a:stretch>
-        </p:blipFill>
-        <p:spPr>
-          <a:xfrm>
-            <a:off x="1150341" y="4475214"/>
-            <a:ext cx="6439799" cy="1066949"/>
-          </a:xfrm>
-          <a:prstGeom prst="rect">
-            <a:avLst/>
-          </a:prstGeom>
-        </p:spPr>
-      </p:pic>
-    </p:spTree>
-    <p:extLst>
-      <p:ext uri="{BB962C8B-B14F-4D97-AF65-F5344CB8AC3E}">
-        <p14:creationId xmlns:p14="http://schemas.microsoft.com/office/powerpoint/2010/main" val="712168444"/>
-      </p:ext>
-    </p:extLst>
-  </p:cSld>
-  <p:clrMapOvr>
-    <a:masterClrMapping/>
-  </p:clrMapOvr>
-</p:sld>
-</file>
-
-<file path=ppt/slides/slide22.xml><?xml version="1.0" encoding="utf-8"?>
-<p:sld xmlns:a="http://schemas.openxmlformats.org/drawingml/2006/main" xmlns:r="http://schemas.openxmlformats.org/officeDocument/2006/relationships" xmlns:p="http://schemas.openxmlformats.org/presentationml/2006/main">
-  <p:cSld>
-    <p:spTree>
-      <p:nvGrpSpPr>
-        <p:cNvPr id="1" name=""/>
-        <p:cNvGrpSpPr/>
-        <p:nvPr/>
-      </p:nvGrpSpPr>
-      <p:grpSpPr>
-        <a:xfrm>
-          <a:off x="0" y="0"/>
-          <a:ext cx="0" cy="0"/>
-          <a:chOff x="0" y="0"/>
-          <a:chExt cx="0" cy="0"/>
-        </a:xfrm>
-      </p:grpSpPr>
-      <p:sp>
-        <p:nvSpPr>
-          <p:cNvPr id="2" name="Title 1">
-            <a:extLst>
-              <a:ext uri="{FF2B5EF4-FFF2-40B4-BE49-F238E27FC236}">
-                <a16:creationId xmlns:a16="http://schemas.microsoft.com/office/drawing/2014/main" id="{B1DD3849-2FD7-E8DB-F319-B8A4E43EC061}"/>
-              </a:ext>
-            </a:extLst>
-          </p:cNvPr>
-          <p:cNvSpPr>
-            <a:spLocks noGrp="1"/>
-          </p:cNvSpPr>
-          <p:nvPr>
-            <p:ph type="title"/>
-          </p:nvPr>
-        </p:nvSpPr>
-        <p:spPr>
-          <a:xfrm>
-            <a:off x="838200" y="365125"/>
-            <a:ext cx="10628376" cy="1325563"/>
-          </a:xfrm>
-        </p:spPr>
-        <p:txBody>
-          <a:bodyPr/>
-          <a:lstStyle/>
-          <a:p>
-            <a:r>
-              <a:rPr lang="en-US"/>
-              <a:t>3.23 Fetching data sets</a:t>
-            </a:r>
-            <a:endParaRPr lang="en-US" dirty="0"/>
-          </a:p>
-        </p:txBody>
-      </p:sp>
-      <p:sp>
-        <p:nvSpPr>
-          <p:cNvPr id="3" name="Content Placeholder 2">
-            <a:extLst>
-              <a:ext uri="{FF2B5EF4-FFF2-40B4-BE49-F238E27FC236}">
-                <a16:creationId xmlns:a16="http://schemas.microsoft.com/office/drawing/2014/main" id="{07EFEDED-6A61-7FA9-78C7-B4D2EDA45225}"/>
-              </a:ext>
-            </a:extLst>
-          </p:cNvPr>
-          <p:cNvSpPr>
-            <a:spLocks noGrp="1"/>
-          </p:cNvSpPr>
-          <p:nvPr>
-            <p:ph idx="1"/>
-          </p:nvPr>
-        </p:nvSpPr>
-        <p:spPr>
-          <a:xfrm>
-            <a:off x="838200" y="1825625"/>
-            <a:ext cx="10515600" cy="3048127"/>
-          </a:xfrm>
-        </p:spPr>
-        <p:txBody>
-          <a:bodyPr/>
-          <a:lstStyle/>
-          <a:p>
-            <a:pPr algn="l">
-              <a:buFont typeface="Arial" panose="020B0604020202020204" pitchFamily="34" charset="0"/>
-              <a:buChar char="•"/>
-            </a:pPr>
-            <a:r>
-              <a:rPr lang="en-US" b="0" i="0" dirty="0">
-                <a:solidFill>
-                  <a:srgbClr val="D1D5DB"/>
-                </a:solidFill>
-                <a:effectLst/>
-                <a:latin typeface="Söhne"/>
-              </a:rPr>
-              <a:t>The WHERE clause is used to filter the results of a SELECT, UPDATE, or DELETE statement</a:t>
-            </a:r>
-          </a:p>
-          <a:p>
-            <a:pPr algn="l">
-              <a:buFont typeface="Arial" panose="020B0604020202020204" pitchFamily="34" charset="0"/>
-              <a:buChar char="•"/>
-            </a:pPr>
-            <a:r>
-              <a:rPr lang="en-US" b="0" i="0" dirty="0">
-                <a:solidFill>
-                  <a:srgbClr val="D1D5DB"/>
-                </a:solidFill>
-                <a:effectLst/>
-                <a:latin typeface="Söhne"/>
-              </a:rPr>
-              <a:t>The WHERE clause is used to extract only those records that fulfill a specified condition</a:t>
-            </a:r>
-          </a:p>
-          <a:p>
-            <a:pPr algn="l">
-              <a:buFont typeface="Arial" panose="020B0604020202020204" pitchFamily="34" charset="0"/>
-              <a:buChar char="•"/>
-            </a:pPr>
-            <a:r>
-              <a:rPr lang="en-US" b="0" i="0" dirty="0">
-                <a:solidFill>
-                  <a:srgbClr val="D1D5DB"/>
-                </a:solidFill>
-                <a:effectLst/>
-                <a:latin typeface="Söhne"/>
-              </a:rPr>
-              <a:t>It is used to filter the results of a SELECT, UPDATE, or DELETE statement</a:t>
-            </a:r>
-          </a:p>
-          <a:p>
-            <a:pPr algn="l">
-              <a:buFont typeface="Arial" panose="020B0604020202020204" pitchFamily="34" charset="0"/>
-              <a:buChar char="•"/>
-            </a:pPr>
-            <a:r>
-              <a:rPr lang="en-US" b="0" i="0" dirty="0">
-                <a:solidFill>
-                  <a:srgbClr val="D1D5DB"/>
-                </a:solidFill>
-                <a:effectLst/>
-                <a:latin typeface="Söhne"/>
-              </a:rPr>
-              <a:t>Example of using WHERE clause:</a:t>
-            </a:r>
-          </a:p>
-        </p:txBody>
-      </p:sp>
-      <p:pic>
-        <p:nvPicPr>
-          <p:cNvPr id="5" name="Picture 4">
-            <a:extLst>
-              <a:ext uri="{FF2B5EF4-FFF2-40B4-BE49-F238E27FC236}">
-                <a16:creationId xmlns:a16="http://schemas.microsoft.com/office/drawing/2014/main" id="{C4130F3E-1A0E-D3D9-FB25-D67911ACE44C}"/>
-              </a:ext>
-            </a:extLst>
-          </p:cNvPr>
-          <p:cNvPicPr>
-            <a:picLocks noChangeAspect="1"/>
-          </p:cNvPicPr>
-          <p:nvPr/>
-        </p:nvPicPr>
-        <p:blipFill>
-          <a:blip r:embed="rId2">
-            <a:extLst>
-              <a:ext uri="{28A0092B-C50C-407E-A947-70E740481C1C}">
-                <a14:useLocalDpi xmlns:a14="http://schemas.microsoft.com/office/drawing/2010/main" val="0"/>
-              </a:ext>
-            </a:extLst>
-          </a:blip>
-          <a:srcRect/>
-          <a:stretch/>
-        </p:blipFill>
-        <p:spPr>
-          <a:xfrm>
-            <a:off x="1278357" y="4015727"/>
-            <a:ext cx="6439799" cy="992962"/>
-          </a:xfrm>
-          <a:prstGeom prst="rect">
-            <a:avLst/>
-          </a:prstGeom>
-        </p:spPr>
-      </p:pic>
-    </p:spTree>
-    <p:extLst>
-      <p:ext uri="{BB962C8B-B14F-4D97-AF65-F5344CB8AC3E}">
-        <p14:creationId xmlns:p14="http://schemas.microsoft.com/office/powerpoint/2010/main" val="1484093206"/>
       </p:ext>
     </p:extLst>
   </p:cSld>
@@ -9679,14 +10099,14 @@
               <a:buChar char="•"/>
             </a:pPr>
             <a:r>
-              <a:rPr lang="en-US" b="0" i="0" dirty="0">
+              <a:rPr lang="en-US" b="0" i="0">
                 <a:solidFill>
                   <a:srgbClr val="D1D5DB"/>
                 </a:solidFill>
                 <a:effectLst/>
                 <a:latin typeface="Söhne"/>
               </a:rPr>
-              <a:t>The WHERE clause is used to filter the results of a SELECT, UPDATE, or DELETE statement</a:t>
+              <a:t>To retrieve data from a database, you can use the SELECT statement.</a:t>
             </a:r>
           </a:p>
           <a:p>
@@ -9695,14 +10115,14 @@
               <a:buChar char="•"/>
             </a:pPr>
             <a:r>
-              <a:rPr lang="en-US" b="0" i="0" dirty="0">
+              <a:rPr lang="en-US" b="0" i="0">
                 <a:solidFill>
                   <a:srgbClr val="D1D5DB"/>
                 </a:solidFill>
                 <a:effectLst/>
                 <a:latin typeface="Söhne"/>
               </a:rPr>
-              <a:t>The WHERE clause is used to extract only those records that fulfill a specified condition</a:t>
+              <a:t>SELECT statement is used to select data from a database.</a:t>
             </a:r>
           </a:p>
           <a:p>
@@ -9711,14 +10131,14 @@
               <a:buChar char="•"/>
             </a:pPr>
             <a:r>
-              <a:rPr lang="en-US" b="0" i="0" dirty="0">
+              <a:rPr lang="en-US" b="0" i="0">
                 <a:solidFill>
                   <a:srgbClr val="D1D5DB"/>
                 </a:solidFill>
                 <a:effectLst/>
                 <a:latin typeface="Söhne"/>
               </a:rPr>
-              <a:t>It is used to filter the results of a SELECT, UPDATE, or DELETE statement</a:t>
+              <a:t>SELECT statement is used to select specific columns and rows from a table in a database</a:t>
             </a:r>
           </a:p>
           <a:p>
@@ -9727,15 +10147,38 @@
               <a:buChar char="•"/>
             </a:pPr>
             <a:r>
-              <a:rPr lang="en-US" b="0" i="0" dirty="0">
+              <a:rPr lang="en-US" b="0" i="0">
                 <a:solidFill>
                   <a:srgbClr val="D1D5DB"/>
                 </a:solidFill>
                 <a:effectLst/>
                 <a:latin typeface="Söhne"/>
               </a:rPr>
-              <a:t>Example of using WHERE clause:</a:t>
-            </a:r>
+              <a:t>SELECT statement is the most common statement in SQL</a:t>
+            </a:r>
+          </a:p>
+          <a:p>
+            <a:pPr algn="l">
+              <a:buFont typeface="Arial" panose="020B0604020202020204" pitchFamily="34" charset="0"/>
+              <a:buChar char="•"/>
+            </a:pPr>
+            <a:r>
+              <a:rPr lang="en-US" b="0" i="0">
+                <a:solidFill>
+                  <a:srgbClr val="D1D5DB"/>
+                </a:solidFill>
+                <a:effectLst/>
+                <a:latin typeface="Söhne"/>
+              </a:rPr>
+              <a:t>Example of a SELECT statement:</a:t>
+            </a:r>
+            <a:endParaRPr lang="en-US" b="0" i="0" dirty="0">
+              <a:solidFill>
+                <a:srgbClr val="D1D5DB"/>
+              </a:solidFill>
+              <a:effectLst/>
+              <a:latin typeface="Söhne"/>
+            </a:endParaRPr>
           </a:p>
         </p:txBody>
       </p:sp>
@@ -9754,20 +10197,15 @@
           <p:nvPr/>
         </p:nvPicPr>
         <p:blipFill>
-          <a:blip r:embed="rId2">
-            <a:extLst>
-              <a:ext uri="{28A0092B-C50C-407E-A947-70E740481C1C}">
-                <a14:useLocalDpi xmlns:a14="http://schemas.microsoft.com/office/drawing/2010/main" val="0"/>
-              </a:ext>
-            </a:extLst>
-          </a:blip>
-          <a:srcRect/>
-          <a:stretch/>
+          <a:blip r:embed="rId2"/>
+          <a:stretch>
+            <a:fillRect/>
+          </a:stretch>
         </p:blipFill>
         <p:spPr>
           <a:xfrm>
-            <a:off x="1278357" y="4015727"/>
-            <a:ext cx="6439799" cy="992962"/>
+            <a:off x="1150341" y="4475214"/>
+            <a:ext cx="6439799" cy="1066949"/>
           </a:xfrm>
           <a:prstGeom prst="rect">
             <a:avLst/>
@@ -9777,7 +10215,7 @@
     </p:spTree>
     <p:extLst>
       <p:ext uri="{BB962C8B-B14F-4D97-AF65-F5344CB8AC3E}">
-        <p14:creationId xmlns:p14="http://schemas.microsoft.com/office/powerpoint/2010/main" val="1946137084"/>
+        <p14:creationId xmlns:p14="http://schemas.microsoft.com/office/powerpoint/2010/main" val="712168444"/>
       </p:ext>
     </p:extLst>
   </p:cSld>
@@ -9831,6 +10269,386 @@
           <a:lstStyle/>
           <a:p>
             <a:r>
+              <a:rPr lang="en-US"/>
+              <a:t>3.23 Fetching data sets</a:t>
+            </a:r>
+            <a:endParaRPr lang="en-US" dirty="0"/>
+          </a:p>
+        </p:txBody>
+      </p:sp>
+      <p:sp>
+        <p:nvSpPr>
+          <p:cNvPr id="3" name="Content Placeholder 2">
+            <a:extLst>
+              <a:ext uri="{FF2B5EF4-FFF2-40B4-BE49-F238E27FC236}">
+                <a16:creationId xmlns:a16="http://schemas.microsoft.com/office/drawing/2014/main" id="{07EFEDED-6A61-7FA9-78C7-B4D2EDA45225}"/>
+              </a:ext>
+            </a:extLst>
+          </p:cNvPr>
+          <p:cNvSpPr>
+            <a:spLocks noGrp="1"/>
+          </p:cNvSpPr>
+          <p:nvPr>
+            <p:ph idx="1"/>
+          </p:nvPr>
+        </p:nvSpPr>
+        <p:spPr>
+          <a:xfrm>
+            <a:off x="838200" y="1825625"/>
+            <a:ext cx="10515600" cy="3048127"/>
+          </a:xfrm>
+        </p:spPr>
+        <p:txBody>
+          <a:bodyPr/>
+          <a:lstStyle/>
+          <a:p>
+            <a:pPr algn="l">
+              <a:buFont typeface="Arial" panose="020B0604020202020204" pitchFamily="34" charset="0"/>
+              <a:buChar char="•"/>
+            </a:pPr>
+            <a:r>
+              <a:rPr lang="en-US" b="0" i="0" dirty="0">
+                <a:solidFill>
+                  <a:srgbClr val="D1D5DB"/>
+                </a:solidFill>
+                <a:effectLst/>
+                <a:latin typeface="Söhne"/>
+              </a:rPr>
+              <a:t>The WHERE clause is used to filter the results of a SELECT, UPDATE, or DELETE statement</a:t>
+            </a:r>
+          </a:p>
+          <a:p>
+            <a:pPr algn="l">
+              <a:buFont typeface="Arial" panose="020B0604020202020204" pitchFamily="34" charset="0"/>
+              <a:buChar char="•"/>
+            </a:pPr>
+            <a:r>
+              <a:rPr lang="en-US" b="0" i="0" dirty="0">
+                <a:solidFill>
+                  <a:srgbClr val="D1D5DB"/>
+                </a:solidFill>
+                <a:effectLst/>
+                <a:latin typeface="Söhne"/>
+              </a:rPr>
+              <a:t>The WHERE clause is used to extract only those records that fulfill a specified condition</a:t>
+            </a:r>
+          </a:p>
+          <a:p>
+            <a:pPr algn="l">
+              <a:buFont typeface="Arial" panose="020B0604020202020204" pitchFamily="34" charset="0"/>
+              <a:buChar char="•"/>
+            </a:pPr>
+            <a:r>
+              <a:rPr lang="en-US" b="0" i="0" dirty="0">
+                <a:solidFill>
+                  <a:srgbClr val="D1D5DB"/>
+                </a:solidFill>
+                <a:effectLst/>
+                <a:latin typeface="Söhne"/>
+              </a:rPr>
+              <a:t>It is used to filter the results of a SELECT, UPDATE, or DELETE statement</a:t>
+            </a:r>
+          </a:p>
+          <a:p>
+            <a:pPr algn="l">
+              <a:buFont typeface="Arial" panose="020B0604020202020204" pitchFamily="34" charset="0"/>
+              <a:buChar char="•"/>
+            </a:pPr>
+            <a:r>
+              <a:rPr lang="en-US" b="0" i="0" dirty="0">
+                <a:solidFill>
+                  <a:srgbClr val="D1D5DB"/>
+                </a:solidFill>
+                <a:effectLst/>
+                <a:latin typeface="Söhne"/>
+              </a:rPr>
+              <a:t>Example of using WHERE clause:</a:t>
+            </a:r>
+          </a:p>
+        </p:txBody>
+      </p:sp>
+      <p:pic>
+        <p:nvPicPr>
+          <p:cNvPr id="5" name="Picture 4">
+            <a:extLst>
+              <a:ext uri="{FF2B5EF4-FFF2-40B4-BE49-F238E27FC236}">
+                <a16:creationId xmlns:a16="http://schemas.microsoft.com/office/drawing/2014/main" id="{C4130F3E-1A0E-D3D9-FB25-D67911ACE44C}"/>
+              </a:ext>
+            </a:extLst>
+          </p:cNvPr>
+          <p:cNvPicPr>
+            <a:picLocks noChangeAspect="1"/>
+          </p:cNvPicPr>
+          <p:nvPr/>
+        </p:nvPicPr>
+        <p:blipFill>
+          <a:blip r:embed="rId2">
+            <a:extLst>
+              <a:ext uri="{28A0092B-C50C-407E-A947-70E740481C1C}">
+                <a14:useLocalDpi xmlns:a14="http://schemas.microsoft.com/office/drawing/2010/main" val="0"/>
+              </a:ext>
+            </a:extLst>
+          </a:blip>
+          <a:srcRect/>
+          <a:stretch/>
+        </p:blipFill>
+        <p:spPr>
+          <a:xfrm>
+            <a:off x="1278357" y="4015727"/>
+            <a:ext cx="6439799" cy="992962"/>
+          </a:xfrm>
+          <a:prstGeom prst="rect">
+            <a:avLst/>
+          </a:prstGeom>
+        </p:spPr>
+      </p:pic>
+    </p:spTree>
+    <p:extLst>
+      <p:ext uri="{BB962C8B-B14F-4D97-AF65-F5344CB8AC3E}">
+        <p14:creationId xmlns:p14="http://schemas.microsoft.com/office/powerpoint/2010/main" val="1484093206"/>
+      </p:ext>
+    </p:extLst>
+  </p:cSld>
+  <p:clrMapOvr>
+    <a:masterClrMapping/>
+  </p:clrMapOvr>
+</p:sld>
+</file>
+
+<file path=ppt/slides/slide25.xml><?xml version="1.0" encoding="utf-8"?>
+<p:sld xmlns:a="http://schemas.openxmlformats.org/drawingml/2006/main" xmlns:r="http://schemas.openxmlformats.org/officeDocument/2006/relationships" xmlns:p="http://schemas.openxmlformats.org/presentationml/2006/main">
+  <p:cSld>
+    <p:spTree>
+      <p:nvGrpSpPr>
+        <p:cNvPr id="1" name=""/>
+        <p:cNvGrpSpPr/>
+        <p:nvPr/>
+      </p:nvGrpSpPr>
+      <p:grpSpPr>
+        <a:xfrm>
+          <a:off x="0" y="0"/>
+          <a:ext cx="0" cy="0"/>
+          <a:chOff x="0" y="0"/>
+          <a:chExt cx="0" cy="0"/>
+        </a:xfrm>
+      </p:grpSpPr>
+      <p:sp>
+        <p:nvSpPr>
+          <p:cNvPr id="2" name="Title 1">
+            <a:extLst>
+              <a:ext uri="{FF2B5EF4-FFF2-40B4-BE49-F238E27FC236}">
+                <a16:creationId xmlns:a16="http://schemas.microsoft.com/office/drawing/2014/main" id="{B1DD3849-2FD7-E8DB-F319-B8A4E43EC061}"/>
+              </a:ext>
+            </a:extLst>
+          </p:cNvPr>
+          <p:cNvSpPr>
+            <a:spLocks noGrp="1"/>
+          </p:cNvSpPr>
+          <p:nvPr>
+            <p:ph type="title"/>
+          </p:nvPr>
+        </p:nvSpPr>
+        <p:spPr>
+          <a:xfrm>
+            <a:off x="838200" y="365125"/>
+            <a:ext cx="10628376" cy="1325563"/>
+          </a:xfrm>
+        </p:spPr>
+        <p:txBody>
+          <a:bodyPr/>
+          <a:lstStyle/>
+          <a:p>
+            <a:r>
+              <a:rPr lang="en-US"/>
+              <a:t>3.23 Fetching data sets</a:t>
+            </a:r>
+            <a:endParaRPr lang="en-US" dirty="0"/>
+          </a:p>
+        </p:txBody>
+      </p:sp>
+      <p:sp>
+        <p:nvSpPr>
+          <p:cNvPr id="3" name="Content Placeholder 2">
+            <a:extLst>
+              <a:ext uri="{FF2B5EF4-FFF2-40B4-BE49-F238E27FC236}">
+                <a16:creationId xmlns:a16="http://schemas.microsoft.com/office/drawing/2014/main" id="{07EFEDED-6A61-7FA9-78C7-B4D2EDA45225}"/>
+              </a:ext>
+            </a:extLst>
+          </p:cNvPr>
+          <p:cNvSpPr>
+            <a:spLocks noGrp="1"/>
+          </p:cNvSpPr>
+          <p:nvPr>
+            <p:ph idx="1"/>
+          </p:nvPr>
+        </p:nvSpPr>
+        <p:spPr>
+          <a:xfrm>
+            <a:off x="838200" y="1825625"/>
+            <a:ext cx="10515600" cy="3048127"/>
+          </a:xfrm>
+        </p:spPr>
+        <p:txBody>
+          <a:bodyPr/>
+          <a:lstStyle/>
+          <a:p>
+            <a:pPr algn="l">
+              <a:buFont typeface="Arial" panose="020B0604020202020204" pitchFamily="34" charset="0"/>
+              <a:buChar char="•"/>
+            </a:pPr>
+            <a:r>
+              <a:rPr lang="en-US" b="0" i="0" dirty="0">
+                <a:solidFill>
+                  <a:srgbClr val="D1D5DB"/>
+                </a:solidFill>
+                <a:effectLst/>
+                <a:latin typeface="Söhne"/>
+              </a:rPr>
+              <a:t>The WHERE clause is used to filter the results of a SELECT, UPDATE, or DELETE statement</a:t>
+            </a:r>
+          </a:p>
+          <a:p>
+            <a:pPr algn="l">
+              <a:buFont typeface="Arial" panose="020B0604020202020204" pitchFamily="34" charset="0"/>
+              <a:buChar char="•"/>
+            </a:pPr>
+            <a:r>
+              <a:rPr lang="en-US" b="0" i="0" dirty="0">
+                <a:solidFill>
+                  <a:srgbClr val="D1D5DB"/>
+                </a:solidFill>
+                <a:effectLst/>
+                <a:latin typeface="Söhne"/>
+              </a:rPr>
+              <a:t>The WHERE clause is used to extract only those records that fulfill a specified condition</a:t>
+            </a:r>
+          </a:p>
+          <a:p>
+            <a:pPr algn="l">
+              <a:buFont typeface="Arial" panose="020B0604020202020204" pitchFamily="34" charset="0"/>
+              <a:buChar char="•"/>
+            </a:pPr>
+            <a:r>
+              <a:rPr lang="en-US" b="0" i="0" dirty="0">
+                <a:solidFill>
+                  <a:srgbClr val="D1D5DB"/>
+                </a:solidFill>
+                <a:effectLst/>
+                <a:latin typeface="Söhne"/>
+              </a:rPr>
+              <a:t>It is used to filter the results of a SELECT, UPDATE, or DELETE statement</a:t>
+            </a:r>
+          </a:p>
+          <a:p>
+            <a:pPr algn="l">
+              <a:buFont typeface="Arial" panose="020B0604020202020204" pitchFamily="34" charset="0"/>
+              <a:buChar char="•"/>
+            </a:pPr>
+            <a:r>
+              <a:rPr lang="en-US" b="0" i="0" dirty="0">
+                <a:solidFill>
+                  <a:srgbClr val="D1D5DB"/>
+                </a:solidFill>
+                <a:effectLst/>
+                <a:latin typeface="Söhne"/>
+              </a:rPr>
+              <a:t>Example of using WHERE clause:</a:t>
+            </a:r>
+          </a:p>
+        </p:txBody>
+      </p:sp>
+      <p:pic>
+        <p:nvPicPr>
+          <p:cNvPr id="5" name="Picture 4">
+            <a:extLst>
+              <a:ext uri="{FF2B5EF4-FFF2-40B4-BE49-F238E27FC236}">
+                <a16:creationId xmlns:a16="http://schemas.microsoft.com/office/drawing/2014/main" id="{C4130F3E-1A0E-D3D9-FB25-D67911ACE44C}"/>
+              </a:ext>
+            </a:extLst>
+          </p:cNvPr>
+          <p:cNvPicPr>
+            <a:picLocks noChangeAspect="1"/>
+          </p:cNvPicPr>
+          <p:nvPr/>
+        </p:nvPicPr>
+        <p:blipFill>
+          <a:blip r:embed="rId2">
+            <a:extLst>
+              <a:ext uri="{28A0092B-C50C-407E-A947-70E740481C1C}">
+                <a14:useLocalDpi xmlns:a14="http://schemas.microsoft.com/office/drawing/2010/main" val="0"/>
+              </a:ext>
+            </a:extLst>
+          </a:blip>
+          <a:srcRect/>
+          <a:stretch/>
+        </p:blipFill>
+        <p:spPr>
+          <a:xfrm>
+            <a:off x="1278357" y="4015727"/>
+            <a:ext cx="6439799" cy="992962"/>
+          </a:xfrm>
+          <a:prstGeom prst="rect">
+            <a:avLst/>
+          </a:prstGeom>
+        </p:spPr>
+      </p:pic>
+    </p:spTree>
+    <p:extLst>
+      <p:ext uri="{BB962C8B-B14F-4D97-AF65-F5344CB8AC3E}">
+        <p14:creationId xmlns:p14="http://schemas.microsoft.com/office/powerpoint/2010/main" val="1946137084"/>
+      </p:ext>
+    </p:extLst>
+  </p:cSld>
+  <p:clrMapOvr>
+    <a:masterClrMapping/>
+  </p:clrMapOvr>
+</p:sld>
+</file>
+
+<file path=ppt/slides/slide26.xml><?xml version="1.0" encoding="utf-8"?>
+<p:sld xmlns:a="http://schemas.openxmlformats.org/drawingml/2006/main" xmlns:r="http://schemas.openxmlformats.org/officeDocument/2006/relationships" xmlns:p="http://schemas.openxmlformats.org/presentationml/2006/main">
+  <p:cSld>
+    <p:spTree>
+      <p:nvGrpSpPr>
+        <p:cNvPr id="1" name=""/>
+        <p:cNvGrpSpPr/>
+        <p:nvPr/>
+      </p:nvGrpSpPr>
+      <p:grpSpPr>
+        <a:xfrm>
+          <a:off x="0" y="0"/>
+          <a:ext cx="0" cy="0"/>
+          <a:chOff x="0" y="0"/>
+          <a:chExt cx="0" cy="0"/>
+        </a:xfrm>
+      </p:grpSpPr>
+      <p:sp>
+        <p:nvSpPr>
+          <p:cNvPr id="2" name="Title 1">
+            <a:extLst>
+              <a:ext uri="{FF2B5EF4-FFF2-40B4-BE49-F238E27FC236}">
+                <a16:creationId xmlns:a16="http://schemas.microsoft.com/office/drawing/2014/main" id="{B1DD3849-2FD7-E8DB-F319-B8A4E43EC061}"/>
+              </a:ext>
+            </a:extLst>
+          </p:cNvPr>
+          <p:cNvSpPr>
+            <a:spLocks noGrp="1"/>
+          </p:cNvSpPr>
+          <p:nvPr>
+            <p:ph type="title"/>
+          </p:nvPr>
+        </p:nvSpPr>
+        <p:spPr>
+          <a:xfrm>
+            <a:off x="838200" y="365125"/>
+            <a:ext cx="10628376" cy="1325563"/>
+          </a:xfrm>
+        </p:spPr>
+        <p:txBody>
+          <a:bodyPr/>
+          <a:lstStyle/>
+          <a:p>
+            <a:r>
               <a:rPr lang="en-US" dirty="0"/>
               <a:t>3.24 Creating SQL database with server-side scripting using PHP</a:t>
             </a:r>
@@ -9986,7 +10804,7 @@
 </p:sld>
 </file>
 
-<file path=ppt/slides/slide25.xml><?xml version="1.0" encoding="utf-8"?>
+<file path=ppt/slides/slide27.xml><?xml version="1.0" encoding="utf-8"?>
 <p:sld xmlns:a="http://schemas.openxmlformats.org/drawingml/2006/main" xmlns:r="http://schemas.openxmlformats.org/officeDocument/2006/relationships" xmlns:p="http://schemas.openxmlformats.org/presentationml/2006/main">
   <p:cSld>
     <p:bg>
@@ -10937,9 +11755,20 @@
   <p:cSld>
     <p:bg>
       <p:bgPr>
-        <a:solidFill>
-          <a:schemeClr val="bg1"/>
-        </a:solidFill>
+        <a:blipFill rotWithShape="1">
+          <a:blip r:embed="rId2">
+            <a:duotone>
+              <a:schemeClr val="bg2">
+                <a:shade val="80000"/>
+                <a:lumMod val="80000"/>
+              </a:schemeClr>
+              <a:schemeClr val="bg2">
+                <a:tint val="98000"/>
+              </a:schemeClr>
+            </a:duotone>
+          </a:blip>
+          <a:stretch/>
+        </a:blipFill>
         <a:effectLst/>
       </p:bgPr>
     </p:bg>
@@ -10975,50 +11804,28 @@
         </p:nvSpPr>
         <p:spPr>
           <a:xfrm>
-            <a:off x="1861854" y="633046"/>
-            <a:ext cx="4834021" cy="1314996"/>
-          </a:xfrm>
-        </p:spPr>
-        <p:txBody>
-          <a:bodyPr anchor="b">
+            <a:off x="913795" y="609600"/>
+            <a:ext cx="5978072" cy="1329596"/>
+          </a:xfrm>
+        </p:spPr>
+        <p:txBody>
+          <a:bodyPr>
             <a:normAutofit/>
           </a:bodyPr>
           <a:lstStyle/>
           <a:p>
             <a:r>
-              <a:rPr lang="en-US" dirty="0">
-                <a:solidFill>
-                  <a:schemeClr val="tx1">
-                    <a:lumMod val="75000"/>
-                    <a:lumOff val="25000"/>
-                  </a:schemeClr>
-                </a:solidFill>
-              </a:rPr>
-              <a:t>3</a:t>
-            </a:r>
-            <a:r>
-              <a:rPr lang="en-US" dirty="0">
-                <a:solidFill>
-                  <a:schemeClr val="bg1"/>
-                </a:solidFill>
-              </a:rPr>
-              <a:t>.15 </a:t>
-            </a:r>
-            <a:r>
-              <a:rPr lang="en-US" b="0" i="0" dirty="0">
-                <a:solidFill>
-                  <a:schemeClr val="bg1"/>
-                </a:solidFill>
+              <a:rPr lang="en-US"/>
+              <a:t>3.15 </a:t>
+            </a:r>
+            <a:r>
+              <a:rPr lang="en-US" b="0" i="0">
                 <a:effectLst/>
                 <a:latin typeface="Söhne"/>
               </a:rPr>
               <a:t>Basic PHP Syntax</a:t>
             </a:r>
-            <a:endParaRPr lang="en-US" dirty="0">
-              <a:solidFill>
-                <a:schemeClr val="bg1"/>
-              </a:solidFill>
-            </a:endParaRPr>
+            <a:endParaRPr lang="en-US"/>
           </a:p>
         </p:txBody>
       </p:sp>
@@ -11040,13 +11847,13 @@
         </p:nvSpPr>
         <p:spPr>
           <a:xfrm>
-            <a:off x="1861854" y="2125737"/>
-            <a:ext cx="4834021" cy="4044463"/>
-          </a:xfrm>
-        </p:spPr>
-        <p:txBody>
-          <a:bodyPr>
-            <a:normAutofit lnSpcReduction="10000"/>
+            <a:off x="913795" y="2127623"/>
+            <a:ext cx="5978072" cy="3567225"/>
+          </a:xfrm>
+        </p:spPr>
+        <p:txBody>
+          <a:bodyPr anchor="ctr">
+            <a:normAutofit/>
           </a:bodyPr>
           <a:lstStyle/>
           <a:p>
@@ -11055,10 +11862,7 @@
               <a:buChar char="•"/>
             </a:pPr>
             <a:r>
-              <a:rPr lang="en-US" sz="2200" b="0" i="0">
-                <a:solidFill>
-                  <a:schemeClr val="bg1"/>
-                </a:solidFill>
+              <a:rPr lang="en-US" b="0" i="0">
                 <a:effectLst/>
                 <a:latin typeface="Söhne"/>
               </a:rPr>
@@ -11071,10 +11875,7 @@
               <a:buChar char="•"/>
             </a:pPr>
             <a:r>
-              <a:rPr lang="en-US" sz="2200" b="0" i="0">
-                <a:solidFill>
-                  <a:schemeClr val="bg1"/>
-                </a:solidFill>
+              <a:rPr lang="en-US" b="0" i="0">
                 <a:effectLst/>
                 <a:latin typeface="Söhne"/>
               </a:rPr>
@@ -11087,10 +11888,7 @@
               <a:buChar char="•"/>
             </a:pPr>
             <a:r>
-              <a:rPr lang="en-US" sz="2200" b="0" i="0">
-                <a:solidFill>
-                  <a:schemeClr val="bg1"/>
-                </a:solidFill>
+              <a:rPr lang="en-US" b="0" i="0">
                 <a:effectLst/>
                 <a:latin typeface="Söhne"/>
               </a:rPr>
@@ -11103,10 +11901,7 @@
               <a:buChar char="•"/>
             </a:pPr>
             <a:r>
-              <a:rPr lang="en-US" sz="2200" b="0" i="0">
-                <a:solidFill>
-                  <a:schemeClr val="bg1"/>
-                </a:solidFill>
+              <a:rPr lang="en-US" b="0" i="0">
                 <a:effectLst/>
                 <a:latin typeface="Söhne"/>
               </a:rPr>
@@ -11119,10 +11914,7 @@
               <a:buChar char="•"/>
             </a:pPr>
             <a:r>
-              <a:rPr lang="en-US" sz="2200" b="0" i="0">
-                <a:solidFill>
-                  <a:schemeClr val="bg1"/>
-                </a:solidFill>
+              <a:rPr lang="en-US" b="0" i="0">
                 <a:effectLst/>
                 <a:latin typeface="Söhne"/>
               </a:rPr>
@@ -11131,6 +11923,50 @@
           </a:p>
         </p:txBody>
       </p:sp>
+      <p:pic>
+        <p:nvPicPr>
+          <p:cNvPr id="12" name="Picture 11">
+            <a:extLst>
+              <a:ext uri="{FF2B5EF4-FFF2-40B4-BE49-F238E27FC236}">
+                <a16:creationId xmlns:a16="http://schemas.microsoft.com/office/drawing/2014/main" id="{7AEE9CAC-347C-43C2-AE87-6BC5566E6068}"/>
+              </a:ext>
+              <a:ext uri="{C183D7F6-B498-43B3-948B-1728B52AA6E4}">
+                <adec:decorative xmlns:adec="http://schemas.microsoft.com/office/drawing/2017/decorative" val="1"/>
+              </a:ext>
+            </a:extLst>
+          </p:cNvPr>
+          <p:cNvPicPr>
+            <a:picLocks noGrp="1" noRot="1" noChangeAspect="1" noMove="1" noResize="1" noEditPoints="1" noAdjustHandles="1" noChangeArrowheads="1" noChangeShapeType="1" noCrop="1"/>
+          </p:cNvPicPr>
+          <p:nvPr>
+            <p:extLst>
+              <p:ext uri="{386F3935-93C4-4BCD-93E2-E3B085C9AB24}">
+                <p16:designElem xmlns:p16="http://schemas.microsoft.com/office/powerpoint/2015/main" val="1"/>
+              </p:ext>
+            </p:extLst>
+          </p:nvPr>
+        </p:nvPicPr>
+        <p:blipFill rotWithShape="1">
+          <a:blip r:embed="rId3">
+            <a:extLst>
+              <a:ext uri="{28A0092B-C50C-407E-A947-70E740481C1C}">
+                <a14:useLocalDpi xmlns:a14="http://schemas.microsoft.com/office/drawing/2010/main" val="0"/>
+              </a:ext>
+            </a:extLst>
+          </a:blip>
+          <a:srcRect t="964" r="2807" b="1446"/>
+          <a:stretch/>
+        </p:blipFill>
+        <p:spPr>
+          <a:xfrm>
+            <a:off x="7232905" y="1"/>
+            <a:ext cx="4959095" cy="6858000"/>
+          </a:xfrm>
+          <a:prstGeom prst="rect">
+            <a:avLst/>
+          </a:prstGeom>
+        </p:spPr>
+      </p:pic>
       <p:pic>
         <p:nvPicPr>
           <p:cNvPr id="7" name="Graphic 6" descr="Dollar">
@@ -11146,13 +11982,13 @@
           <p:nvPr/>
         </p:nvPicPr>
         <p:blipFill>
-          <a:blip r:embed="rId2">
+          <a:blip r:embed="rId4">
             <a:extLst>
               <a:ext uri="{28A0092B-C50C-407E-A947-70E740481C1C}">
                 <a14:useLocalDpi xmlns:a14="http://schemas.microsoft.com/office/drawing/2010/main" val="0"/>
               </a:ext>
               <a:ext uri="{96DAC541-7B7A-43D3-8B79-37D633B846F1}">
-                <asvg:svgBlip xmlns:asvg="http://schemas.microsoft.com/office/drawing/2016/SVG/main" r:embed="rId3"/>
+                <asvg:svgBlip xmlns:asvg="http://schemas.microsoft.com/office/drawing/2016/SVG/main" r:embed="rId5"/>
               </a:ext>
             </a:extLst>
           </a:blip>
@@ -11162,8 +11998,8 @@
         </p:blipFill>
         <p:spPr>
           <a:xfrm>
-            <a:off x="7235473" y="1200223"/>
-            <a:ext cx="4072815" cy="4072815"/>
+            <a:off x="7552945" y="1197355"/>
+            <a:ext cx="3995592" cy="3995592"/>
           </a:xfrm>
           <a:prstGeom prst="rect">
             <a:avLst/>
@@ -11188,9 +12024,20 @@
   <p:cSld>
     <p:bg>
       <p:bgPr>
-        <a:solidFill>
-          <a:schemeClr val="bg1"/>
-        </a:solidFill>
+        <a:blipFill rotWithShape="1">
+          <a:blip r:embed="rId2">
+            <a:duotone>
+              <a:schemeClr val="bg2">
+                <a:shade val="80000"/>
+                <a:lumMod val="80000"/>
+              </a:schemeClr>
+              <a:schemeClr val="bg2">
+                <a:tint val="98000"/>
+              </a:schemeClr>
+            </a:duotone>
+          </a:blip>
+          <a:stretch/>
+        </a:blipFill>
         <a:effectLst/>
       </p:bgPr>
     </p:bg>
@@ -11208,6 +12055,93 @@
           <a:chExt cx="0" cy="0"/>
         </a:xfrm>
       </p:grpSpPr>
+      <p:sp>
+        <p:nvSpPr>
+          <p:cNvPr id="2" name="Title 1">
+            <a:extLst>
+              <a:ext uri="{FF2B5EF4-FFF2-40B4-BE49-F238E27FC236}">
+                <a16:creationId xmlns:a16="http://schemas.microsoft.com/office/drawing/2014/main" id="{F79A272C-2B2D-E08F-9D4A-9FEAA0C99C7B}"/>
+              </a:ext>
+            </a:extLst>
+          </p:cNvPr>
+          <p:cNvSpPr>
+            <a:spLocks noGrp="1"/>
+          </p:cNvSpPr>
+          <p:nvPr>
+            <p:ph type="title"/>
+          </p:nvPr>
+        </p:nvSpPr>
+        <p:spPr>
+          <a:xfrm>
+            <a:off x="5279472" y="609600"/>
+            <a:ext cx="5844759" cy="970450"/>
+          </a:xfrm>
+        </p:spPr>
+        <p:txBody>
+          <a:bodyPr>
+            <a:normAutofit/>
+          </a:bodyPr>
+          <a:lstStyle/>
+          <a:p>
+            <a:r>
+              <a:rPr lang="en-US"/>
+              <a:t>3.16 </a:t>
+            </a:r>
+            <a:r>
+              <a:rPr lang="en-US" b="0" i="0">
+                <a:effectLst/>
+                <a:latin typeface="Söhne"/>
+              </a:rPr>
+              <a:t>PHP Data Types</a:t>
+            </a:r>
+            <a:endParaRPr lang="en-US"/>
+          </a:p>
+        </p:txBody>
+      </p:sp>
+      <p:pic>
+        <p:nvPicPr>
+          <p:cNvPr id="12" name="Picture 11">
+            <a:extLst>
+              <a:ext uri="{FF2B5EF4-FFF2-40B4-BE49-F238E27FC236}">
+                <a16:creationId xmlns:a16="http://schemas.microsoft.com/office/drawing/2014/main" id="{5405F23C-C82E-4181-95EA-321F3D891A40}"/>
+              </a:ext>
+              <a:ext uri="{C183D7F6-B498-43B3-948B-1728B52AA6E4}">
+                <adec:decorative xmlns:adec="http://schemas.microsoft.com/office/drawing/2017/decorative" val="1"/>
+              </a:ext>
+            </a:extLst>
+          </p:cNvPr>
+          <p:cNvPicPr>
+            <a:picLocks noGrp="1" noRot="1" noChangeAspect="1" noMove="1" noResize="1" noEditPoints="1" noAdjustHandles="1" noChangeArrowheads="1" noChangeShapeType="1" noCrop="1"/>
+          </p:cNvPicPr>
+          <p:nvPr>
+            <p:extLst>
+              <p:ext uri="{386F3935-93C4-4BCD-93E2-E3B085C9AB24}">
+                <p16:designElem xmlns:p16="http://schemas.microsoft.com/office/powerpoint/2015/main" val="1"/>
+              </p:ext>
+            </p:extLst>
+          </p:nvPr>
+        </p:nvPicPr>
+        <p:blipFill rotWithShape="1">
+          <a:blip r:embed="rId3">
+            <a:extLst>
+              <a:ext uri="{28A0092B-C50C-407E-A947-70E740481C1C}">
+                <a14:useLocalDpi xmlns:a14="http://schemas.microsoft.com/office/drawing/2010/main" val="0"/>
+              </a:ext>
+            </a:extLst>
+          </a:blip>
+          <a:srcRect t="964" r="2807" b="1446"/>
+          <a:stretch/>
+        </p:blipFill>
+        <p:spPr>
+          <a:xfrm>
+            <a:off x="-10650" y="1"/>
+            <a:ext cx="4966697" cy="6858000"/>
+          </a:xfrm>
+          <a:prstGeom prst="rect">
+            <a:avLst/>
+          </a:prstGeom>
+        </p:spPr>
+      </p:pic>
       <p:pic>
         <p:nvPicPr>
           <p:cNvPr id="7" name="Graphic 6" descr="Web Design">
@@ -11223,13 +12157,13 @@
           <p:nvPr/>
         </p:nvPicPr>
         <p:blipFill>
-          <a:blip r:embed="rId2">
+          <a:blip r:embed="rId4">
             <a:extLst>
               <a:ext uri="{28A0092B-C50C-407E-A947-70E740481C1C}">
                 <a14:useLocalDpi xmlns:a14="http://schemas.microsoft.com/office/drawing/2010/main" val="0"/>
               </a:ext>
               <a:ext uri="{96DAC541-7B7A-43D3-8B79-37D633B846F1}">
-                <asvg:svgBlip xmlns:asvg="http://schemas.microsoft.com/office/drawing/2016/SVG/main" r:embed="rId3"/>
+                <asvg:svgBlip xmlns:asvg="http://schemas.microsoft.com/office/drawing/2016/SVG/main" r:embed="rId5"/>
               </a:ext>
             </a:extLst>
           </a:blip>
@@ -11239,69 +12173,14 @@
         </p:blipFill>
         <p:spPr>
           <a:xfrm>
-            <a:off x="2720383" y="3104705"/>
-            <a:ext cx="3217333" cy="3217333"/>
+            <a:off x="632815" y="1193554"/>
+            <a:ext cx="4003193" cy="4003193"/>
           </a:xfrm>
           <a:prstGeom prst="rect">
             <a:avLst/>
           </a:prstGeom>
         </p:spPr>
       </p:pic>
-      <p:sp>
-        <p:nvSpPr>
-          <p:cNvPr id="2" name="Title 1">
-            <a:extLst>
-              <a:ext uri="{FF2B5EF4-FFF2-40B4-BE49-F238E27FC236}">
-                <a16:creationId xmlns:a16="http://schemas.microsoft.com/office/drawing/2014/main" id="{F79A272C-2B2D-E08F-9D4A-9FEAA0C99C7B}"/>
-              </a:ext>
-            </a:extLst>
-          </p:cNvPr>
-          <p:cNvSpPr>
-            <a:spLocks noGrp="1"/>
-          </p:cNvSpPr>
-          <p:nvPr>
-            <p:ph type="title"/>
-          </p:nvPr>
-        </p:nvSpPr>
-        <p:spPr>
-          <a:xfrm>
-            <a:off x="740584" y="859808"/>
-            <a:ext cx="3543197" cy="2878986"/>
-          </a:xfrm>
-        </p:spPr>
-        <p:txBody>
-          <a:bodyPr>
-            <a:normAutofit/>
-          </a:bodyPr>
-          <a:lstStyle/>
-          <a:p>
-            <a:pPr algn="ctr"/>
-            <a:r>
-              <a:rPr lang="en-US">
-                <a:solidFill>
-                  <a:schemeClr val="bg1"/>
-                </a:solidFill>
-              </a:rPr>
-              <a:t>3.16 </a:t>
-            </a:r>
-            <a:r>
-              <a:rPr lang="en-US" b="0" i="0">
-                <a:solidFill>
-                  <a:schemeClr val="bg1"/>
-                </a:solidFill>
-                <a:effectLst/>
-                <a:latin typeface="Söhne"/>
-              </a:rPr>
-              <a:t>PHP Data Types</a:t>
-            </a:r>
-            <a:endParaRPr lang="en-US">
-              <a:solidFill>
-                <a:schemeClr val="bg1"/>
-              </a:solidFill>
-            </a:endParaRPr>
-          </a:p>
-        </p:txBody>
-      </p:sp>
       <p:sp>
         <p:nvSpPr>
           <p:cNvPr id="3" name="Content Placeholder 2">
@@ -11320,25 +12199,25 @@
         </p:nvSpPr>
         <p:spPr>
           <a:xfrm>
-            <a:off x="6477270" y="685805"/>
-            <a:ext cx="4974771" cy="5534019"/>
-          </a:xfrm>
-        </p:spPr>
-        <p:txBody>
-          <a:bodyPr>
-            <a:normAutofit fontScale="92500" lnSpcReduction="10000"/>
+            <a:off x="5279472" y="1508450"/>
+            <a:ext cx="6757018" cy="4739950"/>
+          </a:xfrm>
+        </p:spPr>
+        <p:txBody>
+          <a:bodyPr anchor="ctr">
+            <a:normAutofit/>
           </a:bodyPr>
           <a:lstStyle/>
           <a:p>
             <a:pPr>
+              <a:lnSpc>
+                <a:spcPct val="90000"/>
+              </a:lnSpc>
               <a:buFont typeface="Arial" panose="020B0604020202020204" pitchFamily="34" charset="0"/>
               <a:buChar char="•"/>
             </a:pPr>
             <a:r>
               <a:rPr lang="en-US" sz="1800" b="0" i="0" dirty="0">
-                <a:solidFill>
-                  <a:schemeClr val="bg1"/>
-                </a:solidFill>
                 <a:effectLst/>
                 <a:latin typeface="Söhne"/>
               </a:rPr>
@@ -11347,14 +12226,14 @@
           </a:p>
           <a:p>
             <a:pPr marL="742950" lvl="1" indent="-285750">
+              <a:lnSpc>
+                <a:spcPct val="90000"/>
+              </a:lnSpc>
               <a:buFont typeface="Arial" panose="020B0604020202020204" pitchFamily="34" charset="0"/>
               <a:buChar char="•"/>
             </a:pPr>
             <a:r>
-              <a:rPr lang="en-US" sz="1800" b="0" i="0" dirty="0">
-                <a:solidFill>
-                  <a:schemeClr val="bg1"/>
-                </a:solidFill>
+              <a:rPr lang="en-US" b="0" i="0" dirty="0">
                 <a:effectLst/>
                 <a:latin typeface="Söhne"/>
               </a:rPr>
@@ -11363,14 +12242,14 @@
           </a:p>
           <a:p>
             <a:pPr marL="742950" lvl="1" indent="-285750">
+              <a:lnSpc>
+                <a:spcPct val="90000"/>
+              </a:lnSpc>
               <a:buFont typeface="Arial" panose="020B0604020202020204" pitchFamily="34" charset="0"/>
               <a:buChar char="•"/>
             </a:pPr>
             <a:r>
-              <a:rPr lang="en-US" sz="1800" b="0" i="0" dirty="0">
-                <a:solidFill>
-                  <a:schemeClr val="bg1"/>
-                </a:solidFill>
+              <a:rPr lang="en-US" b="0" i="0" dirty="0">
                 <a:effectLst/>
                 <a:latin typeface="Söhne"/>
               </a:rPr>
@@ -11379,14 +12258,14 @@
           </a:p>
           <a:p>
             <a:pPr marL="742950" lvl="1" indent="-285750">
+              <a:lnSpc>
+                <a:spcPct val="90000"/>
+              </a:lnSpc>
               <a:buFont typeface="Arial" panose="020B0604020202020204" pitchFamily="34" charset="0"/>
               <a:buChar char="•"/>
             </a:pPr>
             <a:r>
-              <a:rPr lang="en-US" sz="1800" b="0" i="0" dirty="0">
-                <a:solidFill>
-                  <a:schemeClr val="bg1"/>
-                </a:solidFill>
+              <a:rPr lang="en-US" b="0" i="0" dirty="0">
                 <a:effectLst/>
                 <a:latin typeface="Söhne"/>
               </a:rPr>
@@ -11395,14 +12274,14 @@
           </a:p>
           <a:p>
             <a:pPr marL="742950" lvl="1" indent="-285750">
+              <a:lnSpc>
+                <a:spcPct val="90000"/>
+              </a:lnSpc>
               <a:buFont typeface="Arial" panose="020B0604020202020204" pitchFamily="34" charset="0"/>
               <a:buChar char="•"/>
             </a:pPr>
             <a:r>
-              <a:rPr lang="en-US" sz="1800" b="0" i="0" dirty="0">
-                <a:solidFill>
-                  <a:schemeClr val="bg1"/>
-                </a:solidFill>
+              <a:rPr lang="en-US" b="0" i="0" dirty="0">
                 <a:effectLst/>
                 <a:latin typeface="Söhne"/>
               </a:rPr>
@@ -11411,14 +12290,14 @@
           </a:p>
           <a:p>
             <a:pPr marL="742950" lvl="1" indent="-285750">
+              <a:lnSpc>
+                <a:spcPct val="90000"/>
+              </a:lnSpc>
               <a:buFont typeface="Arial" panose="020B0604020202020204" pitchFamily="34" charset="0"/>
               <a:buChar char="•"/>
             </a:pPr>
             <a:r>
-              <a:rPr lang="en-US" sz="1800" b="0" i="0" dirty="0">
-                <a:solidFill>
-                  <a:schemeClr val="bg1"/>
-                </a:solidFill>
+              <a:rPr lang="en-US" b="0" i="0" dirty="0">
                 <a:effectLst/>
                 <a:latin typeface="Söhne"/>
               </a:rPr>
@@ -11427,14 +12306,14 @@
           </a:p>
           <a:p>
             <a:pPr marL="742950" lvl="1" indent="-285750">
+              <a:lnSpc>
+                <a:spcPct val="90000"/>
+              </a:lnSpc>
               <a:buFont typeface="Arial" panose="020B0604020202020204" pitchFamily="34" charset="0"/>
               <a:buChar char="•"/>
             </a:pPr>
             <a:r>
-              <a:rPr lang="en-US" sz="1800" b="0" i="0" dirty="0">
-                <a:solidFill>
-                  <a:schemeClr val="bg1"/>
-                </a:solidFill>
+              <a:rPr lang="en-US" b="0" i="0" dirty="0">
                 <a:effectLst/>
                 <a:latin typeface="Söhne"/>
               </a:rPr>
@@ -11443,14 +12322,14 @@
           </a:p>
           <a:p>
             <a:pPr>
+              <a:lnSpc>
+                <a:spcPct val="90000"/>
+              </a:lnSpc>
               <a:buFont typeface="Arial" panose="020B0604020202020204" pitchFamily="34" charset="0"/>
               <a:buChar char="•"/>
             </a:pPr>
             <a:r>
               <a:rPr lang="en-US" sz="1800" b="0" i="0" dirty="0">
-                <a:solidFill>
-                  <a:schemeClr val="bg1"/>
-                </a:solidFill>
                 <a:effectLst/>
                 <a:latin typeface="Söhne"/>
               </a:rPr>
@@ -11459,14 +12338,14 @@
           </a:p>
           <a:p>
             <a:pPr>
+              <a:lnSpc>
+                <a:spcPct val="90000"/>
+              </a:lnSpc>
               <a:buFont typeface="Arial" panose="020B0604020202020204" pitchFamily="34" charset="0"/>
               <a:buChar char="•"/>
             </a:pPr>
             <a:r>
               <a:rPr lang="en-US" sz="1800" b="0" i="0" dirty="0">
-                <a:solidFill>
-                  <a:schemeClr val="bg1"/>
-                </a:solidFill>
                 <a:effectLst/>
                 <a:latin typeface="Söhne"/>
               </a:rPr>
@@ -11475,14 +12354,14 @@
           </a:p>
           <a:p>
             <a:pPr>
+              <a:lnSpc>
+                <a:spcPct val="90000"/>
+              </a:lnSpc>
               <a:buFont typeface="Arial" panose="020B0604020202020204" pitchFamily="34" charset="0"/>
               <a:buChar char="•"/>
             </a:pPr>
             <a:r>
               <a:rPr lang="en-US" sz="1800" b="0" i="0" dirty="0">
-                <a:solidFill>
-                  <a:schemeClr val="bg1"/>
-                </a:solidFill>
                 <a:effectLst/>
                 <a:latin typeface="Söhne"/>
               </a:rPr>
@@ -12366,4 +13245,299 @@
     </a:ext>
   </a:extLst>
 </a:theme>
+</file>
+
+<file path=ppt/theme/theme2.xml><?xml version="1.0" encoding="utf-8"?>
+<a:theme xmlns:a="http://schemas.openxmlformats.org/drawingml/2006/main" name="Office Theme">
+  <a:themeElements>
+    <a:clrScheme name="Office">
+      <a:dk1>
+        <a:sysClr val="windowText" lastClr="000000"/>
+      </a:dk1>
+      <a:lt1>
+        <a:sysClr val="window" lastClr="FFFFFF"/>
+      </a:lt1>
+      <a:dk2>
+        <a:srgbClr val="44546A"/>
+      </a:dk2>
+      <a:lt2>
+        <a:srgbClr val="E7E6E6"/>
+      </a:lt2>
+      <a:accent1>
+        <a:srgbClr val="4472C4"/>
+      </a:accent1>
+      <a:accent2>
+        <a:srgbClr val="ED7D31"/>
+      </a:accent2>
+      <a:accent3>
+        <a:srgbClr val="A5A5A5"/>
+      </a:accent3>
+      <a:accent4>
+        <a:srgbClr val="FFC000"/>
+      </a:accent4>
+      <a:accent5>
+        <a:srgbClr val="5B9BD5"/>
+      </a:accent5>
+      <a:accent6>
+        <a:srgbClr val="70AD47"/>
+      </a:accent6>
+      <a:hlink>
+        <a:srgbClr val="0563C1"/>
+      </a:hlink>
+      <a:folHlink>
+        <a:srgbClr val="954F72"/>
+      </a:folHlink>
+    </a:clrScheme>
+    <a:fontScheme name="Office">
+      <a:majorFont>
+        <a:latin typeface="Calibri Light" panose="020F0302020204030204"/>
+        <a:ea typeface=""/>
+        <a:cs typeface=""/>
+        <a:font script="Jpan" typeface="游ゴシック Light"/>
+        <a:font script="Hang" typeface="맑은 고딕"/>
+        <a:font script="Hans" typeface="等线 Light"/>
+        <a:font script="Hant" typeface="新細明體"/>
+        <a:font script="Arab" typeface="Times New Roman"/>
+        <a:font script="Hebr" typeface="Times New Roman"/>
+        <a:font script="Thai" typeface="Angsana New"/>
+        <a:font script="Ethi" typeface="Nyala"/>
+        <a:font script="Beng" typeface="Vrinda"/>
+        <a:font script="Gujr" typeface="Shruti"/>
+        <a:font script="Khmr" typeface="MoolBoran"/>
+        <a:font script="Knda" typeface="Tunga"/>
+        <a:font script="Guru" typeface="Raavi"/>
+        <a:font script="Cans" typeface="Euphemia"/>
+        <a:font script="Cher" typeface="Plantagenet Cherokee"/>
+        <a:font script="Yiii" typeface="Microsoft Yi Baiti"/>
+        <a:font script="Tibt" typeface="Microsoft Himalaya"/>
+        <a:font script="Thaa" typeface="MV Boli"/>
+        <a:font script="Deva" typeface="Mangal"/>
+        <a:font script="Telu" typeface="Gautami"/>
+        <a:font script="Taml" typeface="Latha"/>
+        <a:font script="Syrc" typeface="Estrangelo Edessa"/>
+        <a:font script="Orya" typeface="Kalinga"/>
+        <a:font script="Mlym" typeface="Kartika"/>
+        <a:font script="Laoo" typeface="DokChampa"/>
+        <a:font script="Sinh" typeface="Iskoola Pota"/>
+        <a:font script="Mong" typeface="Mongolian Baiti"/>
+        <a:font script="Viet" typeface="Times New Roman"/>
+        <a:font script="Uigh" typeface="Microsoft Uighur"/>
+        <a:font script="Geor" typeface="Sylfaen"/>
+        <a:font script="Armn" typeface="Arial"/>
+        <a:font script="Bugi" typeface="Leelawadee UI"/>
+        <a:font script="Bopo" typeface="Microsoft JhengHei"/>
+        <a:font script="Java" typeface="Javanese Text"/>
+        <a:font script="Lisu" typeface="Segoe UI"/>
+        <a:font script="Mymr" typeface="Myanmar Text"/>
+        <a:font script="Nkoo" typeface="Ebrima"/>
+        <a:font script="Olck" typeface="Nirmala UI"/>
+        <a:font script="Osma" typeface="Ebrima"/>
+        <a:font script="Phag" typeface="Phagspa"/>
+        <a:font script="Syrn" typeface="Estrangelo Edessa"/>
+        <a:font script="Syrj" typeface="Estrangelo Edessa"/>
+        <a:font script="Syre" typeface="Estrangelo Edessa"/>
+        <a:font script="Sora" typeface="Nirmala UI"/>
+        <a:font script="Tale" typeface="Microsoft Tai Le"/>
+        <a:font script="Talu" typeface="Microsoft New Tai Lue"/>
+        <a:font script="Tfng" typeface="Ebrima"/>
+      </a:majorFont>
+      <a:minorFont>
+        <a:latin typeface="Calibri" panose="020F0502020204030204"/>
+        <a:ea typeface=""/>
+        <a:cs typeface=""/>
+        <a:font script="Jpan" typeface="游ゴシック"/>
+        <a:font script="Hang" typeface="맑은 고딕"/>
+        <a:font script="Hans" typeface="等线"/>
+        <a:font script="Hant" typeface="新細明體"/>
+        <a:font script="Arab" typeface="Arial"/>
+        <a:font script="Hebr" typeface="Arial"/>
+        <a:font script="Thai" typeface="Cordia New"/>
+        <a:font script="Ethi" typeface="Nyala"/>
+        <a:font script="Beng" typeface="Vrinda"/>
+        <a:font script="Gujr" typeface="Shruti"/>
+        <a:font script="Khmr" typeface="DaunPenh"/>
+        <a:font script="Knda" typeface="Tunga"/>
+        <a:font script="Guru" typeface="Raavi"/>
+        <a:font script="Cans" typeface="Euphemia"/>
+        <a:font script="Cher" typeface="Plantagenet Cherokee"/>
+        <a:font script="Yiii" typeface="Microsoft Yi Baiti"/>
+        <a:font script="Tibt" typeface="Microsoft Himalaya"/>
+        <a:font script="Thaa" typeface="MV Boli"/>
+        <a:font script="Deva" typeface="Mangal"/>
+        <a:font script="Telu" typeface="Gautami"/>
+        <a:font script="Taml" typeface="Latha"/>
+        <a:font script="Syrc" typeface="Estrangelo Edessa"/>
+        <a:font script="Orya" typeface="Kalinga"/>
+        <a:font script="Mlym" typeface="Kartika"/>
+        <a:font script="Laoo" typeface="DokChampa"/>
+        <a:font script="Sinh" typeface="Iskoola Pota"/>
+        <a:font script="Mong" typeface="Mongolian Baiti"/>
+        <a:font script="Viet" typeface="Arial"/>
+        <a:font script="Uigh" typeface="Microsoft Uighur"/>
+        <a:font script="Geor" typeface="Sylfaen"/>
+        <a:font script="Armn" typeface="Arial"/>
+        <a:font script="Bugi" typeface="Leelawadee UI"/>
+        <a:font script="Bopo" typeface="Microsoft JhengHei"/>
+        <a:font script="Java" typeface="Javanese Text"/>
+        <a:font script="Lisu" typeface="Segoe UI"/>
+        <a:font script="Mymr" typeface="Myanmar Text"/>
+        <a:font script="Nkoo" typeface="Ebrima"/>
+        <a:font script="Olck" typeface="Nirmala UI"/>
+        <a:font script="Osma" typeface="Ebrima"/>
+        <a:font script="Phag" typeface="Phagspa"/>
+        <a:font script="Syrn" typeface="Estrangelo Edessa"/>
+        <a:font script="Syrj" typeface="Estrangelo Edessa"/>
+        <a:font script="Syre" typeface="Estrangelo Edessa"/>
+        <a:font script="Sora" typeface="Nirmala UI"/>
+        <a:font script="Tale" typeface="Microsoft Tai Le"/>
+        <a:font script="Talu" typeface="Microsoft New Tai Lue"/>
+        <a:font script="Tfng" typeface="Ebrima"/>
+      </a:minorFont>
+    </a:fontScheme>
+    <a:fmtScheme name="Office">
+      <a:fillStyleLst>
+        <a:solidFill>
+          <a:schemeClr val="phClr"/>
+        </a:solidFill>
+        <a:gradFill rotWithShape="1">
+          <a:gsLst>
+            <a:gs pos="0">
+              <a:schemeClr val="phClr">
+                <a:lumMod val="110000"/>
+                <a:satMod val="105000"/>
+                <a:tint val="67000"/>
+              </a:schemeClr>
+            </a:gs>
+            <a:gs pos="50000">
+              <a:schemeClr val="phClr">
+                <a:lumMod val="105000"/>
+                <a:satMod val="103000"/>
+                <a:tint val="73000"/>
+              </a:schemeClr>
+            </a:gs>
+            <a:gs pos="100000">
+              <a:schemeClr val="phClr">
+                <a:lumMod val="105000"/>
+                <a:satMod val="109000"/>
+                <a:tint val="81000"/>
+              </a:schemeClr>
+            </a:gs>
+          </a:gsLst>
+          <a:lin ang="5400000" scaled="0"/>
+        </a:gradFill>
+        <a:gradFill rotWithShape="1">
+          <a:gsLst>
+            <a:gs pos="0">
+              <a:schemeClr val="phClr">
+                <a:satMod val="103000"/>
+                <a:lumMod val="102000"/>
+                <a:tint val="94000"/>
+              </a:schemeClr>
+            </a:gs>
+            <a:gs pos="50000">
+              <a:schemeClr val="phClr">
+                <a:satMod val="110000"/>
+                <a:lumMod val="100000"/>
+                <a:shade val="100000"/>
+              </a:schemeClr>
+            </a:gs>
+            <a:gs pos="100000">
+              <a:schemeClr val="phClr">
+                <a:lumMod val="99000"/>
+                <a:satMod val="120000"/>
+                <a:shade val="78000"/>
+              </a:schemeClr>
+            </a:gs>
+          </a:gsLst>
+          <a:lin ang="5400000" scaled="0"/>
+        </a:gradFill>
+      </a:fillStyleLst>
+      <a:lnStyleLst>
+        <a:ln w="6350" cap="flat" cmpd="sng" algn="ctr">
+          <a:solidFill>
+            <a:schemeClr val="phClr"/>
+          </a:solidFill>
+          <a:prstDash val="solid"/>
+          <a:miter lim="800000"/>
+        </a:ln>
+        <a:ln w="12700" cap="flat" cmpd="sng" algn="ctr">
+          <a:solidFill>
+            <a:schemeClr val="phClr"/>
+          </a:solidFill>
+          <a:prstDash val="solid"/>
+          <a:miter lim="800000"/>
+        </a:ln>
+        <a:ln w="19050" cap="flat" cmpd="sng" algn="ctr">
+          <a:solidFill>
+            <a:schemeClr val="phClr"/>
+          </a:solidFill>
+          <a:prstDash val="solid"/>
+          <a:miter lim="800000"/>
+        </a:ln>
+      </a:lnStyleLst>
+      <a:effectStyleLst>
+        <a:effectStyle>
+          <a:effectLst/>
+        </a:effectStyle>
+        <a:effectStyle>
+          <a:effectLst/>
+        </a:effectStyle>
+        <a:effectStyle>
+          <a:effectLst>
+            <a:outerShdw blurRad="57150" dist="19050" dir="5400000" algn="ctr" rotWithShape="0">
+              <a:srgbClr val="000000">
+                <a:alpha val="63000"/>
+              </a:srgbClr>
+            </a:outerShdw>
+          </a:effectLst>
+        </a:effectStyle>
+      </a:effectStyleLst>
+      <a:bgFillStyleLst>
+        <a:solidFill>
+          <a:schemeClr val="phClr"/>
+        </a:solidFill>
+        <a:solidFill>
+          <a:schemeClr val="phClr">
+            <a:tint val="95000"/>
+            <a:satMod val="170000"/>
+          </a:schemeClr>
+        </a:solidFill>
+        <a:gradFill rotWithShape="1">
+          <a:gsLst>
+            <a:gs pos="0">
+              <a:schemeClr val="phClr">
+                <a:tint val="93000"/>
+                <a:satMod val="150000"/>
+                <a:shade val="98000"/>
+                <a:lumMod val="102000"/>
+              </a:schemeClr>
+            </a:gs>
+            <a:gs pos="50000">
+              <a:schemeClr val="phClr">
+                <a:tint val="98000"/>
+                <a:satMod val="130000"/>
+                <a:shade val="90000"/>
+                <a:lumMod val="103000"/>
+              </a:schemeClr>
+            </a:gs>
+            <a:gs pos="100000">
+              <a:schemeClr val="phClr">
+                <a:shade val="63000"/>
+                <a:satMod val="120000"/>
+              </a:schemeClr>
+            </a:gs>
+          </a:gsLst>
+          <a:lin ang="5400000" scaled="0"/>
+        </a:gradFill>
+      </a:bgFillStyleLst>
+    </a:fmtScheme>
+  </a:themeElements>
+  <a:objectDefaults/>
+  <a:extraClrSchemeLst/>
+  <a:extLst>
+    <a:ext uri="{05A4C25C-085E-4340-85A3-A5531E510DB2}">
+      <thm15:themeFamily xmlns:thm15="http://schemas.microsoft.com/office/thememl/2012/main" name="Office Theme 2013 - 2022" id="{62F939B6-93AF-4DB8-9C6B-D6C7DFDC589F}" vid="{4A3C46E8-61CC-4603-A589-7422A47A8E4A}"/>
+    </a:ext>
+  </a:extLst>
+</a:theme>
 </file>
--- a/assets/Computer_Science/Class_12/PHP_FULL.pptx
+++ b/assets/Computer_Science/Class_12/PHP_FULL.pptx
@@ -223,7 +223,7 @@
           <a:p>
             <a:fld id="{7358CC29-445E-4375-84FA-A1290C1DFF7E}" type="datetimeFigureOut">
               <a:rPr lang="en-US" smtClean="0"/>
-              <a:t>1/31/2023</a:t>
+              <a:t>2/1/2023</a:t>
             </a:fld>
             <a:endParaRPr lang="en-US"/>
           </a:p>
@@ -843,7 +843,7 @@
           <a:p>
             <a:fld id="{0653D66D-8F7F-4D89-96F6-686A96BDA468}" type="datetimeFigureOut">
               <a:rPr lang="en-US" smtClean="0"/>
-              <a:t>1/31/2023</a:t>
+              <a:t>2/1/2023</a:t>
             </a:fld>
             <a:endParaRPr lang="en-US"/>
           </a:p>
@@ -1141,7 +1141,7 @@
           <a:p>
             <a:fld id="{0653D66D-8F7F-4D89-96F6-686A96BDA468}" type="datetimeFigureOut">
               <a:rPr lang="en-US" smtClean="0"/>
-              <a:t>1/31/2023</a:t>
+              <a:t>2/1/2023</a:t>
             </a:fld>
             <a:endParaRPr lang="en-US"/>
           </a:p>
@@ -1333,7 +1333,7 @@
           <a:p>
             <a:fld id="{0653D66D-8F7F-4D89-96F6-686A96BDA468}" type="datetimeFigureOut">
               <a:rPr lang="en-US" smtClean="0"/>
-              <a:t>1/31/2023</a:t>
+              <a:t>2/1/2023</a:t>
             </a:fld>
             <a:endParaRPr lang="en-US"/>
           </a:p>
@@ -1594,7 +1594,7 @@
           <a:p>
             <a:fld id="{0653D66D-8F7F-4D89-96F6-686A96BDA468}" type="datetimeFigureOut">
               <a:rPr lang="en-US" smtClean="0"/>
-              <a:t>1/31/2023</a:t>
+              <a:t>2/1/2023</a:t>
             </a:fld>
             <a:endParaRPr lang="en-US"/>
           </a:p>
@@ -2018,7 +2018,7 @@
           <a:p>
             <a:fld id="{0653D66D-8F7F-4D89-96F6-686A96BDA468}" type="datetimeFigureOut">
               <a:rPr lang="en-US" smtClean="0"/>
-              <a:t>1/31/2023</a:t>
+              <a:t>2/1/2023</a:t>
             </a:fld>
             <a:endParaRPr lang="en-US"/>
           </a:p>
@@ -2555,7 +2555,7 @@
           <a:p>
             <a:fld id="{0653D66D-8F7F-4D89-96F6-686A96BDA468}" type="datetimeFigureOut">
               <a:rPr lang="en-US" smtClean="0"/>
-              <a:t>1/31/2023</a:t>
+              <a:t>2/1/2023</a:t>
             </a:fld>
             <a:endParaRPr lang="en-US"/>
           </a:p>
@@ -3419,7 +3419,7 @@
           <a:p>
             <a:fld id="{0653D66D-8F7F-4D89-96F6-686A96BDA468}" type="datetimeFigureOut">
               <a:rPr lang="en-US" smtClean="0"/>
-              <a:t>1/31/2023</a:t>
+              <a:t>2/1/2023</a:t>
             </a:fld>
             <a:endParaRPr lang="en-US"/>
           </a:p>
@@ -3589,7 +3589,7 @@
           <a:p>
             <a:fld id="{0653D66D-8F7F-4D89-96F6-686A96BDA468}" type="datetimeFigureOut">
               <a:rPr lang="en-US" smtClean="0"/>
-              <a:t>1/31/2023</a:t>
+              <a:t>2/1/2023</a:t>
             </a:fld>
             <a:endParaRPr lang="en-US"/>
           </a:p>
@@ -3773,7 +3773,7 @@
           <a:p>
             <a:fld id="{0653D66D-8F7F-4D89-96F6-686A96BDA468}" type="datetimeFigureOut">
               <a:rPr lang="en-US" smtClean="0"/>
-              <a:t>1/31/2023</a:t>
+              <a:t>2/1/2023</a:t>
             </a:fld>
             <a:endParaRPr lang="en-US"/>
           </a:p>
@@ -3943,7 +3943,7 @@
           <a:p>
             <a:fld id="{0653D66D-8F7F-4D89-96F6-686A96BDA468}" type="datetimeFigureOut">
               <a:rPr lang="en-US" smtClean="0"/>
-              <a:t>1/31/2023</a:t>
+              <a:t>2/1/2023</a:t>
             </a:fld>
             <a:endParaRPr lang="en-US"/>
           </a:p>
@@ -4187,7 +4187,7 @@
           <a:p>
             <a:fld id="{0653D66D-8F7F-4D89-96F6-686A96BDA468}" type="datetimeFigureOut">
               <a:rPr lang="en-US" smtClean="0"/>
-              <a:t>1/31/2023</a:t>
+              <a:t>2/1/2023</a:t>
             </a:fld>
             <a:endParaRPr lang="en-US"/>
           </a:p>
@@ -4423,7 +4423,7 @@
           <a:p>
             <a:fld id="{0653D66D-8F7F-4D89-96F6-686A96BDA468}" type="datetimeFigureOut">
               <a:rPr lang="en-US" smtClean="0"/>
-              <a:t>1/31/2023</a:t>
+              <a:t>2/1/2023</a:t>
             </a:fld>
             <a:endParaRPr lang="en-US"/>
           </a:p>
@@ -4889,7 +4889,7 @@
           <a:p>
             <a:fld id="{0653D66D-8F7F-4D89-96F6-686A96BDA468}" type="datetimeFigureOut">
               <a:rPr lang="en-US" smtClean="0"/>
-              <a:t>1/31/2023</a:t>
+              <a:t>2/1/2023</a:t>
             </a:fld>
             <a:endParaRPr lang="en-US"/>
           </a:p>
@@ -5007,7 +5007,7 @@
           <a:p>
             <a:fld id="{0653D66D-8F7F-4D89-96F6-686A96BDA468}" type="datetimeFigureOut">
               <a:rPr lang="en-US" smtClean="0"/>
-              <a:t>1/31/2023</a:t>
+              <a:t>2/1/2023</a:t>
             </a:fld>
             <a:endParaRPr lang="en-US"/>
           </a:p>
@@ -5102,7 +5102,7 @@
           <a:p>
             <a:fld id="{0653D66D-8F7F-4D89-96F6-686A96BDA468}" type="datetimeFigureOut">
               <a:rPr lang="en-US" smtClean="0"/>
-              <a:t>1/31/2023</a:t>
+              <a:t>2/1/2023</a:t>
             </a:fld>
             <a:endParaRPr lang="en-US"/>
           </a:p>
@@ -5357,7 +5357,7 @@
           <a:p>
             <a:fld id="{0653D66D-8F7F-4D89-96F6-686A96BDA468}" type="datetimeFigureOut">
               <a:rPr lang="en-US" smtClean="0"/>
-              <a:t>1/31/2023</a:t>
+              <a:t>2/1/2023</a:t>
             </a:fld>
             <a:endParaRPr lang="en-US"/>
           </a:p>
@@ -5657,7 +5657,7 @@
           <a:p>
             <a:fld id="{0653D66D-8F7F-4D89-96F6-686A96BDA468}" type="datetimeFigureOut">
               <a:rPr lang="en-US" smtClean="0"/>
-              <a:t>1/31/2023</a:t>
+              <a:t>2/1/2023</a:t>
             </a:fld>
             <a:endParaRPr lang="en-US"/>
           </a:p>
@@ -5891,7 +5891,7 @@
           <a:p>
             <a:fld id="{0653D66D-8F7F-4D89-96F6-686A96BDA468}" type="datetimeFigureOut">
               <a:rPr lang="en-US" smtClean="0"/>
-              <a:t>1/31/2023</a:t>
+              <a:t>2/1/2023</a:t>
             </a:fld>
             <a:endParaRPr lang="en-US"/>
           </a:p>

--- a/assets/Computer_Science/Class_12/PHP_FULL.pptx
+++ b/assets/Computer_Science/Class_12/PHP_FULL.pptx
@@ -141,6 +141,3106 @@
 </p:presentation>
 </file>
 
+<file path=ppt/diagrams/colors1.xml><?xml version="1.0" encoding="utf-8"?>
+<dgm:colorsDef xmlns:dgm="http://schemas.openxmlformats.org/drawingml/2006/diagram" xmlns:a="http://schemas.openxmlformats.org/drawingml/2006/main" uniqueId="urn:microsoft.com/office/officeart/2005/8/colors/colorful2">
+  <dgm:title val=""/>
+  <dgm:desc val=""/>
+  <dgm:catLst>
+    <dgm:cat type="colorful" pri="10200"/>
+  </dgm:catLst>
+  <dgm:styleLbl name="node0">
+    <dgm:fillClrLst meth="repeat">
+      <a:schemeClr val="accent1"/>
+    </dgm:fillClrLst>
+    <dgm:linClrLst meth="repeat">
+      <a:schemeClr val="lt1"/>
+    </dgm:linClrLst>
+    <dgm:effectClrLst/>
+    <dgm:txLinClrLst/>
+    <dgm:txFillClrLst/>
+    <dgm:txEffectClrLst/>
+  </dgm:styleLbl>
+  <dgm:styleLbl name="node1">
+    <dgm:fillClrLst>
+      <a:schemeClr val="accent2"/>
+      <a:schemeClr val="accent3"/>
+    </dgm:fillClrLst>
+    <dgm:linClrLst meth="repeat">
+      <a:schemeClr val="lt1"/>
+    </dgm:linClrLst>
+    <dgm:effectClrLst/>
+    <dgm:txLinClrLst/>
+    <dgm:txFillClrLst/>
+    <dgm:txEffectClrLst/>
+  </dgm:styleLbl>
+  <dgm:styleLbl name="alignNode1">
+    <dgm:fillClrLst>
+      <a:schemeClr val="accent2"/>
+      <a:schemeClr val="accent3"/>
+    </dgm:fillClrLst>
+    <dgm:linClrLst>
+      <a:schemeClr val="accent2"/>
+      <a:schemeClr val="accent3"/>
+    </dgm:linClrLst>
+    <dgm:effectClrLst/>
+    <dgm:txLinClrLst/>
+    <dgm:txFillClrLst/>
+    <dgm:txEffectClrLst/>
+  </dgm:styleLbl>
+  <dgm:styleLbl name="lnNode1">
+    <dgm:fillClrLst>
+      <a:schemeClr val="accent2"/>
+      <a:schemeClr val="accent3"/>
+    </dgm:fillClrLst>
+    <dgm:linClrLst meth="repeat">
+      <a:schemeClr val="lt1"/>
+    </dgm:linClrLst>
+    <dgm:effectClrLst/>
+    <dgm:txLinClrLst/>
+    <dgm:txFillClrLst/>
+    <dgm:txEffectClrLst/>
+  </dgm:styleLbl>
+  <dgm:styleLbl name="vennNode1">
+    <dgm:fillClrLst>
+      <a:schemeClr val="accent2">
+        <a:alpha val="50000"/>
+      </a:schemeClr>
+      <a:schemeClr val="accent3">
+        <a:alpha val="50000"/>
+      </a:schemeClr>
+    </dgm:fillClrLst>
+    <dgm:linClrLst meth="repeat">
+      <a:schemeClr val="lt1"/>
+    </dgm:linClrLst>
+    <dgm:effectClrLst/>
+    <dgm:txLinClrLst/>
+    <dgm:txFillClrLst/>
+    <dgm:txEffectClrLst/>
+  </dgm:styleLbl>
+  <dgm:styleLbl name="node2">
+    <dgm:fillClrLst>
+      <a:schemeClr val="accent3"/>
+    </dgm:fillClrLst>
+    <dgm:linClrLst meth="repeat">
+      <a:schemeClr val="lt1"/>
+    </dgm:linClrLst>
+    <dgm:effectClrLst/>
+    <dgm:txLinClrLst/>
+    <dgm:txFillClrLst/>
+    <dgm:txEffectClrLst/>
+  </dgm:styleLbl>
+  <dgm:styleLbl name="node3">
+    <dgm:fillClrLst>
+      <a:schemeClr val="accent4"/>
+    </dgm:fillClrLst>
+    <dgm:linClrLst meth="repeat">
+      <a:schemeClr val="lt1"/>
+    </dgm:linClrLst>
+    <dgm:effectClrLst/>
+    <dgm:txLinClrLst/>
+    <dgm:txFillClrLst/>
+    <dgm:txEffectClrLst/>
+  </dgm:styleLbl>
+  <dgm:styleLbl name="node4">
+    <dgm:fillClrLst>
+      <a:schemeClr val="accent5"/>
+    </dgm:fillClrLst>
+    <dgm:linClrLst meth="repeat">
+      <a:schemeClr val="lt1"/>
+    </dgm:linClrLst>
+    <dgm:effectClrLst/>
+    <dgm:txLinClrLst/>
+    <dgm:txFillClrLst/>
+    <dgm:txEffectClrLst/>
+  </dgm:styleLbl>
+  <dgm:styleLbl name="fgImgPlace1">
+    <dgm:fillClrLst>
+      <a:schemeClr val="accent2">
+        <a:tint val="50000"/>
+      </a:schemeClr>
+      <a:schemeClr val="accent3">
+        <a:tint val="50000"/>
+      </a:schemeClr>
+    </dgm:fillClrLst>
+    <dgm:linClrLst meth="repeat">
+      <a:schemeClr val="lt1"/>
+    </dgm:linClrLst>
+    <dgm:effectClrLst/>
+    <dgm:txLinClrLst/>
+    <dgm:txFillClrLst meth="repeat">
+      <a:schemeClr val="lt1"/>
+    </dgm:txFillClrLst>
+    <dgm:txEffectClrLst/>
+  </dgm:styleLbl>
+  <dgm:styleLbl name="alignImgPlace1">
+    <dgm:fillClrLst>
+      <a:schemeClr val="accent2">
+        <a:tint val="50000"/>
+      </a:schemeClr>
+      <a:schemeClr val="accent3">
+        <a:tint val="20000"/>
+      </a:schemeClr>
+    </dgm:fillClrLst>
+    <dgm:linClrLst meth="repeat">
+      <a:schemeClr val="lt1"/>
+    </dgm:linClrLst>
+    <dgm:effectClrLst/>
+    <dgm:txLinClrLst/>
+    <dgm:txFillClrLst meth="repeat">
+      <a:schemeClr val="lt1"/>
+    </dgm:txFillClrLst>
+    <dgm:txEffectClrLst/>
+  </dgm:styleLbl>
+  <dgm:styleLbl name="bgImgPlace1">
+    <dgm:fillClrLst>
+      <a:schemeClr val="accent2">
+        <a:tint val="50000"/>
+      </a:schemeClr>
+      <a:schemeClr val="accent3">
+        <a:tint val="20000"/>
+      </a:schemeClr>
+    </dgm:fillClrLst>
+    <dgm:linClrLst meth="repeat">
+      <a:schemeClr val="lt1"/>
+    </dgm:linClrLst>
+    <dgm:effectClrLst/>
+    <dgm:txLinClrLst/>
+    <dgm:txFillClrLst meth="repeat">
+      <a:schemeClr val="lt1"/>
+    </dgm:txFillClrLst>
+    <dgm:txEffectClrLst/>
+  </dgm:styleLbl>
+  <dgm:styleLbl name="sibTrans2D1">
+    <dgm:fillClrLst>
+      <a:schemeClr val="accent2"/>
+      <a:schemeClr val="accent3"/>
+    </dgm:fillClrLst>
+    <dgm:linClrLst meth="repeat">
+      <a:schemeClr val="lt1"/>
+    </dgm:linClrLst>
+    <dgm:effectClrLst/>
+    <dgm:txLinClrLst/>
+    <dgm:txFillClrLst/>
+    <dgm:txEffectClrLst/>
+  </dgm:styleLbl>
+  <dgm:styleLbl name="fgSibTrans2D1">
+    <dgm:fillClrLst>
+      <a:schemeClr val="accent2"/>
+      <a:schemeClr val="accent3"/>
+    </dgm:fillClrLst>
+    <dgm:linClrLst meth="repeat">
+      <a:schemeClr val="lt1"/>
+    </dgm:linClrLst>
+    <dgm:effectClrLst/>
+    <dgm:txLinClrLst/>
+    <dgm:txFillClrLst meth="repeat">
+      <a:schemeClr val="lt1"/>
+    </dgm:txFillClrLst>
+    <dgm:txEffectClrLst/>
+  </dgm:styleLbl>
+  <dgm:styleLbl name="bgSibTrans2D1">
+    <dgm:fillClrLst>
+      <a:schemeClr val="accent2"/>
+      <a:schemeClr val="accent3"/>
+    </dgm:fillClrLst>
+    <dgm:linClrLst meth="repeat">
+      <a:schemeClr val="lt1"/>
+    </dgm:linClrLst>
+    <dgm:effectClrLst/>
+    <dgm:txLinClrLst/>
+    <dgm:txFillClrLst meth="repeat">
+      <a:schemeClr val="lt1"/>
+    </dgm:txFillClrLst>
+    <dgm:txEffectClrLst/>
+  </dgm:styleLbl>
+  <dgm:styleLbl name="sibTrans1D1">
+    <dgm:fillClrLst/>
+    <dgm:linClrLst>
+      <a:schemeClr val="accent2"/>
+      <a:schemeClr val="accent3"/>
+    </dgm:linClrLst>
+    <dgm:effectClrLst/>
+    <dgm:txLinClrLst/>
+    <dgm:txFillClrLst meth="repeat">
+      <a:schemeClr val="tx1"/>
+    </dgm:txFillClrLst>
+    <dgm:txEffectClrLst/>
+  </dgm:styleLbl>
+  <dgm:styleLbl name="callout">
+    <dgm:fillClrLst meth="repeat">
+      <a:schemeClr val="accent2"/>
+    </dgm:fillClrLst>
+    <dgm:linClrLst meth="repeat">
+      <a:schemeClr val="accent2">
+        <a:tint val="50000"/>
+      </a:schemeClr>
+    </dgm:linClrLst>
+    <dgm:effectClrLst/>
+    <dgm:txLinClrLst/>
+    <dgm:txFillClrLst meth="repeat">
+      <a:schemeClr val="tx1"/>
+    </dgm:txFillClrLst>
+    <dgm:txEffectClrLst/>
+  </dgm:styleLbl>
+  <dgm:styleLbl name="asst0">
+    <dgm:fillClrLst meth="repeat">
+      <a:schemeClr val="accent2"/>
+    </dgm:fillClrLst>
+    <dgm:linClrLst meth="repeat">
+      <a:schemeClr val="lt1">
+        <a:shade val="80000"/>
+      </a:schemeClr>
+    </dgm:linClrLst>
+    <dgm:effectClrLst/>
+    <dgm:txLinClrLst/>
+    <dgm:txFillClrLst/>
+    <dgm:txEffectClrLst/>
+  </dgm:styleLbl>
+  <dgm:styleLbl name="asst1">
+    <dgm:fillClrLst meth="repeat">
+      <a:schemeClr val="accent3"/>
+    </dgm:fillClrLst>
+    <dgm:linClrLst meth="repeat">
+      <a:schemeClr val="lt1">
+        <a:shade val="80000"/>
+      </a:schemeClr>
+    </dgm:linClrLst>
+    <dgm:effectClrLst/>
+    <dgm:txLinClrLst/>
+    <dgm:txFillClrLst/>
+    <dgm:txEffectClrLst/>
+  </dgm:styleLbl>
+  <dgm:styleLbl name="asst2">
+    <dgm:fillClrLst>
+      <a:schemeClr val="accent4"/>
+    </dgm:fillClrLst>
+    <dgm:linClrLst meth="repeat">
+      <a:schemeClr val="lt1"/>
+    </dgm:linClrLst>
+    <dgm:effectClrLst/>
+    <dgm:txLinClrLst/>
+    <dgm:txFillClrLst/>
+    <dgm:txEffectClrLst/>
+  </dgm:styleLbl>
+  <dgm:styleLbl name="asst3">
+    <dgm:fillClrLst>
+      <a:schemeClr val="accent5"/>
+    </dgm:fillClrLst>
+    <dgm:linClrLst meth="repeat">
+      <a:schemeClr val="lt1"/>
+    </dgm:linClrLst>
+    <dgm:effectClrLst/>
+    <dgm:txLinClrLst/>
+    <dgm:txFillClrLst/>
+    <dgm:txEffectClrLst/>
+  </dgm:styleLbl>
+  <dgm:styleLbl name="asst4">
+    <dgm:fillClrLst>
+      <a:schemeClr val="accent6"/>
+    </dgm:fillClrLst>
+    <dgm:linClrLst meth="repeat">
+      <a:schemeClr val="lt1"/>
+    </dgm:linClrLst>
+    <dgm:effectClrLst/>
+    <dgm:txLinClrLst/>
+    <dgm:txFillClrLst/>
+    <dgm:txEffectClrLst/>
+  </dgm:styleLbl>
+  <dgm:styleLbl name="parChTrans2D1">
+    <dgm:fillClrLst meth="repeat">
+      <a:schemeClr val="accent2"/>
+    </dgm:fillClrLst>
+    <dgm:linClrLst meth="repeat">
+      <a:schemeClr val="lt1"/>
+    </dgm:linClrLst>
+    <dgm:effectClrLst/>
+    <dgm:txLinClrLst/>
+    <dgm:txFillClrLst meth="repeat">
+      <a:schemeClr val="lt1"/>
+    </dgm:txFillClrLst>
+    <dgm:txEffectClrLst/>
+  </dgm:styleLbl>
+  <dgm:styleLbl name="parChTrans2D2">
+    <dgm:fillClrLst meth="repeat">
+      <a:schemeClr val="accent3"/>
+    </dgm:fillClrLst>
+    <dgm:linClrLst meth="repeat">
+      <a:schemeClr val="lt1"/>
+    </dgm:linClrLst>
+    <dgm:effectClrLst/>
+    <dgm:txLinClrLst/>
+    <dgm:txFillClrLst/>
+    <dgm:txEffectClrLst/>
+  </dgm:styleLbl>
+  <dgm:styleLbl name="parChTrans2D3">
+    <dgm:fillClrLst meth="repeat">
+      <a:schemeClr val="accent4"/>
+    </dgm:fillClrLst>
+    <dgm:linClrLst meth="repeat">
+      <a:schemeClr val="lt1"/>
+    </dgm:linClrLst>
+    <dgm:effectClrLst/>
+    <dgm:txLinClrLst/>
+    <dgm:txFillClrLst/>
+    <dgm:txEffectClrLst/>
+  </dgm:styleLbl>
+  <dgm:styleLbl name="parChTrans2D4">
+    <dgm:fillClrLst meth="repeat">
+      <a:schemeClr val="accent5"/>
+    </dgm:fillClrLst>
+    <dgm:linClrLst meth="repeat">
+      <a:schemeClr val="lt1"/>
+    </dgm:linClrLst>
+    <dgm:effectClrLst/>
+    <dgm:txLinClrLst/>
+    <dgm:txFillClrLst meth="repeat">
+      <a:schemeClr val="lt1"/>
+    </dgm:txFillClrLst>
+    <dgm:txEffectClrLst/>
+  </dgm:styleLbl>
+  <dgm:styleLbl name="parChTrans1D1">
+    <dgm:fillClrLst meth="repeat">
+      <a:schemeClr val="accent2"/>
+    </dgm:fillClrLst>
+    <dgm:linClrLst meth="repeat">
+      <a:schemeClr val="accent2"/>
+    </dgm:linClrLst>
+    <dgm:effectClrLst/>
+    <dgm:txLinClrLst/>
+    <dgm:txFillClrLst meth="repeat">
+      <a:schemeClr val="tx1"/>
+    </dgm:txFillClrLst>
+    <dgm:txEffectClrLst/>
+  </dgm:styleLbl>
+  <dgm:styleLbl name="parChTrans1D2">
+    <dgm:fillClrLst meth="repeat">
+      <a:schemeClr val="accent2">
+        <a:tint val="90000"/>
+      </a:schemeClr>
+    </dgm:fillClrLst>
+    <dgm:linClrLst meth="repeat">
+      <a:schemeClr val="accent3"/>
+    </dgm:linClrLst>
+    <dgm:effectClrLst/>
+    <dgm:txLinClrLst/>
+    <dgm:txFillClrLst meth="repeat">
+      <a:schemeClr val="tx1"/>
+    </dgm:txFillClrLst>
+    <dgm:txEffectClrLst/>
+  </dgm:styleLbl>
+  <dgm:styleLbl name="parChTrans1D3">
+    <dgm:fillClrLst meth="repeat">
+      <a:schemeClr val="accent2">
+        <a:tint val="70000"/>
+      </a:schemeClr>
+    </dgm:fillClrLst>
+    <dgm:linClrLst meth="repeat">
+      <a:schemeClr val="accent4"/>
+    </dgm:linClrLst>
+    <dgm:effectClrLst/>
+    <dgm:txLinClrLst/>
+    <dgm:txFillClrLst meth="repeat">
+      <a:schemeClr val="tx1"/>
+    </dgm:txFillClrLst>
+    <dgm:txEffectClrLst/>
+  </dgm:styleLbl>
+  <dgm:styleLbl name="parChTrans1D4">
+    <dgm:fillClrLst meth="repeat">
+      <a:schemeClr val="accent2">
+        <a:tint val="50000"/>
+      </a:schemeClr>
+    </dgm:fillClrLst>
+    <dgm:linClrLst meth="repeat">
+      <a:schemeClr val="accent5"/>
+    </dgm:linClrLst>
+    <dgm:effectClrLst/>
+    <dgm:txLinClrLst/>
+    <dgm:txFillClrLst meth="repeat">
+      <a:schemeClr val="tx1"/>
+    </dgm:txFillClrLst>
+    <dgm:txEffectClrLst/>
+  </dgm:styleLbl>
+  <dgm:styleLbl name="fgAcc1">
+    <dgm:fillClrLst meth="repeat">
+      <a:schemeClr val="lt1">
+        <a:alpha val="90000"/>
+      </a:schemeClr>
+    </dgm:fillClrLst>
+    <dgm:linClrLst>
+      <a:schemeClr val="accent2"/>
+      <a:schemeClr val="accent3"/>
+    </dgm:linClrLst>
+    <dgm:effectClrLst/>
+    <dgm:txLinClrLst/>
+    <dgm:txFillClrLst meth="repeat">
+      <a:schemeClr val="dk1"/>
+    </dgm:txFillClrLst>
+    <dgm:txEffectClrLst/>
+  </dgm:styleLbl>
+  <dgm:styleLbl name="conFgAcc1">
+    <dgm:fillClrLst meth="repeat">
+      <a:schemeClr val="lt1">
+        <a:alpha val="90000"/>
+      </a:schemeClr>
+    </dgm:fillClrLst>
+    <dgm:linClrLst>
+      <a:schemeClr val="accent2"/>
+      <a:schemeClr val="accent3"/>
+    </dgm:linClrLst>
+    <dgm:effectClrLst/>
+    <dgm:txLinClrLst/>
+    <dgm:txFillClrLst meth="repeat">
+      <a:schemeClr val="dk1"/>
+    </dgm:txFillClrLst>
+    <dgm:txEffectClrLst/>
+  </dgm:styleLbl>
+  <dgm:styleLbl name="alignAcc1">
+    <dgm:fillClrLst meth="repeat">
+      <a:schemeClr val="lt1">
+        <a:alpha val="90000"/>
+      </a:schemeClr>
+    </dgm:fillClrLst>
+    <dgm:linClrLst>
+      <a:schemeClr val="accent2"/>
+      <a:schemeClr val="accent3"/>
+    </dgm:linClrLst>
+    <dgm:effectClrLst/>
+    <dgm:txLinClrLst/>
+    <dgm:txFillClrLst meth="repeat">
+      <a:schemeClr val="dk1"/>
+    </dgm:txFillClrLst>
+    <dgm:txEffectClrLst/>
+  </dgm:styleLbl>
+  <dgm:styleLbl name="trAlignAcc1">
+    <dgm:fillClrLst meth="repeat">
+      <a:schemeClr val="lt1">
+        <a:alpha val="40000"/>
+      </a:schemeClr>
+    </dgm:fillClrLst>
+    <dgm:linClrLst meth="repeat">
+      <a:schemeClr val="accent2"/>
+    </dgm:linClrLst>
+    <dgm:effectClrLst/>
+    <dgm:txLinClrLst/>
+    <dgm:txFillClrLst meth="repeat">
+      <a:schemeClr val="dk1"/>
+    </dgm:txFillClrLst>
+    <dgm:txEffectClrLst/>
+  </dgm:styleLbl>
+  <dgm:styleLbl name="bgAcc1">
+    <dgm:fillClrLst meth="repeat">
+      <a:schemeClr val="lt1">
+        <a:alpha val="90000"/>
+      </a:schemeClr>
+    </dgm:fillClrLst>
+    <dgm:linClrLst>
+      <a:schemeClr val="accent2"/>
+      <a:schemeClr val="accent3"/>
+    </dgm:linClrLst>
+    <dgm:effectClrLst/>
+    <dgm:txLinClrLst/>
+    <dgm:txFillClrLst meth="repeat">
+      <a:schemeClr val="dk1"/>
+    </dgm:txFillClrLst>
+    <dgm:txEffectClrLst/>
+  </dgm:styleLbl>
+  <dgm:styleLbl name="solidFgAcc1">
+    <dgm:fillClrLst meth="repeat">
+      <a:schemeClr val="lt1"/>
+    </dgm:fillClrLst>
+    <dgm:linClrLst>
+      <a:schemeClr val="accent2"/>
+      <a:schemeClr val="accent3"/>
+    </dgm:linClrLst>
+    <dgm:effectClrLst/>
+    <dgm:txLinClrLst/>
+    <dgm:txFillClrLst meth="repeat">
+      <a:schemeClr val="dk1"/>
+    </dgm:txFillClrLst>
+    <dgm:txEffectClrLst/>
+  </dgm:styleLbl>
+  <dgm:styleLbl name="solidAlignAcc1">
+    <dgm:fillClrLst meth="repeat">
+      <a:schemeClr val="lt1"/>
+    </dgm:fillClrLst>
+    <dgm:linClrLst>
+      <a:schemeClr val="accent2"/>
+      <a:schemeClr val="accent3"/>
+    </dgm:linClrLst>
+    <dgm:effectClrLst/>
+    <dgm:txLinClrLst/>
+    <dgm:txFillClrLst meth="repeat">
+      <a:schemeClr val="dk1"/>
+    </dgm:txFillClrLst>
+    <dgm:txEffectClrLst/>
+  </dgm:styleLbl>
+  <dgm:styleLbl name="solidBgAcc1">
+    <dgm:fillClrLst meth="repeat">
+      <a:schemeClr val="lt1"/>
+    </dgm:fillClrLst>
+    <dgm:linClrLst>
+      <a:schemeClr val="accent2"/>
+      <a:schemeClr val="accent3"/>
+    </dgm:linClrLst>
+    <dgm:effectClrLst/>
+    <dgm:txLinClrLst/>
+    <dgm:txFillClrLst meth="repeat">
+      <a:schemeClr val="dk1"/>
+    </dgm:txFillClrLst>
+    <dgm:txEffectClrLst/>
+  </dgm:styleLbl>
+  <dgm:styleLbl name="fgAccFollowNode1">
+    <dgm:fillClrLst>
+      <a:schemeClr val="accent2">
+        <a:tint val="40000"/>
+        <a:alpha val="90000"/>
+      </a:schemeClr>
+      <a:schemeClr val="accent3">
+        <a:tint val="40000"/>
+        <a:alpha val="90000"/>
+      </a:schemeClr>
+    </dgm:fillClrLst>
+    <dgm:linClrLst>
+      <a:schemeClr val="accent2">
+        <a:tint val="40000"/>
+        <a:alpha val="90000"/>
+      </a:schemeClr>
+      <a:schemeClr val="accent3">
+        <a:tint val="40000"/>
+        <a:alpha val="90000"/>
+      </a:schemeClr>
+    </dgm:linClrLst>
+    <dgm:effectClrLst/>
+    <dgm:txLinClrLst/>
+    <dgm:txFillClrLst meth="repeat">
+      <a:schemeClr val="dk1"/>
+    </dgm:txFillClrLst>
+    <dgm:txEffectClrLst/>
+  </dgm:styleLbl>
+  <dgm:styleLbl name="alignAccFollowNode1">
+    <dgm:fillClrLst>
+      <a:schemeClr val="accent2">
+        <a:tint val="40000"/>
+        <a:alpha val="90000"/>
+      </a:schemeClr>
+      <a:schemeClr val="accent3">
+        <a:tint val="40000"/>
+        <a:alpha val="90000"/>
+      </a:schemeClr>
+    </dgm:fillClrLst>
+    <dgm:linClrLst>
+      <a:schemeClr val="accent2">
+        <a:tint val="40000"/>
+        <a:alpha val="90000"/>
+      </a:schemeClr>
+      <a:schemeClr val="accent3">
+        <a:tint val="40000"/>
+        <a:alpha val="90000"/>
+      </a:schemeClr>
+    </dgm:linClrLst>
+    <dgm:effectClrLst/>
+    <dgm:txLinClrLst/>
+    <dgm:txFillClrLst meth="repeat">
+      <a:schemeClr val="dk1"/>
+    </dgm:txFillClrLst>
+    <dgm:txEffectClrLst/>
+  </dgm:styleLbl>
+  <dgm:styleLbl name="bgAccFollowNode1">
+    <dgm:fillClrLst>
+      <a:schemeClr val="accent2">
+        <a:tint val="40000"/>
+        <a:alpha val="90000"/>
+      </a:schemeClr>
+      <a:schemeClr val="accent3">
+        <a:tint val="40000"/>
+        <a:alpha val="90000"/>
+      </a:schemeClr>
+    </dgm:fillClrLst>
+    <dgm:linClrLst>
+      <a:schemeClr val="accent2">
+        <a:tint val="40000"/>
+        <a:alpha val="90000"/>
+      </a:schemeClr>
+      <a:schemeClr val="accent3">
+        <a:tint val="40000"/>
+        <a:alpha val="90000"/>
+      </a:schemeClr>
+    </dgm:linClrLst>
+    <dgm:effectClrLst/>
+    <dgm:txLinClrLst/>
+    <dgm:txFillClrLst meth="repeat">
+      <a:schemeClr val="dk1"/>
+    </dgm:txFillClrLst>
+    <dgm:txEffectClrLst/>
+  </dgm:styleLbl>
+  <dgm:styleLbl name="fgAcc0">
+    <dgm:fillClrLst meth="repeat">
+      <a:schemeClr val="lt1">
+        <a:alpha val="90000"/>
+      </a:schemeClr>
+    </dgm:fillClrLst>
+    <dgm:linClrLst>
+      <a:schemeClr val="accent1"/>
+    </dgm:linClrLst>
+    <dgm:effectClrLst/>
+    <dgm:txLinClrLst/>
+    <dgm:txFillClrLst meth="repeat">
+      <a:schemeClr val="dk1"/>
+    </dgm:txFillClrLst>
+    <dgm:txEffectClrLst/>
+  </dgm:styleLbl>
+  <dgm:styleLbl name="fgAcc2">
+    <dgm:fillClrLst meth="repeat">
+      <a:schemeClr val="lt1">
+        <a:alpha val="90000"/>
+      </a:schemeClr>
+    </dgm:fillClrLst>
+    <dgm:linClrLst>
+      <a:schemeClr val="accent3"/>
+    </dgm:linClrLst>
+    <dgm:effectClrLst/>
+    <dgm:txLinClrLst/>
+    <dgm:txFillClrLst meth="repeat">
+      <a:schemeClr val="dk1"/>
+    </dgm:txFillClrLst>
+    <dgm:txEffectClrLst/>
+  </dgm:styleLbl>
+  <dgm:styleLbl name="fgAcc3">
+    <dgm:fillClrLst meth="repeat">
+      <a:schemeClr val="lt1">
+        <a:alpha val="90000"/>
+      </a:schemeClr>
+    </dgm:fillClrLst>
+    <dgm:linClrLst>
+      <a:schemeClr val="accent4"/>
+    </dgm:linClrLst>
+    <dgm:effectClrLst/>
+    <dgm:txLinClrLst/>
+    <dgm:txFillClrLst meth="repeat">
+      <a:schemeClr val="dk1"/>
+    </dgm:txFillClrLst>
+    <dgm:txEffectClrLst/>
+  </dgm:styleLbl>
+  <dgm:styleLbl name="fgAcc4">
+    <dgm:fillClrLst meth="repeat">
+      <a:schemeClr val="lt1">
+        <a:alpha val="90000"/>
+      </a:schemeClr>
+    </dgm:fillClrLst>
+    <dgm:linClrLst>
+      <a:schemeClr val="accent5"/>
+    </dgm:linClrLst>
+    <dgm:effectClrLst/>
+    <dgm:txLinClrLst/>
+    <dgm:txFillClrLst meth="repeat">
+      <a:schemeClr val="dk1"/>
+    </dgm:txFillClrLst>
+    <dgm:txEffectClrLst/>
+  </dgm:styleLbl>
+  <dgm:styleLbl name="bgShp">
+    <dgm:fillClrLst meth="repeat">
+      <a:schemeClr val="accent2">
+        <a:tint val="40000"/>
+      </a:schemeClr>
+    </dgm:fillClrLst>
+    <dgm:linClrLst meth="repeat">
+      <a:schemeClr val="dk1"/>
+    </dgm:linClrLst>
+    <dgm:effectClrLst/>
+    <dgm:txLinClrLst/>
+    <dgm:txFillClrLst meth="repeat">
+      <a:schemeClr val="dk1"/>
+    </dgm:txFillClrLst>
+    <dgm:txEffectClrLst/>
+  </dgm:styleLbl>
+  <dgm:styleLbl name="dkBgShp">
+    <dgm:fillClrLst meth="repeat">
+      <a:schemeClr val="accent2">
+        <a:shade val="90000"/>
+      </a:schemeClr>
+    </dgm:fillClrLst>
+    <dgm:linClrLst meth="repeat">
+      <a:schemeClr val="dk1"/>
+    </dgm:linClrLst>
+    <dgm:effectClrLst/>
+    <dgm:txLinClrLst/>
+    <dgm:txFillClrLst meth="repeat">
+      <a:schemeClr val="lt1"/>
+    </dgm:txFillClrLst>
+    <dgm:txEffectClrLst/>
+  </dgm:styleLbl>
+  <dgm:styleLbl name="trBgShp">
+    <dgm:fillClrLst meth="repeat">
+      <a:schemeClr val="accent2">
+        <a:tint val="50000"/>
+        <a:alpha val="40000"/>
+      </a:schemeClr>
+    </dgm:fillClrLst>
+    <dgm:linClrLst meth="repeat">
+      <a:schemeClr val="accent2"/>
+    </dgm:linClrLst>
+    <dgm:effectClrLst/>
+    <dgm:txLinClrLst/>
+    <dgm:txFillClrLst meth="repeat">
+      <a:schemeClr val="lt1"/>
+    </dgm:txFillClrLst>
+    <dgm:txEffectClrLst/>
+  </dgm:styleLbl>
+  <dgm:styleLbl name="fgShp">
+    <dgm:fillClrLst meth="repeat">
+      <a:schemeClr val="accent2">
+        <a:tint val="40000"/>
+      </a:schemeClr>
+    </dgm:fillClrLst>
+    <dgm:linClrLst meth="repeat">
+      <a:schemeClr val="lt1"/>
+    </dgm:linClrLst>
+    <dgm:effectClrLst/>
+    <dgm:txLinClrLst/>
+    <dgm:txFillClrLst meth="repeat">
+      <a:schemeClr val="dk1"/>
+    </dgm:txFillClrLst>
+    <dgm:txEffectClrLst/>
+  </dgm:styleLbl>
+  <dgm:styleLbl name="revTx">
+    <dgm:fillClrLst meth="repeat">
+      <a:schemeClr val="lt1">
+        <a:alpha val="0"/>
+      </a:schemeClr>
+    </dgm:fillClrLst>
+    <dgm:linClrLst meth="repeat">
+      <a:schemeClr val="dk1">
+        <a:alpha val="0"/>
+      </a:schemeClr>
+    </dgm:linClrLst>
+    <dgm:effectClrLst/>
+    <dgm:txLinClrLst/>
+    <dgm:txFillClrLst meth="repeat">
+      <a:schemeClr val="tx1"/>
+    </dgm:txFillClrLst>
+    <dgm:txEffectClrLst/>
+  </dgm:styleLbl>
+</dgm:colorsDef>
+</file>
+
+<file path=ppt/diagrams/data1.xml><?xml version="1.0" encoding="utf-8"?>
+<dgm:dataModel xmlns:dgm="http://schemas.openxmlformats.org/drawingml/2006/diagram" xmlns:a="http://schemas.openxmlformats.org/drawingml/2006/main">
+  <dgm:ptLst>
+    <dgm:pt modelId="{4C96270C-07C3-456C-AA5F-EB7A25780EED}" type="doc">
+      <dgm:prSet loTypeId="urn:microsoft.com/office/officeart/2008/layout/LinedList" loCatId="list" qsTypeId="urn:microsoft.com/office/officeart/2005/8/quickstyle/simple4" qsCatId="simple" csTypeId="urn:microsoft.com/office/officeart/2005/8/colors/colorful2" csCatId="colorful"/>
+      <dgm:spPr/>
+      <dgm:t>
+        <a:bodyPr/>
+        <a:lstStyle/>
+        <a:p>
+          <a:endParaRPr lang="en-US"/>
+        </a:p>
+      </dgm:t>
+    </dgm:pt>
+    <dgm:pt modelId="{E789E642-6918-44F1-AB61-168353D84B48}">
+      <dgm:prSet/>
+      <dgm:spPr/>
+      <dgm:t>
+        <a:bodyPr/>
+        <a:lstStyle/>
+        <a:p>
+          <a:r>
+            <a:rPr lang="en-US" b="0" i="0"/>
+            <a:t>PHP stands for Hypertext Preprocessor</a:t>
+          </a:r>
+          <a:endParaRPr lang="en-US"/>
+        </a:p>
+      </dgm:t>
+    </dgm:pt>
+    <dgm:pt modelId="{17330C4D-BE77-4973-A403-E724874D2524}" type="parTrans" cxnId="{8A55F8B5-8101-4DE2-9A58-3CD676B73192}">
+      <dgm:prSet/>
+      <dgm:spPr/>
+      <dgm:t>
+        <a:bodyPr/>
+        <a:lstStyle/>
+        <a:p>
+          <a:endParaRPr lang="en-US"/>
+        </a:p>
+      </dgm:t>
+    </dgm:pt>
+    <dgm:pt modelId="{20CC1A56-4300-4D8E-BD0A-91F2A59FB3EF}" type="sibTrans" cxnId="{8A55F8B5-8101-4DE2-9A58-3CD676B73192}">
+      <dgm:prSet/>
+      <dgm:spPr/>
+      <dgm:t>
+        <a:bodyPr/>
+        <a:lstStyle/>
+        <a:p>
+          <a:endParaRPr lang="en-US"/>
+        </a:p>
+      </dgm:t>
+    </dgm:pt>
+    <dgm:pt modelId="{2BC59CA1-A5E6-40EC-9A58-DE6B055C0B61}">
+      <dgm:prSet/>
+      <dgm:spPr/>
+      <dgm:t>
+        <a:bodyPr/>
+        <a:lstStyle/>
+        <a:p>
+          <a:r>
+            <a:rPr lang="en-US" b="0" i="0"/>
+            <a:t>It is a server-side scripting language used to create dynamic web pages</a:t>
+          </a:r>
+          <a:endParaRPr lang="en-US"/>
+        </a:p>
+      </dgm:t>
+    </dgm:pt>
+    <dgm:pt modelId="{B8192999-A88C-4702-AFD2-88D40EA02940}" type="parTrans" cxnId="{1B0DE698-EC55-41DC-B8EF-D505365F274C}">
+      <dgm:prSet/>
+      <dgm:spPr/>
+      <dgm:t>
+        <a:bodyPr/>
+        <a:lstStyle/>
+        <a:p>
+          <a:endParaRPr lang="en-US"/>
+        </a:p>
+      </dgm:t>
+    </dgm:pt>
+    <dgm:pt modelId="{F874AFFC-FEF2-408F-B5EE-2D6AFC408B18}" type="sibTrans" cxnId="{1B0DE698-EC55-41DC-B8EF-D505365F274C}">
+      <dgm:prSet/>
+      <dgm:spPr/>
+      <dgm:t>
+        <a:bodyPr/>
+        <a:lstStyle/>
+        <a:p>
+          <a:endParaRPr lang="en-US"/>
+        </a:p>
+      </dgm:t>
+    </dgm:pt>
+    <dgm:pt modelId="{725237F0-14B3-4272-B025-A22910DE8C63}">
+      <dgm:prSet/>
+      <dgm:spPr/>
+      <dgm:t>
+        <a:bodyPr/>
+        <a:lstStyle/>
+        <a:p>
+          <a:r>
+            <a:rPr lang="en-US" b="0" i="0"/>
+            <a:t>PHP is widely used in web development and can be integrated with HTML, CSS, and JavaScript</a:t>
+          </a:r>
+          <a:endParaRPr lang="en-US"/>
+        </a:p>
+      </dgm:t>
+    </dgm:pt>
+    <dgm:pt modelId="{75EF056F-8960-4989-8079-4C290AEA0D8D}" type="parTrans" cxnId="{CE4E0F1C-1DC5-41D7-BDC7-BF55F9BA3943}">
+      <dgm:prSet/>
+      <dgm:spPr/>
+      <dgm:t>
+        <a:bodyPr/>
+        <a:lstStyle/>
+        <a:p>
+          <a:endParaRPr lang="en-US"/>
+        </a:p>
+      </dgm:t>
+    </dgm:pt>
+    <dgm:pt modelId="{BED387E9-9BD3-49BA-BF21-4C3AADC6DFE0}" type="sibTrans" cxnId="{CE4E0F1C-1DC5-41D7-BDC7-BF55F9BA3943}">
+      <dgm:prSet/>
+      <dgm:spPr/>
+      <dgm:t>
+        <a:bodyPr/>
+        <a:lstStyle/>
+        <a:p>
+          <a:endParaRPr lang="en-US"/>
+        </a:p>
+      </dgm:t>
+    </dgm:pt>
+    <dgm:pt modelId="{50A8E9C9-20D3-415B-B02B-9055954D9733}">
+      <dgm:prSet/>
+      <dgm:spPr/>
+      <dgm:t>
+        <a:bodyPr/>
+        <a:lstStyle/>
+        <a:p>
+          <a:r>
+            <a:rPr lang="en-US" b="0" i="0"/>
+            <a:t>PHP code is executed on the server and the output is sent to the client's web browser</a:t>
+          </a:r>
+          <a:endParaRPr lang="en-US"/>
+        </a:p>
+      </dgm:t>
+    </dgm:pt>
+    <dgm:pt modelId="{3523BC5E-FAFA-4566-86DE-5A5BDCAF2FFE}" type="parTrans" cxnId="{90A8C84D-1A74-4786-9F22-D1F3832A77B3}">
+      <dgm:prSet/>
+      <dgm:spPr/>
+      <dgm:t>
+        <a:bodyPr/>
+        <a:lstStyle/>
+        <a:p>
+          <a:endParaRPr lang="en-US"/>
+        </a:p>
+      </dgm:t>
+    </dgm:pt>
+    <dgm:pt modelId="{303F5760-D1FE-43B2-B33D-8947230C27C2}" type="sibTrans" cxnId="{90A8C84D-1A74-4786-9F22-D1F3832A77B3}">
+      <dgm:prSet/>
+      <dgm:spPr/>
+      <dgm:t>
+        <a:bodyPr/>
+        <a:lstStyle/>
+        <a:p>
+          <a:endParaRPr lang="en-US"/>
+        </a:p>
+      </dgm:t>
+    </dgm:pt>
+    <dgm:pt modelId="{27896CDD-4F1E-4F27-B4A4-D52D8140049A}" type="pres">
+      <dgm:prSet presAssocID="{4C96270C-07C3-456C-AA5F-EB7A25780EED}" presName="vert0" presStyleCnt="0">
+        <dgm:presLayoutVars>
+          <dgm:dir/>
+          <dgm:animOne val="branch"/>
+          <dgm:animLvl val="lvl"/>
+        </dgm:presLayoutVars>
+      </dgm:prSet>
+      <dgm:spPr/>
+    </dgm:pt>
+    <dgm:pt modelId="{08B6598C-B6F7-480C-9EFA-29C651091859}" type="pres">
+      <dgm:prSet presAssocID="{E789E642-6918-44F1-AB61-168353D84B48}" presName="thickLine" presStyleLbl="alignNode1" presStyleIdx="0" presStyleCnt="4"/>
+      <dgm:spPr/>
+    </dgm:pt>
+    <dgm:pt modelId="{A823CBA9-5610-4532-81AE-59DFFD945522}" type="pres">
+      <dgm:prSet presAssocID="{E789E642-6918-44F1-AB61-168353D84B48}" presName="horz1" presStyleCnt="0"/>
+      <dgm:spPr/>
+    </dgm:pt>
+    <dgm:pt modelId="{EF8230F5-E4EA-4581-B5C3-5C4E66A0B8AD}" type="pres">
+      <dgm:prSet presAssocID="{E789E642-6918-44F1-AB61-168353D84B48}" presName="tx1" presStyleLbl="revTx" presStyleIdx="0" presStyleCnt="4"/>
+      <dgm:spPr/>
+    </dgm:pt>
+    <dgm:pt modelId="{C240A2EC-FB58-4181-9C05-4C8DBACD8D3C}" type="pres">
+      <dgm:prSet presAssocID="{E789E642-6918-44F1-AB61-168353D84B48}" presName="vert1" presStyleCnt="0"/>
+      <dgm:spPr/>
+    </dgm:pt>
+    <dgm:pt modelId="{A1DC7DFE-9BDB-4016-813D-A0375941BF3A}" type="pres">
+      <dgm:prSet presAssocID="{2BC59CA1-A5E6-40EC-9A58-DE6B055C0B61}" presName="thickLine" presStyleLbl="alignNode1" presStyleIdx="1" presStyleCnt="4"/>
+      <dgm:spPr/>
+    </dgm:pt>
+    <dgm:pt modelId="{E64B193F-52E2-4A4A-B811-D59DD1DD1CEE}" type="pres">
+      <dgm:prSet presAssocID="{2BC59CA1-A5E6-40EC-9A58-DE6B055C0B61}" presName="horz1" presStyleCnt="0"/>
+      <dgm:spPr/>
+    </dgm:pt>
+    <dgm:pt modelId="{48E96246-371D-4558-A48E-4ADA1EE1EED3}" type="pres">
+      <dgm:prSet presAssocID="{2BC59CA1-A5E6-40EC-9A58-DE6B055C0B61}" presName="tx1" presStyleLbl="revTx" presStyleIdx="1" presStyleCnt="4"/>
+      <dgm:spPr/>
+    </dgm:pt>
+    <dgm:pt modelId="{F1F9AFC5-2CA0-41DA-82EE-12972D233101}" type="pres">
+      <dgm:prSet presAssocID="{2BC59CA1-A5E6-40EC-9A58-DE6B055C0B61}" presName="vert1" presStyleCnt="0"/>
+      <dgm:spPr/>
+    </dgm:pt>
+    <dgm:pt modelId="{1C176645-9397-4F50-BA18-E57ECFC76832}" type="pres">
+      <dgm:prSet presAssocID="{725237F0-14B3-4272-B025-A22910DE8C63}" presName="thickLine" presStyleLbl="alignNode1" presStyleIdx="2" presStyleCnt="4"/>
+      <dgm:spPr/>
+    </dgm:pt>
+    <dgm:pt modelId="{5638B89B-BAB8-49F7-9630-EEB9EB388158}" type="pres">
+      <dgm:prSet presAssocID="{725237F0-14B3-4272-B025-A22910DE8C63}" presName="horz1" presStyleCnt="0"/>
+      <dgm:spPr/>
+    </dgm:pt>
+    <dgm:pt modelId="{FBEFE84B-F7C6-4A03-A898-081F1EED707E}" type="pres">
+      <dgm:prSet presAssocID="{725237F0-14B3-4272-B025-A22910DE8C63}" presName="tx1" presStyleLbl="revTx" presStyleIdx="2" presStyleCnt="4"/>
+      <dgm:spPr/>
+    </dgm:pt>
+    <dgm:pt modelId="{F18F9760-8D38-4C68-A2B2-86859000B69A}" type="pres">
+      <dgm:prSet presAssocID="{725237F0-14B3-4272-B025-A22910DE8C63}" presName="vert1" presStyleCnt="0"/>
+      <dgm:spPr/>
+    </dgm:pt>
+    <dgm:pt modelId="{E7F19E70-F87D-4D65-AADC-DA6F826AC5C1}" type="pres">
+      <dgm:prSet presAssocID="{50A8E9C9-20D3-415B-B02B-9055954D9733}" presName="thickLine" presStyleLbl="alignNode1" presStyleIdx="3" presStyleCnt="4"/>
+      <dgm:spPr/>
+    </dgm:pt>
+    <dgm:pt modelId="{AE36B51D-3DDD-4A9B-93E2-9A338095B08D}" type="pres">
+      <dgm:prSet presAssocID="{50A8E9C9-20D3-415B-B02B-9055954D9733}" presName="horz1" presStyleCnt="0"/>
+      <dgm:spPr/>
+    </dgm:pt>
+    <dgm:pt modelId="{31AEDAD3-3A97-40B3-8D50-2107892173A5}" type="pres">
+      <dgm:prSet presAssocID="{50A8E9C9-20D3-415B-B02B-9055954D9733}" presName="tx1" presStyleLbl="revTx" presStyleIdx="3" presStyleCnt="4"/>
+      <dgm:spPr/>
+    </dgm:pt>
+    <dgm:pt modelId="{53AE1FFB-9032-45BD-B4D8-8B4BC0705341}" type="pres">
+      <dgm:prSet presAssocID="{50A8E9C9-20D3-415B-B02B-9055954D9733}" presName="vert1" presStyleCnt="0"/>
+      <dgm:spPr/>
+    </dgm:pt>
+  </dgm:ptLst>
+  <dgm:cxnLst>
+    <dgm:cxn modelId="{CE4E0F1C-1DC5-41D7-BDC7-BF55F9BA3943}" srcId="{4C96270C-07C3-456C-AA5F-EB7A25780EED}" destId="{725237F0-14B3-4272-B025-A22910DE8C63}" srcOrd="2" destOrd="0" parTransId="{75EF056F-8960-4989-8079-4C290AEA0D8D}" sibTransId="{BED387E9-9BD3-49BA-BF21-4C3AADC6DFE0}"/>
+    <dgm:cxn modelId="{5EAAEB64-A915-4B12-A839-3661ABB9507E}" type="presOf" srcId="{E789E642-6918-44F1-AB61-168353D84B48}" destId="{EF8230F5-E4EA-4581-B5C3-5C4E66A0B8AD}" srcOrd="0" destOrd="0" presId="urn:microsoft.com/office/officeart/2008/layout/LinedList"/>
+    <dgm:cxn modelId="{82E52849-1080-48B4-B70C-D5ADCAD5FC0D}" type="presOf" srcId="{50A8E9C9-20D3-415B-B02B-9055954D9733}" destId="{31AEDAD3-3A97-40B3-8D50-2107892173A5}" srcOrd="0" destOrd="0" presId="urn:microsoft.com/office/officeart/2008/layout/LinedList"/>
+    <dgm:cxn modelId="{90A8C84D-1A74-4786-9F22-D1F3832A77B3}" srcId="{4C96270C-07C3-456C-AA5F-EB7A25780EED}" destId="{50A8E9C9-20D3-415B-B02B-9055954D9733}" srcOrd="3" destOrd="0" parTransId="{3523BC5E-FAFA-4566-86DE-5A5BDCAF2FFE}" sibTransId="{303F5760-D1FE-43B2-B33D-8947230C27C2}"/>
+    <dgm:cxn modelId="{E972748D-2872-4910-8BB9-F59FB6917DEC}" type="presOf" srcId="{4C96270C-07C3-456C-AA5F-EB7A25780EED}" destId="{27896CDD-4F1E-4F27-B4A4-D52D8140049A}" srcOrd="0" destOrd="0" presId="urn:microsoft.com/office/officeart/2008/layout/LinedList"/>
+    <dgm:cxn modelId="{1B0DE698-EC55-41DC-B8EF-D505365F274C}" srcId="{4C96270C-07C3-456C-AA5F-EB7A25780EED}" destId="{2BC59CA1-A5E6-40EC-9A58-DE6B055C0B61}" srcOrd="1" destOrd="0" parTransId="{B8192999-A88C-4702-AFD2-88D40EA02940}" sibTransId="{F874AFFC-FEF2-408F-B5EE-2D6AFC408B18}"/>
+    <dgm:cxn modelId="{4A9510B3-9B6E-47EA-BDAA-97B8149A7A87}" type="presOf" srcId="{725237F0-14B3-4272-B025-A22910DE8C63}" destId="{FBEFE84B-F7C6-4A03-A898-081F1EED707E}" srcOrd="0" destOrd="0" presId="urn:microsoft.com/office/officeart/2008/layout/LinedList"/>
+    <dgm:cxn modelId="{8A55F8B5-8101-4DE2-9A58-3CD676B73192}" srcId="{4C96270C-07C3-456C-AA5F-EB7A25780EED}" destId="{E789E642-6918-44F1-AB61-168353D84B48}" srcOrd="0" destOrd="0" parTransId="{17330C4D-BE77-4973-A403-E724874D2524}" sibTransId="{20CC1A56-4300-4D8E-BD0A-91F2A59FB3EF}"/>
+    <dgm:cxn modelId="{76B260C3-82AA-4AD6-930E-0CB08C5F6528}" type="presOf" srcId="{2BC59CA1-A5E6-40EC-9A58-DE6B055C0B61}" destId="{48E96246-371D-4558-A48E-4ADA1EE1EED3}" srcOrd="0" destOrd="0" presId="urn:microsoft.com/office/officeart/2008/layout/LinedList"/>
+    <dgm:cxn modelId="{A51341AE-18A2-46C4-9E2C-EF98B144302B}" type="presParOf" srcId="{27896CDD-4F1E-4F27-B4A4-D52D8140049A}" destId="{08B6598C-B6F7-480C-9EFA-29C651091859}" srcOrd="0" destOrd="0" presId="urn:microsoft.com/office/officeart/2008/layout/LinedList"/>
+    <dgm:cxn modelId="{46C3512C-FEB6-4013-91FA-0B7771EC45BC}" type="presParOf" srcId="{27896CDD-4F1E-4F27-B4A4-D52D8140049A}" destId="{A823CBA9-5610-4532-81AE-59DFFD945522}" srcOrd="1" destOrd="0" presId="urn:microsoft.com/office/officeart/2008/layout/LinedList"/>
+    <dgm:cxn modelId="{4B5D85A5-549C-40E5-AFB4-3A8B9873CF61}" type="presParOf" srcId="{A823CBA9-5610-4532-81AE-59DFFD945522}" destId="{EF8230F5-E4EA-4581-B5C3-5C4E66A0B8AD}" srcOrd="0" destOrd="0" presId="urn:microsoft.com/office/officeart/2008/layout/LinedList"/>
+    <dgm:cxn modelId="{138C1914-0195-4C01-9E56-8502C6448503}" type="presParOf" srcId="{A823CBA9-5610-4532-81AE-59DFFD945522}" destId="{C240A2EC-FB58-4181-9C05-4C8DBACD8D3C}" srcOrd="1" destOrd="0" presId="urn:microsoft.com/office/officeart/2008/layout/LinedList"/>
+    <dgm:cxn modelId="{734F1109-6C3F-41B6-B7B1-370FC108BA99}" type="presParOf" srcId="{27896CDD-4F1E-4F27-B4A4-D52D8140049A}" destId="{A1DC7DFE-9BDB-4016-813D-A0375941BF3A}" srcOrd="2" destOrd="0" presId="urn:microsoft.com/office/officeart/2008/layout/LinedList"/>
+    <dgm:cxn modelId="{B3065B14-2314-4453-A823-620CEA4ED9D3}" type="presParOf" srcId="{27896CDD-4F1E-4F27-B4A4-D52D8140049A}" destId="{E64B193F-52E2-4A4A-B811-D59DD1DD1CEE}" srcOrd="3" destOrd="0" presId="urn:microsoft.com/office/officeart/2008/layout/LinedList"/>
+    <dgm:cxn modelId="{0D24B051-7529-4E8E-B8EB-64D9382F6917}" type="presParOf" srcId="{E64B193F-52E2-4A4A-B811-D59DD1DD1CEE}" destId="{48E96246-371D-4558-A48E-4ADA1EE1EED3}" srcOrd="0" destOrd="0" presId="urn:microsoft.com/office/officeart/2008/layout/LinedList"/>
+    <dgm:cxn modelId="{621FD578-0618-4E87-B137-7EDC2FE84BDA}" type="presParOf" srcId="{E64B193F-52E2-4A4A-B811-D59DD1DD1CEE}" destId="{F1F9AFC5-2CA0-41DA-82EE-12972D233101}" srcOrd="1" destOrd="0" presId="urn:microsoft.com/office/officeart/2008/layout/LinedList"/>
+    <dgm:cxn modelId="{E7CE312B-4656-4926-B9EA-E6871A0127F4}" type="presParOf" srcId="{27896CDD-4F1E-4F27-B4A4-D52D8140049A}" destId="{1C176645-9397-4F50-BA18-E57ECFC76832}" srcOrd="4" destOrd="0" presId="urn:microsoft.com/office/officeart/2008/layout/LinedList"/>
+    <dgm:cxn modelId="{71063692-9165-4A1E-8B3C-D64DAC6FE30B}" type="presParOf" srcId="{27896CDD-4F1E-4F27-B4A4-D52D8140049A}" destId="{5638B89B-BAB8-49F7-9630-EEB9EB388158}" srcOrd="5" destOrd="0" presId="urn:microsoft.com/office/officeart/2008/layout/LinedList"/>
+    <dgm:cxn modelId="{517DEE68-9DD9-4107-8DE9-02643742BAF3}" type="presParOf" srcId="{5638B89B-BAB8-49F7-9630-EEB9EB388158}" destId="{FBEFE84B-F7C6-4A03-A898-081F1EED707E}" srcOrd="0" destOrd="0" presId="urn:microsoft.com/office/officeart/2008/layout/LinedList"/>
+    <dgm:cxn modelId="{84650049-C593-4998-924A-4959CBDD4C19}" type="presParOf" srcId="{5638B89B-BAB8-49F7-9630-EEB9EB388158}" destId="{F18F9760-8D38-4C68-A2B2-86859000B69A}" srcOrd="1" destOrd="0" presId="urn:microsoft.com/office/officeart/2008/layout/LinedList"/>
+    <dgm:cxn modelId="{DFEE879D-112C-4A89-9B70-4D0808928C5F}" type="presParOf" srcId="{27896CDD-4F1E-4F27-B4A4-D52D8140049A}" destId="{E7F19E70-F87D-4D65-AADC-DA6F826AC5C1}" srcOrd="6" destOrd="0" presId="urn:microsoft.com/office/officeart/2008/layout/LinedList"/>
+    <dgm:cxn modelId="{CF359775-844B-431E-B0DF-D1A45FC7A852}" type="presParOf" srcId="{27896CDD-4F1E-4F27-B4A4-D52D8140049A}" destId="{AE36B51D-3DDD-4A9B-93E2-9A338095B08D}" srcOrd="7" destOrd="0" presId="urn:microsoft.com/office/officeart/2008/layout/LinedList"/>
+    <dgm:cxn modelId="{E177E5C3-AFCC-4676-A254-216D58F5AA8B}" type="presParOf" srcId="{AE36B51D-3DDD-4A9B-93E2-9A338095B08D}" destId="{31AEDAD3-3A97-40B3-8D50-2107892173A5}" srcOrd="0" destOrd="0" presId="urn:microsoft.com/office/officeart/2008/layout/LinedList"/>
+    <dgm:cxn modelId="{33AF51AE-D83A-4DBC-94C9-D3BD61FEF965}" type="presParOf" srcId="{AE36B51D-3DDD-4A9B-93E2-9A338095B08D}" destId="{53AE1FFB-9032-45BD-B4D8-8B4BC0705341}" srcOrd="1" destOrd="0" presId="urn:microsoft.com/office/officeart/2008/layout/LinedList"/>
+  </dgm:cxnLst>
+  <dgm:bg/>
+  <dgm:whole/>
+  <dgm:extLst>
+    <a:ext uri="http://schemas.microsoft.com/office/drawing/2008/diagram">
+      <dsp:dataModelExt xmlns:dsp="http://schemas.microsoft.com/office/drawing/2008/diagram" relId="rId8" minVer="http://schemas.openxmlformats.org/drawingml/2006/diagram"/>
+    </a:ext>
+  </dgm:extLst>
+</dgm:dataModel>
+</file>
+
+<file path=ppt/diagrams/drawing1.xml><?xml version="1.0" encoding="utf-8"?>
+<dsp:drawing xmlns:dgm="http://schemas.openxmlformats.org/drawingml/2006/diagram" xmlns:dsp="http://schemas.microsoft.com/office/drawing/2008/diagram" xmlns:a="http://schemas.openxmlformats.org/drawingml/2006/main">
+  <dsp:spTree>
+    <dsp:nvGrpSpPr>
+      <dsp:cNvPr id="0" name=""/>
+      <dsp:cNvGrpSpPr/>
+    </dsp:nvGrpSpPr>
+    <dsp:grpSpPr/>
+    <dsp:sp modelId="{08B6598C-B6F7-480C-9EFA-29C651091859}">
+      <dsp:nvSpPr>
+        <dsp:cNvPr id="0" name=""/>
+        <dsp:cNvSpPr/>
+      </dsp:nvSpPr>
+      <dsp:spPr>
+        <a:xfrm>
+          <a:off x="0" y="0"/>
+          <a:ext cx="6266011" cy="0"/>
+        </a:xfrm>
+        <a:prstGeom prst="line">
+          <a:avLst/>
+        </a:prstGeom>
+        <a:gradFill rotWithShape="0">
+          <a:gsLst>
+            <a:gs pos="0">
+              <a:schemeClr val="accent2">
+                <a:hueOff val="0"/>
+                <a:satOff val="0"/>
+                <a:lumOff val="0"/>
+                <a:alphaOff val="0"/>
+                <a:tint val="96000"/>
+                <a:lumMod val="104000"/>
+              </a:schemeClr>
+            </a:gs>
+            <a:gs pos="100000">
+              <a:schemeClr val="accent2">
+                <a:hueOff val="0"/>
+                <a:satOff val="0"/>
+                <a:lumOff val="0"/>
+                <a:alphaOff val="0"/>
+                <a:shade val="90000"/>
+                <a:lumMod val="90000"/>
+              </a:schemeClr>
+            </a:gs>
+          </a:gsLst>
+          <a:lin ang="5400000" scaled="0"/>
+        </a:gradFill>
+        <a:ln w="9525" cap="rnd" cmpd="sng" algn="ctr">
+          <a:solidFill>
+            <a:schemeClr val="accent2">
+              <a:hueOff val="0"/>
+              <a:satOff val="0"/>
+              <a:lumOff val="0"/>
+              <a:alphaOff val="0"/>
+            </a:schemeClr>
+          </a:solidFill>
+          <a:prstDash val="solid"/>
+        </a:ln>
+        <a:effectLst>
+          <a:outerShdw blurRad="63500" dist="25400" dir="5400000" rotWithShape="0">
+            <a:srgbClr val="000000">
+              <a:alpha val="60000"/>
+            </a:srgbClr>
+          </a:outerShdw>
+        </a:effectLst>
+      </dsp:spPr>
+      <dsp:style>
+        <a:lnRef idx="1">
+          <a:scrgbClr r="0" g="0" b="0"/>
+        </a:lnRef>
+        <a:fillRef idx="3">
+          <a:scrgbClr r="0" g="0" b="0"/>
+        </a:fillRef>
+        <a:effectRef idx="2">
+          <a:scrgbClr r="0" g="0" b="0"/>
+        </a:effectRef>
+        <a:fontRef idx="minor">
+          <a:schemeClr val="lt1"/>
+        </a:fontRef>
+      </dsp:style>
+    </dsp:sp>
+    <dsp:sp modelId="{EF8230F5-E4EA-4581-B5C3-5C4E66A0B8AD}">
+      <dsp:nvSpPr>
+        <dsp:cNvPr id="0" name=""/>
+        <dsp:cNvSpPr/>
+      </dsp:nvSpPr>
+      <dsp:spPr>
+        <a:xfrm>
+          <a:off x="0" y="0"/>
+          <a:ext cx="6266011" cy="1224886"/>
+        </a:xfrm>
+        <a:prstGeom prst="rect">
+          <a:avLst/>
+        </a:prstGeom>
+        <a:noFill/>
+        <a:ln>
+          <a:noFill/>
+        </a:ln>
+        <a:effectLst/>
+      </dsp:spPr>
+      <dsp:style>
+        <a:lnRef idx="0">
+          <a:scrgbClr r="0" g="0" b="0"/>
+        </a:lnRef>
+        <a:fillRef idx="0">
+          <a:scrgbClr r="0" g="0" b="0"/>
+        </a:fillRef>
+        <a:effectRef idx="0">
+          <a:scrgbClr r="0" g="0" b="0"/>
+        </a:effectRef>
+        <a:fontRef idx="minor"/>
+      </dsp:style>
+      <dsp:txBody>
+        <a:bodyPr spcFirstLastPara="0" vert="horz" wrap="square" lIns="95250" tIns="95250" rIns="95250" bIns="95250" numCol="1" spcCol="1270" anchor="t" anchorCtr="0">
+          <a:noAutofit/>
+        </a:bodyPr>
+        <a:lstStyle/>
+        <a:p>
+          <a:pPr marL="0" lvl="0" indent="0" algn="l" defTabSz="1111250">
+            <a:lnSpc>
+              <a:spcPct val="90000"/>
+            </a:lnSpc>
+            <a:spcBef>
+              <a:spcPct val="0"/>
+            </a:spcBef>
+            <a:spcAft>
+              <a:spcPct val="35000"/>
+            </a:spcAft>
+            <a:buNone/>
+          </a:pPr>
+          <a:r>
+            <a:rPr lang="en-US" sz="2500" b="0" i="0" kern="1200"/>
+            <a:t>PHP stands for Hypertext Preprocessor</a:t>
+          </a:r>
+          <a:endParaRPr lang="en-US" sz="2500" kern="1200"/>
+        </a:p>
+      </dsp:txBody>
+      <dsp:txXfrm>
+        <a:off x="0" y="0"/>
+        <a:ext cx="6266011" cy="1224886"/>
+      </dsp:txXfrm>
+    </dsp:sp>
+    <dsp:sp modelId="{A1DC7DFE-9BDB-4016-813D-A0375941BF3A}">
+      <dsp:nvSpPr>
+        <dsp:cNvPr id="0" name=""/>
+        <dsp:cNvSpPr/>
+      </dsp:nvSpPr>
+      <dsp:spPr>
+        <a:xfrm>
+          <a:off x="0" y="1224886"/>
+          <a:ext cx="6266011" cy="0"/>
+        </a:xfrm>
+        <a:prstGeom prst="line">
+          <a:avLst/>
+        </a:prstGeom>
+        <a:gradFill rotWithShape="0">
+          <a:gsLst>
+            <a:gs pos="0">
+              <a:schemeClr val="accent2">
+                <a:hueOff val="-236686"/>
+                <a:satOff val="-1956"/>
+                <a:lumOff val="-4183"/>
+                <a:alphaOff val="0"/>
+                <a:tint val="96000"/>
+                <a:lumMod val="104000"/>
+              </a:schemeClr>
+            </a:gs>
+            <a:gs pos="100000">
+              <a:schemeClr val="accent2">
+                <a:hueOff val="-236686"/>
+                <a:satOff val="-1956"/>
+                <a:lumOff val="-4183"/>
+                <a:alphaOff val="0"/>
+                <a:shade val="90000"/>
+                <a:lumMod val="90000"/>
+              </a:schemeClr>
+            </a:gs>
+          </a:gsLst>
+          <a:lin ang="5400000" scaled="0"/>
+        </a:gradFill>
+        <a:ln w="9525" cap="rnd" cmpd="sng" algn="ctr">
+          <a:solidFill>
+            <a:schemeClr val="accent2">
+              <a:hueOff val="-236686"/>
+              <a:satOff val="-1956"/>
+              <a:lumOff val="-4183"/>
+              <a:alphaOff val="0"/>
+            </a:schemeClr>
+          </a:solidFill>
+          <a:prstDash val="solid"/>
+        </a:ln>
+        <a:effectLst>
+          <a:outerShdw blurRad="63500" dist="25400" dir="5400000" rotWithShape="0">
+            <a:srgbClr val="000000">
+              <a:alpha val="60000"/>
+            </a:srgbClr>
+          </a:outerShdw>
+        </a:effectLst>
+      </dsp:spPr>
+      <dsp:style>
+        <a:lnRef idx="1">
+          <a:scrgbClr r="0" g="0" b="0"/>
+        </a:lnRef>
+        <a:fillRef idx="3">
+          <a:scrgbClr r="0" g="0" b="0"/>
+        </a:fillRef>
+        <a:effectRef idx="2">
+          <a:scrgbClr r="0" g="0" b="0"/>
+        </a:effectRef>
+        <a:fontRef idx="minor">
+          <a:schemeClr val="lt1"/>
+        </a:fontRef>
+      </dsp:style>
+    </dsp:sp>
+    <dsp:sp modelId="{48E96246-371D-4558-A48E-4ADA1EE1EED3}">
+      <dsp:nvSpPr>
+        <dsp:cNvPr id="0" name=""/>
+        <dsp:cNvSpPr/>
+      </dsp:nvSpPr>
+      <dsp:spPr>
+        <a:xfrm>
+          <a:off x="0" y="1224886"/>
+          <a:ext cx="6266011" cy="1224886"/>
+        </a:xfrm>
+        <a:prstGeom prst="rect">
+          <a:avLst/>
+        </a:prstGeom>
+        <a:noFill/>
+        <a:ln>
+          <a:noFill/>
+        </a:ln>
+        <a:effectLst/>
+      </dsp:spPr>
+      <dsp:style>
+        <a:lnRef idx="0">
+          <a:scrgbClr r="0" g="0" b="0"/>
+        </a:lnRef>
+        <a:fillRef idx="0">
+          <a:scrgbClr r="0" g="0" b="0"/>
+        </a:fillRef>
+        <a:effectRef idx="0">
+          <a:scrgbClr r="0" g="0" b="0"/>
+        </a:effectRef>
+        <a:fontRef idx="minor"/>
+      </dsp:style>
+      <dsp:txBody>
+        <a:bodyPr spcFirstLastPara="0" vert="horz" wrap="square" lIns="95250" tIns="95250" rIns="95250" bIns="95250" numCol="1" spcCol="1270" anchor="t" anchorCtr="0">
+          <a:noAutofit/>
+        </a:bodyPr>
+        <a:lstStyle/>
+        <a:p>
+          <a:pPr marL="0" lvl="0" indent="0" algn="l" defTabSz="1111250">
+            <a:lnSpc>
+              <a:spcPct val="90000"/>
+            </a:lnSpc>
+            <a:spcBef>
+              <a:spcPct val="0"/>
+            </a:spcBef>
+            <a:spcAft>
+              <a:spcPct val="35000"/>
+            </a:spcAft>
+            <a:buNone/>
+          </a:pPr>
+          <a:r>
+            <a:rPr lang="en-US" sz="2500" b="0" i="0" kern="1200"/>
+            <a:t>It is a server-side scripting language used to create dynamic web pages</a:t>
+          </a:r>
+          <a:endParaRPr lang="en-US" sz="2500" kern="1200"/>
+        </a:p>
+      </dsp:txBody>
+      <dsp:txXfrm>
+        <a:off x="0" y="1224886"/>
+        <a:ext cx="6266011" cy="1224886"/>
+      </dsp:txXfrm>
+    </dsp:sp>
+    <dsp:sp modelId="{1C176645-9397-4F50-BA18-E57ECFC76832}">
+      <dsp:nvSpPr>
+        <dsp:cNvPr id="0" name=""/>
+        <dsp:cNvSpPr/>
+      </dsp:nvSpPr>
+      <dsp:spPr>
+        <a:xfrm>
+          <a:off x="0" y="2449773"/>
+          <a:ext cx="6266011" cy="0"/>
+        </a:xfrm>
+        <a:prstGeom prst="line">
+          <a:avLst/>
+        </a:prstGeom>
+        <a:gradFill rotWithShape="0">
+          <a:gsLst>
+            <a:gs pos="0">
+              <a:schemeClr val="accent2">
+                <a:hueOff val="-473373"/>
+                <a:satOff val="-3912"/>
+                <a:lumOff val="-8366"/>
+                <a:alphaOff val="0"/>
+                <a:tint val="96000"/>
+                <a:lumMod val="104000"/>
+              </a:schemeClr>
+            </a:gs>
+            <a:gs pos="100000">
+              <a:schemeClr val="accent2">
+                <a:hueOff val="-473373"/>
+                <a:satOff val="-3912"/>
+                <a:lumOff val="-8366"/>
+                <a:alphaOff val="0"/>
+                <a:shade val="90000"/>
+                <a:lumMod val="90000"/>
+              </a:schemeClr>
+            </a:gs>
+          </a:gsLst>
+          <a:lin ang="5400000" scaled="0"/>
+        </a:gradFill>
+        <a:ln w="9525" cap="rnd" cmpd="sng" algn="ctr">
+          <a:solidFill>
+            <a:schemeClr val="accent2">
+              <a:hueOff val="-473373"/>
+              <a:satOff val="-3912"/>
+              <a:lumOff val="-8366"/>
+              <a:alphaOff val="0"/>
+            </a:schemeClr>
+          </a:solidFill>
+          <a:prstDash val="solid"/>
+        </a:ln>
+        <a:effectLst>
+          <a:outerShdw blurRad="63500" dist="25400" dir="5400000" rotWithShape="0">
+            <a:srgbClr val="000000">
+              <a:alpha val="60000"/>
+            </a:srgbClr>
+          </a:outerShdw>
+        </a:effectLst>
+      </dsp:spPr>
+      <dsp:style>
+        <a:lnRef idx="1">
+          <a:scrgbClr r="0" g="0" b="0"/>
+        </a:lnRef>
+        <a:fillRef idx="3">
+          <a:scrgbClr r="0" g="0" b="0"/>
+        </a:fillRef>
+        <a:effectRef idx="2">
+          <a:scrgbClr r="0" g="0" b="0"/>
+        </a:effectRef>
+        <a:fontRef idx="minor">
+          <a:schemeClr val="lt1"/>
+        </a:fontRef>
+      </dsp:style>
+    </dsp:sp>
+    <dsp:sp modelId="{FBEFE84B-F7C6-4A03-A898-081F1EED707E}">
+      <dsp:nvSpPr>
+        <dsp:cNvPr id="0" name=""/>
+        <dsp:cNvSpPr/>
+      </dsp:nvSpPr>
+      <dsp:spPr>
+        <a:xfrm>
+          <a:off x="0" y="2449773"/>
+          <a:ext cx="6266011" cy="1224886"/>
+        </a:xfrm>
+        <a:prstGeom prst="rect">
+          <a:avLst/>
+        </a:prstGeom>
+        <a:noFill/>
+        <a:ln>
+          <a:noFill/>
+        </a:ln>
+        <a:effectLst/>
+      </dsp:spPr>
+      <dsp:style>
+        <a:lnRef idx="0">
+          <a:scrgbClr r="0" g="0" b="0"/>
+        </a:lnRef>
+        <a:fillRef idx="0">
+          <a:scrgbClr r="0" g="0" b="0"/>
+        </a:fillRef>
+        <a:effectRef idx="0">
+          <a:scrgbClr r="0" g="0" b="0"/>
+        </a:effectRef>
+        <a:fontRef idx="minor"/>
+      </dsp:style>
+      <dsp:txBody>
+        <a:bodyPr spcFirstLastPara="0" vert="horz" wrap="square" lIns="95250" tIns="95250" rIns="95250" bIns="95250" numCol="1" spcCol="1270" anchor="t" anchorCtr="0">
+          <a:noAutofit/>
+        </a:bodyPr>
+        <a:lstStyle/>
+        <a:p>
+          <a:pPr marL="0" lvl="0" indent="0" algn="l" defTabSz="1111250">
+            <a:lnSpc>
+              <a:spcPct val="90000"/>
+            </a:lnSpc>
+            <a:spcBef>
+              <a:spcPct val="0"/>
+            </a:spcBef>
+            <a:spcAft>
+              <a:spcPct val="35000"/>
+            </a:spcAft>
+            <a:buNone/>
+          </a:pPr>
+          <a:r>
+            <a:rPr lang="en-US" sz="2500" b="0" i="0" kern="1200"/>
+            <a:t>PHP is widely used in web development and can be integrated with HTML, CSS, and JavaScript</a:t>
+          </a:r>
+          <a:endParaRPr lang="en-US" sz="2500" kern="1200"/>
+        </a:p>
+      </dsp:txBody>
+      <dsp:txXfrm>
+        <a:off x="0" y="2449773"/>
+        <a:ext cx="6266011" cy="1224886"/>
+      </dsp:txXfrm>
+    </dsp:sp>
+    <dsp:sp modelId="{E7F19E70-F87D-4D65-AADC-DA6F826AC5C1}">
+      <dsp:nvSpPr>
+        <dsp:cNvPr id="0" name=""/>
+        <dsp:cNvSpPr/>
+      </dsp:nvSpPr>
+      <dsp:spPr>
+        <a:xfrm>
+          <a:off x="0" y="3674660"/>
+          <a:ext cx="6266011" cy="0"/>
+        </a:xfrm>
+        <a:prstGeom prst="line">
+          <a:avLst/>
+        </a:prstGeom>
+        <a:gradFill rotWithShape="0">
+          <a:gsLst>
+            <a:gs pos="0">
+              <a:schemeClr val="accent2">
+                <a:hueOff val="-710059"/>
+                <a:satOff val="-5868"/>
+                <a:lumOff val="-12549"/>
+                <a:alphaOff val="0"/>
+                <a:tint val="96000"/>
+                <a:lumMod val="104000"/>
+              </a:schemeClr>
+            </a:gs>
+            <a:gs pos="100000">
+              <a:schemeClr val="accent2">
+                <a:hueOff val="-710059"/>
+                <a:satOff val="-5868"/>
+                <a:lumOff val="-12549"/>
+                <a:alphaOff val="0"/>
+                <a:shade val="90000"/>
+                <a:lumMod val="90000"/>
+              </a:schemeClr>
+            </a:gs>
+          </a:gsLst>
+          <a:lin ang="5400000" scaled="0"/>
+        </a:gradFill>
+        <a:ln w="9525" cap="rnd" cmpd="sng" algn="ctr">
+          <a:solidFill>
+            <a:schemeClr val="accent2">
+              <a:hueOff val="-710059"/>
+              <a:satOff val="-5868"/>
+              <a:lumOff val="-12549"/>
+              <a:alphaOff val="0"/>
+            </a:schemeClr>
+          </a:solidFill>
+          <a:prstDash val="solid"/>
+        </a:ln>
+        <a:effectLst>
+          <a:outerShdw blurRad="63500" dist="25400" dir="5400000" rotWithShape="0">
+            <a:srgbClr val="000000">
+              <a:alpha val="60000"/>
+            </a:srgbClr>
+          </a:outerShdw>
+        </a:effectLst>
+      </dsp:spPr>
+      <dsp:style>
+        <a:lnRef idx="1">
+          <a:scrgbClr r="0" g="0" b="0"/>
+        </a:lnRef>
+        <a:fillRef idx="3">
+          <a:scrgbClr r="0" g="0" b="0"/>
+        </a:fillRef>
+        <a:effectRef idx="2">
+          <a:scrgbClr r="0" g="0" b="0"/>
+        </a:effectRef>
+        <a:fontRef idx="minor">
+          <a:schemeClr val="lt1"/>
+        </a:fontRef>
+      </dsp:style>
+    </dsp:sp>
+    <dsp:sp modelId="{31AEDAD3-3A97-40B3-8D50-2107892173A5}">
+      <dsp:nvSpPr>
+        <dsp:cNvPr id="0" name=""/>
+        <dsp:cNvSpPr/>
+      </dsp:nvSpPr>
+      <dsp:spPr>
+        <a:xfrm>
+          <a:off x="0" y="3674660"/>
+          <a:ext cx="6266011" cy="1224886"/>
+        </a:xfrm>
+        <a:prstGeom prst="rect">
+          <a:avLst/>
+        </a:prstGeom>
+        <a:noFill/>
+        <a:ln>
+          <a:noFill/>
+        </a:ln>
+        <a:effectLst/>
+      </dsp:spPr>
+      <dsp:style>
+        <a:lnRef idx="0">
+          <a:scrgbClr r="0" g="0" b="0"/>
+        </a:lnRef>
+        <a:fillRef idx="0">
+          <a:scrgbClr r="0" g="0" b="0"/>
+        </a:fillRef>
+        <a:effectRef idx="0">
+          <a:scrgbClr r="0" g="0" b="0"/>
+        </a:effectRef>
+        <a:fontRef idx="minor"/>
+      </dsp:style>
+      <dsp:txBody>
+        <a:bodyPr spcFirstLastPara="0" vert="horz" wrap="square" lIns="95250" tIns="95250" rIns="95250" bIns="95250" numCol="1" spcCol="1270" anchor="t" anchorCtr="0">
+          <a:noAutofit/>
+        </a:bodyPr>
+        <a:lstStyle/>
+        <a:p>
+          <a:pPr marL="0" lvl="0" indent="0" algn="l" defTabSz="1111250">
+            <a:lnSpc>
+              <a:spcPct val="90000"/>
+            </a:lnSpc>
+            <a:spcBef>
+              <a:spcPct val="0"/>
+            </a:spcBef>
+            <a:spcAft>
+              <a:spcPct val="35000"/>
+            </a:spcAft>
+            <a:buNone/>
+          </a:pPr>
+          <a:r>
+            <a:rPr lang="en-US" sz="2500" b="0" i="0" kern="1200"/>
+            <a:t>PHP code is executed on the server and the output is sent to the client's web browser</a:t>
+          </a:r>
+          <a:endParaRPr lang="en-US" sz="2500" kern="1200"/>
+        </a:p>
+      </dsp:txBody>
+      <dsp:txXfrm>
+        <a:off x="0" y="3674660"/>
+        <a:ext cx="6266011" cy="1224886"/>
+      </dsp:txXfrm>
+    </dsp:sp>
+  </dsp:spTree>
+</dsp:drawing>
+</file>
+
+<file path=ppt/diagrams/layout1.xml><?xml version="1.0" encoding="utf-8"?>
+<dgm:layoutDef xmlns:dgm="http://schemas.openxmlformats.org/drawingml/2006/diagram" xmlns:a="http://schemas.openxmlformats.org/drawingml/2006/main" uniqueId="urn:microsoft.com/office/officeart/2008/layout/LinedList">
+  <dgm:title val=""/>
+  <dgm:desc val=""/>
+  <dgm:catLst>
+    <dgm:cat type="hierarchy" pri="8000"/>
+    <dgm:cat type="list" pri="2500"/>
+  </dgm:catLst>
+  <dgm:sampData>
+    <dgm:dataModel>
+      <dgm:ptLst>
+        <dgm:pt modelId="0" type="doc"/>
+        <dgm:pt modelId="1">
+          <dgm:prSet phldr="1"/>
+        </dgm:pt>
+        <dgm:pt modelId="11">
+          <dgm:prSet phldr="1"/>
+        </dgm:pt>
+        <dgm:pt modelId="12">
+          <dgm:prSet phldr="1"/>
+        </dgm:pt>
+        <dgm:pt modelId="13">
+          <dgm:prSet phldr="1"/>
+        </dgm:pt>
+      </dgm:ptLst>
+      <dgm:cxnLst>
+        <dgm:cxn modelId="2" srcId="0" destId="1" srcOrd="0" destOrd="0"/>
+        <dgm:cxn modelId="3" srcId="1" destId="11" srcOrd="0" destOrd="0"/>
+        <dgm:cxn modelId="4" srcId="1" destId="12" srcOrd="1" destOrd="0"/>
+        <dgm:cxn modelId="5" srcId="1" destId="13" srcOrd="2" destOrd="0"/>
+      </dgm:cxnLst>
+      <dgm:bg/>
+      <dgm:whole/>
+    </dgm:dataModel>
+  </dgm:sampData>
+  <dgm:styleData>
+    <dgm:dataModel>
+      <dgm:ptLst>
+        <dgm:pt modelId="0" type="doc"/>
+        <dgm:pt modelId="1">
+          <dgm:prSet phldr="1"/>
+        </dgm:pt>
+        <dgm:pt modelId="11">
+          <dgm:prSet phldr="1"/>
+        </dgm:pt>
+        <dgm:pt modelId="12">
+          <dgm:prSet phldr="1"/>
+        </dgm:pt>
+      </dgm:ptLst>
+      <dgm:cxnLst>
+        <dgm:cxn modelId="2" srcId="0" destId="1" srcOrd="0" destOrd="0"/>
+        <dgm:cxn modelId="3" srcId="1" destId="11" srcOrd="0" destOrd="0"/>
+        <dgm:cxn modelId="4" srcId="1" destId="12" srcOrd="1" destOrd="0"/>
+      </dgm:cxnLst>
+      <dgm:bg/>
+      <dgm:whole/>
+    </dgm:dataModel>
+  </dgm:styleData>
+  <dgm:clrData>
+    <dgm:dataModel>
+      <dgm:ptLst>
+        <dgm:pt modelId="0" type="doc"/>
+        <dgm:pt modelId="1">
+          <dgm:prSet phldr="1"/>
+        </dgm:pt>
+        <dgm:pt modelId="11">
+          <dgm:prSet phldr="1"/>
+        </dgm:pt>
+        <dgm:pt modelId="12">
+          <dgm:prSet phldr="1"/>
+        </dgm:pt>
+      </dgm:ptLst>
+      <dgm:cxnLst>
+        <dgm:cxn modelId="2" srcId="0" destId="1" srcOrd="0" destOrd="0"/>
+        <dgm:cxn modelId="3" srcId="1" destId="11" srcOrd="0" destOrd="0"/>
+        <dgm:cxn modelId="4" srcId="1" destId="12" srcOrd="1" destOrd="0"/>
+      </dgm:cxnLst>
+      <dgm:bg/>
+      <dgm:whole/>
+    </dgm:dataModel>
+  </dgm:clrData>
+  <dgm:layoutNode name="vert0">
+    <dgm:varLst>
+      <dgm:dir/>
+      <dgm:animOne val="branch"/>
+      <dgm:animLvl val="lvl"/>
+    </dgm:varLst>
+    <dgm:choose name="Name0">
+      <dgm:if name="Name1" func="var" arg="dir" op="equ" val="norm">
+        <dgm:alg type="lin">
+          <dgm:param type="linDir" val="fromT"/>
+          <dgm:param type="nodeHorzAlign" val="l"/>
+        </dgm:alg>
+      </dgm:if>
+      <dgm:else name="Name2">
+        <dgm:alg type="lin">
+          <dgm:param type="linDir" val="fromT"/>
+          <dgm:param type="nodeHorzAlign" val="r"/>
+        </dgm:alg>
+      </dgm:else>
+    </dgm:choose>
+    <dgm:shape xmlns:r="http://schemas.openxmlformats.org/officeDocument/2006/relationships" r:blip="">
+      <dgm:adjLst/>
+    </dgm:shape>
+    <dgm:presOf/>
+    <dgm:constrLst>
+      <dgm:constr type="w" for="ch" forName="horz1" refType="w"/>
+      <dgm:constr type="h" for="ch" forName="horz1" refType="h"/>
+      <dgm:constr type="h" for="des" forName="vert1" refType="h"/>
+      <dgm:constr type="h" for="des" forName="tx1" refType="h"/>
+      <dgm:constr type="h" for="des" forName="horz2" refType="h"/>
+      <dgm:constr type="h" for="des" forName="vert2" refType="h"/>
+      <dgm:constr type="h" for="des" forName="horz3" refType="h"/>
+      <dgm:constr type="h" for="des" forName="vert3" refType="h"/>
+      <dgm:constr type="h" for="des" forName="horz4" refType="h"/>
+      <dgm:constr type="h" for="des" ptType="node" refType="h"/>
+      <dgm:constr type="primFontSz" for="des" forName="tx1" op="equ" val="65"/>
+      <dgm:constr type="primFontSz" for="des" forName="tx2" op="equ" val="65"/>
+      <dgm:constr type="primFontSz" for="des" forName="tx3" op="equ" val="65"/>
+      <dgm:constr type="primFontSz" for="des" forName="tx4" op="equ" val="65"/>
+      <dgm:constr type="w" for="des" forName="thickLine" refType="w"/>
+      <dgm:constr type="h" for="des" forName="thickLine"/>
+      <dgm:constr type="h" for="des" forName="thinLine1"/>
+      <dgm:constr type="h" for="des" forName="thinLine2b"/>
+      <dgm:constr type="h" for="des" forName="thinLine3"/>
+      <dgm:constr type="h" for="des" forName="vertSpace2a" refType="h" fact="0.05"/>
+      <dgm:constr type="h" for="des" forName="vertSpace2b" refType="h" refFor="des" refForName="vertSpace2a"/>
+    </dgm:constrLst>
+    <dgm:forEach name="Name3" axis="ch" ptType="node">
+      <dgm:layoutNode name="thickLine" styleLbl="alignNode1">
+        <dgm:alg type="sp"/>
+        <dgm:shape xmlns:r="http://schemas.openxmlformats.org/officeDocument/2006/relationships" type="line" r:blip="">
+          <dgm:adjLst/>
+        </dgm:shape>
+        <dgm:presOf/>
+      </dgm:layoutNode>
+      <dgm:layoutNode name="horz1">
+        <dgm:choose name="Name4">
+          <dgm:if name="Name5" func="var" arg="dir" op="equ" val="norm">
+            <dgm:alg type="lin">
+              <dgm:param type="linDir" val="fromL"/>
+              <dgm:param type="nodeVertAlign" val="t"/>
+            </dgm:alg>
+          </dgm:if>
+          <dgm:else name="Name6">
+            <dgm:alg type="lin">
+              <dgm:param type="linDir" val="fromR"/>
+              <dgm:param type="nodeVertAlign" val="t"/>
+            </dgm:alg>
+          </dgm:else>
+        </dgm:choose>
+        <dgm:shape xmlns:r="http://schemas.openxmlformats.org/officeDocument/2006/relationships" r:blip="">
+          <dgm:adjLst/>
+        </dgm:shape>
+        <dgm:presOf/>
+        <dgm:choose name="Name7">
+          <dgm:if name="Name8" axis="root des" func="maxDepth" op="equ" val="1">
+            <dgm:constrLst>
+              <dgm:constr type="w" for="ch" forName="tx1" refType="w"/>
+            </dgm:constrLst>
+          </dgm:if>
+          <dgm:if name="Name9" axis="root des" func="maxDepth" op="equ" val="2">
+            <dgm:constrLst>
+              <dgm:constr type="w" for="ch" forName="tx1" refType="w" fact="0.2"/>
+              <dgm:constr type="w" for="des" forName="tx2" refType="w" fact="0.785"/>
+              <dgm:constr type="w" for="des" forName="horzSpace2" refType="w" fact="0.015"/>
+              <dgm:constr type="w" for="des" forName="thinLine2b" refType="w" fact="0.8"/>
+            </dgm:constrLst>
+          </dgm:if>
+          <dgm:if name="Name10" axis="root des" func="maxDepth" op="equ" val="3">
+            <dgm:constrLst>
+              <dgm:constr type="w" for="ch" forName="tx1" refType="w" fact="0.2"/>
+              <dgm:constr type="w" for="des" forName="tx2" refType="w" fact="0.385"/>
+              <dgm:constr type="w" for="des" forName="tx3" refType="w" fact="0.385"/>
+              <dgm:constr type="w" for="des" forName="horzSpace2" refType="w" fact="0.015"/>
+              <dgm:constr type="w" for="des" forName="horzSpace3" refType="w" fact="0.015"/>
+              <dgm:constr type="w" for="des" forName="thinLine2b" refType="w" fact="0.8"/>
+              <dgm:constr type="w" for="des" forName="thinLine3" refType="w" fact="0.385"/>
+            </dgm:constrLst>
+          </dgm:if>
+          <dgm:if name="Name11" axis="root des" func="maxDepth" op="gte" val="4">
+            <dgm:constrLst>
+              <dgm:constr type="w" for="ch" forName="tx1" refType="w" fact="0.2"/>
+              <dgm:constr type="w" for="des" forName="tx2" refType="w" fact="0.2516"/>
+              <dgm:constr type="w" for="des" forName="tx3" refType="w" fact="0.2516"/>
+              <dgm:constr type="w" for="des" forName="tx4" refType="w" fact="0.2516"/>
+              <dgm:constr type="w" for="des" forName="horzSpace2" refType="w" fact="0.015"/>
+              <dgm:constr type="w" for="des" forName="horzSpace3" refType="w" fact="0.015"/>
+              <dgm:constr type="w" for="des" forName="horzSpace4" refType="w" fact="0.015"/>
+              <dgm:constr type="w" for="des" forName="thinLine2b" refType="w" fact="0.8"/>
+              <dgm:constr type="w" for="des" forName="thinLine3" refType="w" fact="0.5332"/>
+            </dgm:constrLst>
+          </dgm:if>
+          <dgm:else name="Name12"/>
+        </dgm:choose>
+        <dgm:layoutNode name="tx1" styleLbl="revTx">
+          <dgm:alg type="tx">
+            <dgm:param type="parTxLTRAlign" val="l"/>
+            <dgm:param type="parTxRTLAlign" val="r"/>
+            <dgm:param type="txAnchorVert" val="t"/>
+          </dgm:alg>
+          <dgm:shape xmlns:r="http://schemas.openxmlformats.org/officeDocument/2006/relationships" type="rect" r:blip="">
+            <dgm:adjLst/>
+          </dgm:shape>
+          <dgm:presOf axis="self"/>
+          <dgm:constrLst>
+            <dgm:constr type="tMarg" refType="primFontSz" fact="0.3"/>
+            <dgm:constr type="bMarg" refType="primFontSz" fact="0.3"/>
+            <dgm:constr type="lMarg" refType="primFontSz" fact="0.3"/>
+            <dgm:constr type="rMarg" refType="primFontSz" fact="0.3"/>
+          </dgm:constrLst>
+          <dgm:ruleLst>
+            <dgm:rule type="primFontSz" val="5" fact="NaN" max="NaN"/>
+          </dgm:ruleLst>
+        </dgm:layoutNode>
+        <dgm:layoutNode name="vert1">
+          <dgm:choose name="Name13">
+            <dgm:if name="Name14" func="var" arg="dir" op="equ" val="norm">
+              <dgm:alg type="lin">
+                <dgm:param type="linDir" val="fromT"/>
+                <dgm:param type="nodeHorzAlign" val="l"/>
+              </dgm:alg>
+            </dgm:if>
+            <dgm:else name="Name15">
+              <dgm:alg type="lin">
+                <dgm:param type="linDir" val="fromT"/>
+                <dgm:param type="nodeHorzAlign" val="r"/>
+              </dgm:alg>
+            </dgm:else>
+          </dgm:choose>
+          <dgm:shape xmlns:r="http://schemas.openxmlformats.org/officeDocument/2006/relationships" r:blip="">
+            <dgm:adjLst/>
+          </dgm:shape>
+          <dgm:presOf/>
+          <dgm:forEach name="Name16" axis="ch" ptType="node">
+            <dgm:choose name="Name17">
+              <dgm:if name="Name18" axis="self" ptType="node" func="pos" op="equ" val="1">
+                <dgm:layoutNode name="vertSpace2a">
+                  <dgm:alg type="sp"/>
+                  <dgm:shape xmlns:r="http://schemas.openxmlformats.org/officeDocument/2006/relationships" r:blip="">
+                    <dgm:adjLst/>
+                  </dgm:shape>
+                  <dgm:presOf/>
+                </dgm:layoutNode>
+              </dgm:if>
+              <dgm:else name="Name19"/>
+            </dgm:choose>
+            <dgm:layoutNode name="horz2">
+              <dgm:choose name="Name20">
+                <dgm:if name="Name21" func="var" arg="dir" op="equ" val="norm">
+                  <dgm:alg type="lin">
+                    <dgm:param type="linDir" val="fromL"/>
+                    <dgm:param type="nodeVertAlign" val="t"/>
+                  </dgm:alg>
+                </dgm:if>
+                <dgm:else name="Name22">
+                  <dgm:alg type="lin">
+                    <dgm:param type="linDir" val="fromR"/>
+                    <dgm:param type="nodeVertAlign" val="t"/>
+                  </dgm:alg>
+                </dgm:else>
+              </dgm:choose>
+              <dgm:shape xmlns:r="http://schemas.openxmlformats.org/officeDocument/2006/relationships" r:blip="">
+                <dgm:adjLst/>
+              </dgm:shape>
+              <dgm:presOf/>
+              <dgm:layoutNode name="horzSpace2">
+                <dgm:alg type="sp"/>
+                <dgm:shape xmlns:r="http://schemas.openxmlformats.org/officeDocument/2006/relationships" r:blip="">
+                  <dgm:adjLst/>
+                </dgm:shape>
+                <dgm:presOf/>
+              </dgm:layoutNode>
+              <dgm:layoutNode name="tx2" styleLbl="revTx">
+                <dgm:alg type="tx">
+                  <dgm:param type="parTxLTRAlign" val="l"/>
+                  <dgm:param type="parTxRTLAlign" val="r"/>
+                  <dgm:param type="txAnchorVert" val="t"/>
+                </dgm:alg>
+                <dgm:shape xmlns:r="http://schemas.openxmlformats.org/officeDocument/2006/relationships" type="rect" r:blip="">
+                  <dgm:adjLst/>
+                </dgm:shape>
+                <dgm:presOf axis="self"/>
+                <dgm:constrLst>
+                  <dgm:constr type="tMarg" refType="primFontSz" fact="0.3"/>
+                  <dgm:constr type="bMarg" refType="primFontSz" fact="0.3"/>
+                  <dgm:constr type="lMarg" refType="primFontSz" fact="0.3"/>
+                  <dgm:constr type="rMarg" refType="primFontSz" fact="0.3"/>
+                </dgm:constrLst>
+                <dgm:ruleLst>
+                  <dgm:rule type="primFontSz" val="5" fact="NaN" max="NaN"/>
+                </dgm:ruleLst>
+              </dgm:layoutNode>
+              <dgm:layoutNode name="vert2">
+                <dgm:choose name="Name23">
+                  <dgm:if name="Name24" func="var" arg="dir" op="equ" val="norm">
+                    <dgm:alg type="lin">
+                      <dgm:param type="linDir" val="fromT"/>
+                      <dgm:param type="nodeHorzAlign" val="l"/>
+                    </dgm:alg>
+                  </dgm:if>
+                  <dgm:else name="Name25">
+                    <dgm:alg type="lin">
+                      <dgm:param type="linDir" val="fromT"/>
+                      <dgm:param type="nodeHorzAlign" val="r"/>
+                    </dgm:alg>
+                  </dgm:else>
+                </dgm:choose>
+                <dgm:shape xmlns:r="http://schemas.openxmlformats.org/officeDocument/2006/relationships" r:blip="">
+                  <dgm:adjLst/>
+                </dgm:shape>
+                <dgm:presOf/>
+                <dgm:forEach name="Name26" axis="ch" ptType="node">
+                  <dgm:layoutNode name="horz3">
+                    <dgm:choose name="Name27">
+                      <dgm:if name="Name28" func="var" arg="dir" op="equ" val="norm">
+                        <dgm:alg type="lin">
+                          <dgm:param type="linDir" val="fromL"/>
+                          <dgm:param type="nodeVertAlign" val="t"/>
+                        </dgm:alg>
+                      </dgm:if>
+                      <dgm:else name="Name29">
+                        <dgm:alg type="lin">
+                          <dgm:param type="linDir" val="fromR"/>
+                          <dgm:param type="nodeVertAlign" val="t"/>
+                        </dgm:alg>
+                      </dgm:else>
+                    </dgm:choose>
+                    <dgm:shape xmlns:r="http://schemas.openxmlformats.org/officeDocument/2006/relationships" r:blip="">
+                      <dgm:adjLst/>
+                    </dgm:shape>
+                    <dgm:presOf/>
+                    <dgm:layoutNode name="horzSpace3">
+                      <dgm:alg type="sp"/>
+                      <dgm:shape xmlns:r="http://schemas.openxmlformats.org/officeDocument/2006/relationships" r:blip="">
+                        <dgm:adjLst/>
+                      </dgm:shape>
+                      <dgm:presOf/>
+                    </dgm:layoutNode>
+                    <dgm:layoutNode name="tx3" styleLbl="revTx">
+                      <dgm:alg type="tx">
+                        <dgm:param type="parTxLTRAlign" val="l"/>
+                        <dgm:param type="parTxRTLAlign" val="r"/>
+                        <dgm:param type="txAnchorVert" val="t"/>
+                      </dgm:alg>
+                      <dgm:shape xmlns:r="http://schemas.openxmlformats.org/officeDocument/2006/relationships" type="rect" r:blip="">
+                        <dgm:adjLst/>
+                      </dgm:shape>
+                      <dgm:presOf axis="self"/>
+                      <dgm:constrLst>
+                        <dgm:constr type="tMarg" refType="primFontSz" fact="0.3"/>
+                        <dgm:constr type="bMarg" refType="primFontSz" fact="0.3"/>
+                        <dgm:constr type="lMarg" refType="primFontSz" fact="0.3"/>
+                        <dgm:constr type="rMarg" refType="primFontSz" fact="0.3"/>
+                      </dgm:constrLst>
+                      <dgm:ruleLst>
+                        <dgm:rule type="primFontSz" val="5" fact="NaN" max="NaN"/>
+                      </dgm:ruleLst>
+                    </dgm:layoutNode>
+                    <dgm:layoutNode name="vert3">
+                      <dgm:choose name="Name30">
+                        <dgm:if name="Name31" func="var" arg="dir" op="equ" val="norm">
+                          <dgm:alg type="lin">
+                            <dgm:param type="linDir" val="fromT"/>
+                            <dgm:param type="nodeHorzAlign" val="l"/>
+                          </dgm:alg>
+                        </dgm:if>
+                        <dgm:else name="Name32">
+                          <dgm:alg type="lin">
+                            <dgm:param type="linDir" val="fromT"/>
+                            <dgm:param type="nodeHorzAlign" val="r"/>
+                          </dgm:alg>
+                        </dgm:else>
+                      </dgm:choose>
+                      <dgm:shape xmlns:r="http://schemas.openxmlformats.org/officeDocument/2006/relationships" r:blip="">
+                        <dgm:adjLst/>
+                      </dgm:shape>
+                      <dgm:presOf/>
+                      <dgm:forEach name="Name33" axis="ch" ptType="node">
+                        <dgm:layoutNode name="horz4">
+                          <dgm:choose name="Name34">
+                            <dgm:if name="Name35" func="var" arg="dir" op="equ" val="norm">
+                              <dgm:alg type="lin">
+                                <dgm:param type="linDir" val="fromL"/>
+                                <dgm:param type="nodeVertAlign" val="t"/>
+                              </dgm:alg>
+                            </dgm:if>
+                            <dgm:else name="Name36">
+                              <dgm:alg type="lin">
+                                <dgm:param type="linDir" val="fromR"/>
+                                <dgm:param type="nodeVertAlign" val="t"/>
+                              </dgm:alg>
+                            </dgm:else>
+                          </dgm:choose>
+                          <dgm:shape xmlns:r="http://schemas.openxmlformats.org/officeDocument/2006/relationships" r:blip="">
+                            <dgm:adjLst/>
+                          </dgm:shape>
+                          <dgm:presOf/>
+                          <dgm:layoutNode name="horzSpace4">
+                            <dgm:alg type="sp"/>
+                            <dgm:shape xmlns:r="http://schemas.openxmlformats.org/officeDocument/2006/relationships" r:blip="">
+                              <dgm:adjLst/>
+                            </dgm:shape>
+                            <dgm:presOf/>
+                          </dgm:layoutNode>
+                          <dgm:layoutNode name="tx4" styleLbl="revTx">
+                            <dgm:varLst>
+                              <dgm:bulletEnabled val="1"/>
+                            </dgm:varLst>
+                            <dgm:alg type="tx">
+                              <dgm:param type="parTxLTRAlign" val="l"/>
+                              <dgm:param type="parTxRTLAlign" val="r"/>
+                              <dgm:param type="txAnchorVert" val="t"/>
+                            </dgm:alg>
+                            <dgm:shape xmlns:r="http://schemas.openxmlformats.org/officeDocument/2006/relationships" type="rect" r:blip="">
+                              <dgm:adjLst/>
+                            </dgm:shape>
+                            <dgm:presOf axis="desOrSelf" ptType="node"/>
+                            <dgm:constrLst>
+                              <dgm:constr type="tMarg" refType="primFontSz" fact="0.3"/>
+                              <dgm:constr type="bMarg" refType="primFontSz" fact="0.3"/>
+                              <dgm:constr type="lMarg" refType="primFontSz" fact="0.3"/>
+                              <dgm:constr type="rMarg" refType="primFontSz" fact="0.3"/>
+                            </dgm:constrLst>
+                            <dgm:ruleLst>
+                              <dgm:rule type="primFontSz" val="5" fact="NaN" max="NaN"/>
+                            </dgm:ruleLst>
+                          </dgm:layoutNode>
+                        </dgm:layoutNode>
+                      </dgm:forEach>
+                    </dgm:layoutNode>
+                  </dgm:layoutNode>
+                  <dgm:forEach name="Name37" axis="followSib" ptType="sibTrans" cnt="1">
+                    <dgm:layoutNode name="thinLine3" styleLbl="callout">
+                      <dgm:alg type="sp"/>
+                      <dgm:shape xmlns:r="http://schemas.openxmlformats.org/officeDocument/2006/relationships" type="line" r:blip="">
+                        <dgm:adjLst/>
+                      </dgm:shape>
+                      <dgm:presOf/>
+                    </dgm:layoutNode>
+                  </dgm:forEach>
+                </dgm:forEach>
+              </dgm:layoutNode>
+            </dgm:layoutNode>
+            <dgm:layoutNode name="thinLine2b" styleLbl="callout">
+              <dgm:alg type="sp"/>
+              <dgm:shape xmlns:r="http://schemas.openxmlformats.org/officeDocument/2006/relationships" type="line" r:blip="">
+                <dgm:adjLst/>
+              </dgm:shape>
+              <dgm:presOf/>
+            </dgm:layoutNode>
+            <dgm:layoutNode name="vertSpace2b">
+              <dgm:alg type="sp"/>
+              <dgm:shape xmlns:r="http://schemas.openxmlformats.org/officeDocument/2006/relationships" r:blip="">
+                <dgm:adjLst/>
+              </dgm:shape>
+              <dgm:presOf/>
+            </dgm:layoutNode>
+          </dgm:forEach>
+        </dgm:layoutNode>
+      </dgm:layoutNode>
+    </dgm:forEach>
+  </dgm:layoutNode>
+</dgm:layoutDef>
+</file>
+
+<file path=ppt/diagrams/quickStyle1.xml><?xml version="1.0" encoding="utf-8"?>
+<dgm:styleDef xmlns:dgm="http://schemas.openxmlformats.org/drawingml/2006/diagram" xmlns:a="http://schemas.openxmlformats.org/drawingml/2006/main" uniqueId="urn:microsoft.com/office/officeart/2005/8/quickstyle/simple4">
+  <dgm:title val=""/>
+  <dgm:desc val=""/>
+  <dgm:catLst>
+    <dgm:cat type="simple" pri="10400"/>
+  </dgm:catLst>
+  <dgm:scene3d>
+    <a:camera prst="orthographicFront"/>
+    <a:lightRig rig="threePt" dir="t"/>
+  </dgm:scene3d>
+  <dgm:styleLbl name="node0">
+    <dgm:scene3d>
+      <a:camera prst="orthographicFront"/>
+      <a:lightRig rig="threePt" dir="t"/>
+    </dgm:scene3d>
+    <dgm:sp3d/>
+    <dgm:txPr/>
+    <dgm:style>
+      <a:lnRef idx="0">
+        <a:scrgbClr r="0" g="0" b="0"/>
+      </a:lnRef>
+      <a:fillRef idx="3">
+        <a:scrgbClr r="0" g="0" b="0"/>
+      </a:fillRef>
+      <a:effectRef idx="2">
+        <a:scrgbClr r="0" g="0" b="0"/>
+      </a:effectRef>
+      <a:fontRef idx="minor">
+        <a:schemeClr val="lt1"/>
+      </a:fontRef>
+    </dgm:style>
+  </dgm:styleLbl>
+  <dgm:styleLbl name="lnNode1">
+    <dgm:scene3d>
+      <a:camera prst="orthographicFront"/>
+      <a:lightRig rig="threePt" dir="t"/>
+    </dgm:scene3d>
+    <dgm:sp3d/>
+    <dgm:txPr/>
+    <dgm:style>
+      <a:lnRef idx="1">
+        <a:scrgbClr r="0" g="0" b="0"/>
+      </a:lnRef>
+      <a:fillRef idx="3">
+        <a:scrgbClr r="0" g="0" b="0"/>
+      </a:fillRef>
+      <a:effectRef idx="2">
+        <a:scrgbClr r="0" g="0" b="0"/>
+      </a:effectRef>
+      <a:fontRef idx="minor">
+        <a:schemeClr val="lt1"/>
+      </a:fontRef>
+    </dgm:style>
+  </dgm:styleLbl>
+  <dgm:styleLbl name="vennNode1">
+    <dgm:scene3d>
+      <a:camera prst="orthographicFront"/>
+      <a:lightRig rig="threePt" dir="t"/>
+    </dgm:scene3d>
+    <dgm:sp3d/>
+    <dgm:txPr/>
+    <dgm:style>
+      <a:lnRef idx="0">
+        <a:scrgbClr r="0" g="0" b="0"/>
+      </a:lnRef>
+      <a:fillRef idx="3">
+        <a:scrgbClr r="0" g="0" b="0"/>
+      </a:fillRef>
+      <a:effectRef idx="0">
+        <a:scrgbClr r="0" g="0" b="0"/>
+      </a:effectRef>
+      <a:fontRef idx="minor">
+        <a:schemeClr val="tx1"/>
+      </a:fontRef>
+    </dgm:style>
+  </dgm:styleLbl>
+  <dgm:styleLbl name="alignNode1">
+    <dgm:scene3d>
+      <a:camera prst="orthographicFront"/>
+      <a:lightRig rig="threePt" dir="t"/>
+    </dgm:scene3d>
+    <dgm:sp3d/>
+    <dgm:txPr/>
+    <dgm:style>
+      <a:lnRef idx="1">
+        <a:scrgbClr r="0" g="0" b="0"/>
+      </a:lnRef>
+      <a:fillRef idx="3">
+        <a:scrgbClr r="0" g="0" b="0"/>
+      </a:fillRef>
+      <a:effectRef idx="2">
+        <a:scrgbClr r="0" g="0" b="0"/>
+      </a:effectRef>
+      <a:fontRef idx="minor">
+        <a:schemeClr val="lt1"/>
+      </a:fontRef>
+    </dgm:style>
+  </dgm:styleLbl>
+  <dgm:styleLbl name="node1">
+    <dgm:scene3d>
+      <a:camera prst="orthographicFront"/>
+      <a:lightRig rig="threePt" dir="t"/>
+    </dgm:scene3d>
+    <dgm:sp3d/>
+    <dgm:txPr/>
+    <dgm:style>
+      <a:lnRef idx="0">
+        <a:scrgbClr r="0" g="0" b="0"/>
+      </a:lnRef>
+      <a:fillRef idx="3">
+        <a:scrgbClr r="0" g="0" b="0"/>
+      </a:fillRef>
+      <a:effectRef idx="2">
+        <a:scrgbClr r="0" g="0" b="0"/>
+      </a:effectRef>
+      <a:fontRef idx="minor">
+        <a:schemeClr val="lt1"/>
+      </a:fontRef>
+    </dgm:style>
+  </dgm:styleLbl>
+  <dgm:styleLbl name="node2">
+    <dgm:scene3d>
+      <a:camera prst="orthographicFront"/>
+      <a:lightRig rig="threePt" dir="t"/>
+    </dgm:scene3d>
+    <dgm:sp3d/>
+    <dgm:txPr/>
+    <dgm:style>
+      <a:lnRef idx="0">
+        <a:scrgbClr r="0" g="0" b="0"/>
+      </a:lnRef>
+      <a:fillRef idx="3">
+        <a:scrgbClr r="0" g="0" b="0"/>
+      </a:fillRef>
+      <a:effectRef idx="2">
+        <a:scrgbClr r="0" g="0" b="0"/>
+      </a:effectRef>
+      <a:fontRef idx="minor">
+        <a:schemeClr val="lt1"/>
+      </a:fontRef>
+    </dgm:style>
+  </dgm:styleLbl>
+  <dgm:styleLbl name="node3">
+    <dgm:scene3d>
+      <a:camera prst="orthographicFront"/>
+      <a:lightRig rig="threePt" dir="t"/>
+    </dgm:scene3d>
+    <dgm:sp3d/>
+    <dgm:txPr/>
+    <dgm:style>
+      <a:lnRef idx="0">
+        <a:scrgbClr r="0" g="0" b="0"/>
+      </a:lnRef>
+      <a:fillRef idx="3">
+        <a:scrgbClr r="0" g="0" b="0"/>
+      </a:fillRef>
+      <a:effectRef idx="2">
+        <a:scrgbClr r="0" g="0" b="0"/>
+      </a:effectRef>
+      <a:fontRef idx="minor">
+        <a:schemeClr val="lt1"/>
+      </a:fontRef>
+    </dgm:style>
+  </dgm:styleLbl>
+  <dgm:styleLbl name="node4">
+    <dgm:scene3d>
+      <a:camera prst="orthographicFront"/>
+      <a:lightRig rig="threePt" dir="t"/>
+    </dgm:scene3d>
+    <dgm:sp3d/>
+    <dgm:txPr/>
+    <dgm:style>
+      <a:lnRef idx="0">
+        <a:scrgbClr r="0" g="0" b="0"/>
+      </a:lnRef>
+      <a:fillRef idx="3">
+        <a:scrgbClr r="0" g="0" b="0"/>
+      </a:fillRef>
+      <a:effectRef idx="2">
+        <a:scrgbClr r="0" g="0" b="0"/>
+      </a:effectRef>
+      <a:fontRef idx="minor">
+        <a:schemeClr val="lt1"/>
+      </a:fontRef>
+    </dgm:style>
+  </dgm:styleLbl>
+  <dgm:styleLbl name="fgImgPlace1">
+    <dgm:scene3d>
+      <a:camera prst="orthographicFront"/>
+      <a:lightRig rig="threePt" dir="t"/>
+    </dgm:scene3d>
+    <dgm:sp3d/>
+    <dgm:txPr/>
+    <dgm:style>
+      <a:lnRef idx="0">
+        <a:scrgbClr r="0" g="0" b="0"/>
+      </a:lnRef>
+      <a:fillRef idx="1">
+        <a:scrgbClr r="0" g="0" b="0"/>
+      </a:fillRef>
+      <a:effectRef idx="2">
+        <a:scrgbClr r="0" g="0" b="0"/>
+      </a:effectRef>
+      <a:fontRef idx="minor"/>
+    </dgm:style>
+  </dgm:styleLbl>
+  <dgm:styleLbl name="alignImgPlace1">
+    <dgm:scene3d>
+      <a:camera prst="orthographicFront"/>
+      <a:lightRig rig="threePt" dir="t"/>
+    </dgm:scene3d>
+    <dgm:sp3d/>
+    <dgm:txPr/>
+    <dgm:style>
+      <a:lnRef idx="0">
+        <a:scrgbClr r="0" g="0" b="0"/>
+      </a:lnRef>
+      <a:fillRef idx="1">
+        <a:scrgbClr r="0" g="0" b="0"/>
+      </a:fillRef>
+      <a:effectRef idx="2">
+        <a:scrgbClr r="0" g="0" b="0"/>
+      </a:effectRef>
+      <a:fontRef idx="minor"/>
+    </dgm:style>
+  </dgm:styleLbl>
+  <dgm:styleLbl name="bgImgPlace1">
+    <dgm:scene3d>
+      <a:camera prst="orthographicFront"/>
+      <a:lightRig rig="threePt" dir="t"/>
+    </dgm:scene3d>
+    <dgm:sp3d/>
+    <dgm:txPr/>
+    <dgm:style>
+      <a:lnRef idx="0">
+        <a:scrgbClr r="0" g="0" b="0"/>
+      </a:lnRef>
+      <a:fillRef idx="1">
+        <a:scrgbClr r="0" g="0" b="0"/>
+      </a:fillRef>
+      <a:effectRef idx="2">
+        <a:scrgbClr r="0" g="0" b="0"/>
+      </a:effectRef>
+      <a:fontRef idx="minor"/>
+    </dgm:style>
+  </dgm:styleLbl>
+  <dgm:styleLbl name="sibTrans2D1">
+    <dgm:scene3d>
+      <a:camera prst="orthographicFront"/>
+      <a:lightRig rig="threePt" dir="t"/>
+    </dgm:scene3d>
+    <dgm:sp3d/>
+    <dgm:txPr/>
+    <dgm:style>
+      <a:lnRef idx="0">
+        <a:scrgbClr r="0" g="0" b="0"/>
+      </a:lnRef>
+      <a:fillRef idx="3">
+        <a:scrgbClr r="0" g="0" b="0"/>
+      </a:fillRef>
+      <a:effectRef idx="2">
+        <a:scrgbClr r="0" g="0" b="0"/>
+      </a:effectRef>
+      <a:fontRef idx="minor">
+        <a:schemeClr val="lt1"/>
+      </a:fontRef>
+    </dgm:style>
+  </dgm:styleLbl>
+  <dgm:styleLbl name="fgSibTrans2D1">
+    <dgm:scene3d>
+      <a:camera prst="orthographicFront"/>
+      <a:lightRig rig="threePt" dir="t"/>
+    </dgm:scene3d>
+    <dgm:sp3d/>
+    <dgm:txPr/>
+    <dgm:style>
+      <a:lnRef idx="0">
+        <a:scrgbClr r="0" g="0" b="0"/>
+      </a:lnRef>
+      <a:fillRef idx="3">
+        <a:scrgbClr r="0" g="0" b="0"/>
+      </a:fillRef>
+      <a:effectRef idx="2">
+        <a:scrgbClr r="0" g="0" b="0"/>
+      </a:effectRef>
+      <a:fontRef idx="minor">
+        <a:schemeClr val="lt1"/>
+      </a:fontRef>
+    </dgm:style>
+  </dgm:styleLbl>
+  <dgm:styleLbl name="bgSibTrans2D1">
+    <dgm:scene3d>
+      <a:camera prst="orthographicFront"/>
+      <a:lightRig rig="threePt" dir="t"/>
+    </dgm:scene3d>
+    <dgm:sp3d/>
+    <dgm:txPr/>
+    <dgm:style>
+      <a:lnRef idx="0">
+        <a:scrgbClr r="0" g="0" b="0"/>
+      </a:lnRef>
+      <a:fillRef idx="3">
+        <a:scrgbClr r="0" g="0" b="0"/>
+      </a:fillRef>
+      <a:effectRef idx="2">
+        <a:scrgbClr r="0" g="0" b="0"/>
+      </a:effectRef>
+      <a:fontRef idx="minor">
+        <a:schemeClr val="lt1"/>
+      </a:fontRef>
+    </dgm:style>
+  </dgm:styleLbl>
+  <dgm:styleLbl name="sibTrans1D1">
+    <dgm:scene3d>
+      <a:camera prst="orthographicFront"/>
+      <a:lightRig rig="threePt" dir="t"/>
+    </dgm:scene3d>
+    <dgm:sp3d/>
+    <dgm:txPr/>
+    <dgm:style>
+      <a:lnRef idx="1">
+        <a:scrgbClr r="0" g="0" b="0"/>
+      </a:lnRef>
+      <a:fillRef idx="0">
+        <a:scrgbClr r="0" g="0" b="0"/>
+      </a:fillRef>
+      <a:effectRef idx="0">
+        <a:scrgbClr r="0" g="0" b="0"/>
+      </a:effectRef>
+      <a:fontRef idx="minor"/>
+    </dgm:style>
+  </dgm:styleLbl>
+  <dgm:styleLbl name="callout">
+    <dgm:scene3d>
+      <a:camera prst="orthographicFront"/>
+      <a:lightRig rig="threePt" dir="t"/>
+    </dgm:scene3d>
+    <dgm:sp3d/>
+    <dgm:txPr/>
+    <dgm:style>
+      <a:lnRef idx="2">
+        <a:scrgbClr r="0" g="0" b="0"/>
+      </a:lnRef>
+      <a:fillRef idx="1">
+        <a:scrgbClr r="0" g="0" b="0"/>
+      </a:fillRef>
+      <a:effectRef idx="1">
+        <a:scrgbClr r="0" g="0" b="0"/>
+      </a:effectRef>
+      <a:fontRef idx="minor"/>
+    </dgm:style>
+  </dgm:styleLbl>
+  <dgm:styleLbl name="asst0">
+    <dgm:scene3d>
+      <a:camera prst="orthographicFront"/>
+      <a:lightRig rig="threePt" dir="t"/>
+    </dgm:scene3d>
+    <dgm:sp3d/>
+    <dgm:txPr/>
+    <dgm:style>
+      <a:lnRef idx="0">
+        <a:scrgbClr r="0" g="0" b="0"/>
+      </a:lnRef>
+      <a:fillRef idx="3">
+        <a:scrgbClr r="0" g="0" b="0"/>
+      </a:fillRef>
+      <a:effectRef idx="2">
+        <a:scrgbClr r="0" g="0" b="0"/>
+      </a:effectRef>
+      <a:fontRef idx="minor">
+        <a:schemeClr val="lt1"/>
+      </a:fontRef>
+    </dgm:style>
+  </dgm:styleLbl>
+  <dgm:styleLbl name="asst1">
+    <dgm:scene3d>
+      <a:camera prst="orthographicFront"/>
+      <a:lightRig rig="threePt" dir="t"/>
+    </dgm:scene3d>
+    <dgm:sp3d/>
+    <dgm:txPr/>
+    <dgm:style>
+      <a:lnRef idx="0">
+        <a:scrgbClr r="0" g="0" b="0"/>
+      </a:lnRef>
+      <a:fillRef idx="3">
+        <a:scrgbClr r="0" g="0" b="0"/>
+      </a:fillRef>
+      <a:effectRef idx="2">
+        <a:scrgbClr r="0" g="0" b="0"/>
+      </a:effectRef>
+      <a:fontRef idx="minor">
+        <a:schemeClr val="lt1"/>
+      </a:fontRef>
+    </dgm:style>
+  </dgm:styleLbl>
+  <dgm:styleLbl name="asst2">
+    <dgm:scene3d>
+      <a:camera prst="orthographicFront"/>
+      <a:lightRig rig="threePt" dir="t"/>
+    </dgm:scene3d>
+    <dgm:sp3d/>
+    <dgm:txPr/>
+    <dgm:style>
+      <a:lnRef idx="0">
+        <a:scrgbClr r="0" g="0" b="0"/>
+      </a:lnRef>
+      <a:fillRef idx="3">
+        <a:scrgbClr r="0" g="0" b="0"/>
+      </a:fillRef>
+      <a:effectRef idx="2">
+        <a:scrgbClr r="0" g="0" b="0"/>
+      </a:effectRef>
+      <a:fontRef idx="minor">
+        <a:schemeClr val="lt1"/>
+      </a:fontRef>
+    </dgm:style>
+  </dgm:styleLbl>
+  <dgm:styleLbl name="asst3">
+    <dgm:scene3d>
+      <a:camera prst="orthographicFront"/>
+      <a:lightRig rig="threePt" dir="t"/>
+    </dgm:scene3d>
+    <dgm:sp3d/>
+    <dgm:txPr/>
+    <dgm:style>
+      <a:lnRef idx="0">
+        <a:scrgbClr r="0" g="0" b="0"/>
+      </a:lnRef>
+      <a:fillRef idx="3">
+        <a:scrgbClr r="0" g="0" b="0"/>
+      </a:fillRef>
+      <a:effectRef idx="2">
+        <a:scrgbClr r="0" g="0" b="0"/>
+      </a:effectRef>
+      <a:fontRef idx="minor">
+        <a:schemeClr val="lt1"/>
+      </a:fontRef>
+    </dgm:style>
+  </dgm:styleLbl>
+  <dgm:styleLbl name="asst4">
+    <dgm:scene3d>
+      <a:camera prst="orthographicFront"/>
+      <a:lightRig rig="threePt" dir="t"/>
+    </dgm:scene3d>
+    <dgm:sp3d/>
+    <dgm:txPr/>
+    <dgm:style>
+      <a:lnRef idx="0">
+        <a:scrgbClr r="0" g="0" b="0"/>
+      </a:lnRef>
+      <a:fillRef idx="3">
+        <a:scrgbClr r="0" g="0" b="0"/>
+      </a:fillRef>
+      <a:effectRef idx="2">
+        <a:scrgbClr r="0" g="0" b="0"/>
+      </a:effectRef>
+      <a:fontRef idx="minor">
+        <a:schemeClr val="lt1"/>
+      </a:fontRef>
+    </dgm:style>
+  </dgm:styleLbl>
+  <dgm:styleLbl name="parChTrans2D1">
+    <dgm:scene3d>
+      <a:camera prst="orthographicFront"/>
+      <a:lightRig rig="threePt" dir="t"/>
+    </dgm:scene3d>
+    <dgm:sp3d/>
+    <dgm:txPr/>
+    <dgm:style>
+      <a:lnRef idx="0">
+        <a:scrgbClr r="0" g="0" b="0"/>
+      </a:lnRef>
+      <a:fillRef idx="3">
+        <a:scrgbClr r="0" g="0" b="0"/>
+      </a:fillRef>
+      <a:effectRef idx="2">
+        <a:scrgbClr r="0" g="0" b="0"/>
+      </a:effectRef>
+      <a:fontRef idx="minor">
+        <a:schemeClr val="lt1"/>
+      </a:fontRef>
+    </dgm:style>
+  </dgm:styleLbl>
+  <dgm:styleLbl name="parChTrans2D2">
+    <dgm:scene3d>
+      <a:camera prst="orthographicFront"/>
+      <a:lightRig rig="threePt" dir="t"/>
+    </dgm:scene3d>
+    <dgm:sp3d/>
+    <dgm:txPr/>
+    <dgm:style>
+      <a:lnRef idx="0">
+        <a:scrgbClr r="0" g="0" b="0"/>
+      </a:lnRef>
+      <a:fillRef idx="3">
+        <a:scrgbClr r="0" g="0" b="0"/>
+      </a:fillRef>
+      <a:effectRef idx="2">
+        <a:scrgbClr r="0" g="0" b="0"/>
+      </a:effectRef>
+      <a:fontRef idx="minor">
+        <a:schemeClr val="lt1"/>
+      </a:fontRef>
+    </dgm:style>
+  </dgm:styleLbl>
+  <dgm:styleLbl name="parChTrans2D3">
+    <dgm:scene3d>
+      <a:camera prst="orthographicFront"/>
+      <a:lightRig rig="threePt" dir="t"/>
+    </dgm:scene3d>
+    <dgm:sp3d/>
+    <dgm:txPr/>
+    <dgm:style>
+      <a:lnRef idx="1">
+        <a:scrgbClr r="0" g="0" b="0"/>
+      </a:lnRef>
+      <a:fillRef idx="3">
+        <a:scrgbClr r="0" g="0" b="0"/>
+      </a:fillRef>
+      <a:effectRef idx="2">
+        <a:scrgbClr r="0" g="0" b="0"/>
+      </a:effectRef>
+      <a:fontRef idx="minor">
+        <a:schemeClr val="lt1"/>
+      </a:fontRef>
+    </dgm:style>
+  </dgm:styleLbl>
+  <dgm:styleLbl name="parChTrans2D4">
+    <dgm:scene3d>
+      <a:camera prst="orthographicFront"/>
+      <a:lightRig rig="threePt" dir="t"/>
+    </dgm:scene3d>
+    <dgm:sp3d/>
+    <dgm:txPr/>
+    <dgm:style>
+      <a:lnRef idx="1">
+        <a:scrgbClr r="0" g="0" b="0"/>
+      </a:lnRef>
+      <a:fillRef idx="3">
+        <a:scrgbClr r="0" g="0" b="0"/>
+      </a:fillRef>
+      <a:effectRef idx="2">
+        <a:scrgbClr r="0" g="0" b="0"/>
+      </a:effectRef>
+      <a:fontRef idx="minor">
+        <a:schemeClr val="lt1"/>
+      </a:fontRef>
+    </dgm:style>
+  </dgm:styleLbl>
+  <dgm:styleLbl name="parChTrans1D1">
+    <dgm:scene3d>
+      <a:camera prst="orthographicFront"/>
+      <a:lightRig rig="threePt" dir="t"/>
+    </dgm:scene3d>
+    <dgm:sp3d/>
+    <dgm:txPr/>
+    <dgm:style>
+      <a:lnRef idx="1">
+        <a:scrgbClr r="0" g="0" b="0"/>
+      </a:lnRef>
+      <a:fillRef idx="0">
+        <a:scrgbClr r="0" g="0" b="0"/>
+      </a:fillRef>
+      <a:effectRef idx="0">
+        <a:scrgbClr r="0" g="0" b="0"/>
+      </a:effectRef>
+      <a:fontRef idx="minor"/>
+    </dgm:style>
+  </dgm:styleLbl>
+  <dgm:styleLbl name="parChTrans1D2">
+    <dgm:scene3d>
+      <a:camera prst="orthographicFront"/>
+      <a:lightRig rig="threePt" dir="t"/>
+    </dgm:scene3d>
+    <dgm:sp3d/>
+    <dgm:txPr/>
+    <dgm:style>
+      <a:lnRef idx="1">
+        <a:scrgbClr r="0" g="0" b="0"/>
+      </a:lnRef>
+      <a:fillRef idx="0">
+        <a:scrgbClr r="0" g="0" b="0"/>
+      </a:fillRef>
+      <a:effectRef idx="0">
+        <a:scrgbClr r="0" g="0" b="0"/>
+      </a:effectRef>
+      <a:fontRef idx="minor"/>
+    </dgm:style>
+  </dgm:styleLbl>
+  <dgm:styleLbl name="parChTrans1D3">
+    <dgm:scene3d>
+      <a:camera prst="orthographicFront"/>
+      <a:lightRig rig="threePt" dir="t"/>
+    </dgm:scene3d>
+    <dgm:sp3d/>
+    <dgm:txPr/>
+    <dgm:style>
+      <a:lnRef idx="1">
+        <a:scrgbClr r="0" g="0" b="0"/>
+      </a:lnRef>
+      <a:fillRef idx="0">
+        <a:scrgbClr r="0" g="0" b="0"/>
+      </a:fillRef>
+      <a:effectRef idx="0">
+        <a:scrgbClr r="0" g="0" b="0"/>
+      </a:effectRef>
+      <a:fontRef idx="minor"/>
+    </dgm:style>
+  </dgm:styleLbl>
+  <dgm:styleLbl name="parChTrans1D4">
+    <dgm:scene3d>
+      <a:camera prst="orthographicFront"/>
+      <a:lightRig rig="threePt" dir="t"/>
+    </dgm:scene3d>
+    <dgm:sp3d/>
+    <dgm:txPr/>
+    <dgm:style>
+      <a:lnRef idx="1">
+        <a:scrgbClr r="0" g="0" b="0"/>
+      </a:lnRef>
+      <a:fillRef idx="0">
+        <a:scrgbClr r="0" g="0" b="0"/>
+      </a:fillRef>
+      <a:effectRef idx="0">
+        <a:scrgbClr r="0" g="0" b="0"/>
+      </a:effectRef>
+      <a:fontRef idx="minor"/>
+    </dgm:style>
+  </dgm:styleLbl>
+  <dgm:styleLbl name="fgAcc1">
+    <dgm:scene3d>
+      <a:camera prst="orthographicFront"/>
+      <a:lightRig rig="threePt" dir="t"/>
+    </dgm:scene3d>
+    <dgm:sp3d/>
+    <dgm:txPr/>
+    <dgm:style>
+      <a:lnRef idx="1">
+        <a:scrgbClr r="0" g="0" b="0"/>
+      </a:lnRef>
+      <a:fillRef idx="1">
+        <a:scrgbClr r="0" g="0" b="0"/>
+      </a:fillRef>
+      <a:effectRef idx="0">
+        <a:scrgbClr r="0" g="0" b="0"/>
+      </a:effectRef>
+      <a:fontRef idx="minor"/>
+    </dgm:style>
+  </dgm:styleLbl>
+  <dgm:styleLbl name="conFgAcc1">
+    <dgm:scene3d>
+      <a:camera prst="orthographicFront"/>
+      <a:lightRig rig="threePt" dir="t"/>
+    </dgm:scene3d>
+    <dgm:sp3d/>
+    <dgm:txPr/>
+    <dgm:style>
+      <a:lnRef idx="1">
+        <a:scrgbClr r="0" g="0" b="0"/>
+      </a:lnRef>
+      <a:fillRef idx="1">
+        <a:scrgbClr r="0" g="0" b="0"/>
+      </a:fillRef>
+      <a:effectRef idx="0">
+        <a:scrgbClr r="0" g="0" b="0"/>
+      </a:effectRef>
+      <a:fontRef idx="minor"/>
+    </dgm:style>
+  </dgm:styleLbl>
+  <dgm:styleLbl name="alignAcc1">
+    <dgm:scene3d>
+      <a:camera prst="orthographicFront"/>
+      <a:lightRig rig="threePt" dir="t"/>
+    </dgm:scene3d>
+    <dgm:sp3d/>
+    <dgm:txPr/>
+    <dgm:style>
+      <a:lnRef idx="1">
+        <a:scrgbClr r="0" g="0" b="0"/>
+      </a:lnRef>
+      <a:fillRef idx="1">
+        <a:scrgbClr r="0" g="0" b="0"/>
+      </a:fillRef>
+      <a:effectRef idx="0">
+        <a:scrgbClr r="0" g="0" b="0"/>
+      </a:effectRef>
+      <a:fontRef idx="minor"/>
+    </dgm:style>
+  </dgm:styleLbl>
+  <dgm:styleLbl name="trAlignAcc1">
+    <dgm:scene3d>
+      <a:camera prst="orthographicFront"/>
+      <a:lightRig rig="threePt" dir="t"/>
+    </dgm:scene3d>
+    <dgm:sp3d/>
+    <dgm:txPr/>
+    <dgm:style>
+      <a:lnRef idx="1">
+        <a:scrgbClr r="0" g="0" b="0"/>
+      </a:lnRef>
+      <a:fillRef idx="1">
+        <a:scrgbClr r="0" g="0" b="0"/>
+      </a:fillRef>
+      <a:effectRef idx="0">
+        <a:scrgbClr r="0" g="0" b="0"/>
+      </a:effectRef>
+      <a:fontRef idx="minor"/>
+    </dgm:style>
+  </dgm:styleLbl>
+  <dgm:styleLbl name="bgAcc1">
+    <dgm:scene3d>
+      <a:camera prst="orthographicFront"/>
+      <a:lightRig rig="threePt" dir="t"/>
+    </dgm:scene3d>
+    <dgm:sp3d/>
+    <dgm:txPr/>
+    <dgm:style>
+      <a:lnRef idx="1">
+        <a:scrgbClr r="0" g="0" b="0"/>
+      </a:lnRef>
+      <a:fillRef idx="1">
+        <a:scrgbClr r="0" g="0" b="0"/>
+      </a:fillRef>
+      <a:effectRef idx="0">
+        <a:scrgbClr r="0" g="0" b="0"/>
+      </a:effectRef>
+      <a:fontRef idx="minor"/>
+    </dgm:style>
+  </dgm:styleLbl>
+  <dgm:styleLbl name="solidFgAcc1">
+    <dgm:scene3d>
+      <a:camera prst="orthographicFront"/>
+      <a:lightRig rig="threePt" dir="t"/>
+    </dgm:scene3d>
+    <dgm:sp3d/>
+    <dgm:txPr/>
+    <dgm:style>
+      <a:lnRef idx="1">
+        <a:scrgbClr r="0" g="0" b="0"/>
+      </a:lnRef>
+      <a:fillRef idx="1">
+        <a:scrgbClr r="0" g="0" b="0"/>
+      </a:fillRef>
+      <a:effectRef idx="0">
+        <a:scrgbClr r="0" g="0" b="0"/>
+      </a:effectRef>
+      <a:fontRef idx="minor"/>
+    </dgm:style>
+  </dgm:styleLbl>
+  <dgm:styleLbl name="solidAlignAcc1">
+    <dgm:scene3d>
+      <a:camera prst="orthographicFront"/>
+      <a:lightRig rig="threePt" dir="t"/>
+    </dgm:scene3d>
+    <dgm:sp3d/>
+    <dgm:txPr/>
+    <dgm:style>
+      <a:lnRef idx="1">
+        <a:scrgbClr r="0" g="0" b="0"/>
+      </a:lnRef>
+      <a:fillRef idx="1">
+        <a:scrgbClr r="0" g="0" b="0"/>
+      </a:fillRef>
+      <a:effectRef idx="0">
+        <a:scrgbClr r="0" g="0" b="0"/>
+      </a:effectRef>
+      <a:fontRef idx="minor"/>
+    </dgm:style>
+  </dgm:styleLbl>
+  <dgm:styleLbl name="solidBgAcc1">
+    <dgm:scene3d>
+      <a:camera prst="orthographicFront"/>
+      <a:lightRig rig="threePt" dir="t"/>
+    </dgm:scene3d>
+    <dgm:sp3d/>
+    <dgm:txPr/>
+    <dgm:style>
+      <a:lnRef idx="1">
+        <a:scrgbClr r="0" g="0" b="0"/>
+      </a:lnRef>
+      <a:fillRef idx="1">
+        <a:scrgbClr r="0" g="0" b="0"/>
+      </a:fillRef>
+      <a:effectRef idx="0">
+        <a:scrgbClr r="0" g="0" b="0"/>
+      </a:effectRef>
+      <a:fontRef idx="minor"/>
+    </dgm:style>
+  </dgm:styleLbl>
+  <dgm:styleLbl name="fgAccFollowNode1">
+    <dgm:scene3d>
+      <a:camera prst="orthographicFront"/>
+      <a:lightRig rig="threePt" dir="t"/>
+    </dgm:scene3d>
+    <dgm:sp3d/>
+    <dgm:txPr/>
+    <dgm:style>
+      <a:lnRef idx="1">
+        <a:scrgbClr r="0" g="0" b="0"/>
+      </a:lnRef>
+      <a:fillRef idx="1">
+        <a:scrgbClr r="0" g="0" b="0"/>
+      </a:fillRef>
+      <a:effectRef idx="0">
+        <a:scrgbClr r="0" g="0" b="0"/>
+      </a:effectRef>
+      <a:fontRef idx="minor"/>
+    </dgm:style>
+  </dgm:styleLbl>
+  <dgm:styleLbl name="alignAccFollowNode1">
+    <dgm:scene3d>
+      <a:camera prst="orthographicFront"/>
+      <a:lightRig rig="threePt" dir="t"/>
+    </dgm:scene3d>
+    <dgm:sp3d/>
+    <dgm:txPr/>
+    <dgm:style>
+      <a:lnRef idx="1">
+        <a:scrgbClr r="0" g="0" b="0"/>
+      </a:lnRef>
+      <a:fillRef idx="1">
+        <a:scrgbClr r="0" g="0" b="0"/>
+      </a:fillRef>
+      <a:effectRef idx="0">
+        <a:scrgbClr r="0" g="0" b="0"/>
+      </a:effectRef>
+      <a:fontRef idx="minor"/>
+    </dgm:style>
+  </dgm:styleLbl>
+  <dgm:styleLbl name="bgAccFollowNode1">
+    <dgm:scene3d>
+      <a:camera prst="orthographicFront"/>
+      <a:lightRig rig="threePt" dir="t"/>
+    </dgm:scene3d>
+    <dgm:sp3d/>
+    <dgm:txPr/>
+    <dgm:style>
+      <a:lnRef idx="1">
+        <a:scrgbClr r="0" g="0" b="0"/>
+      </a:lnRef>
+      <a:fillRef idx="1">
+        <a:scrgbClr r="0" g="0" b="0"/>
+      </a:fillRef>
+      <a:effectRef idx="0">
+        <a:scrgbClr r="0" g="0" b="0"/>
+      </a:effectRef>
+      <a:fontRef idx="minor"/>
+    </dgm:style>
+  </dgm:styleLbl>
+  <dgm:styleLbl name="fgAcc0">
+    <dgm:scene3d>
+      <a:camera prst="orthographicFront"/>
+      <a:lightRig rig="threePt" dir="t"/>
+    </dgm:scene3d>
+    <dgm:sp3d/>
+    <dgm:txPr/>
+    <dgm:style>
+      <a:lnRef idx="1">
+        <a:scrgbClr r="0" g="0" b="0"/>
+      </a:lnRef>
+      <a:fillRef idx="1">
+        <a:scrgbClr r="0" g="0" b="0"/>
+      </a:fillRef>
+      <a:effectRef idx="0">
+        <a:scrgbClr r="0" g="0" b="0"/>
+      </a:effectRef>
+      <a:fontRef idx="minor"/>
+    </dgm:style>
+  </dgm:styleLbl>
+  <dgm:styleLbl name="fgAcc2">
+    <dgm:scene3d>
+      <a:camera prst="orthographicFront"/>
+      <a:lightRig rig="threePt" dir="t"/>
+    </dgm:scene3d>
+    <dgm:sp3d/>
+    <dgm:txPr/>
+    <dgm:style>
+      <a:lnRef idx="1">
+        <a:scrgbClr r="0" g="0" b="0"/>
+      </a:lnRef>
+      <a:fillRef idx="1">
+        <a:scrgbClr r="0" g="0" b="0"/>
+      </a:fillRef>
+      <a:effectRef idx="0">
+        <a:scrgbClr r="0" g="0" b="0"/>
+      </a:effectRef>
+      <a:fontRef idx="minor"/>
+    </dgm:style>
+  </dgm:styleLbl>
+  <dgm:styleLbl name="fgAcc3">
+    <dgm:scene3d>
+      <a:camera prst="orthographicFront"/>
+      <a:lightRig rig="threePt" dir="t"/>
+    </dgm:scene3d>
+    <dgm:sp3d/>
+    <dgm:txPr/>
+    <dgm:style>
+      <a:lnRef idx="1">
+        <a:scrgbClr r="0" g="0" b="0"/>
+      </a:lnRef>
+      <a:fillRef idx="1">
+        <a:scrgbClr r="0" g="0" b="0"/>
+      </a:fillRef>
+      <a:effectRef idx="0">
+        <a:scrgbClr r="0" g="0" b="0"/>
+      </a:effectRef>
+      <a:fontRef idx="minor"/>
+    </dgm:style>
+  </dgm:styleLbl>
+  <dgm:styleLbl name="fgAcc4">
+    <dgm:scene3d>
+      <a:camera prst="orthographicFront"/>
+      <a:lightRig rig="threePt" dir="t"/>
+    </dgm:scene3d>
+    <dgm:sp3d/>
+    <dgm:txPr/>
+    <dgm:style>
+      <a:lnRef idx="1">
+        <a:scrgbClr r="0" g="0" b="0"/>
+      </a:lnRef>
+      <a:fillRef idx="1">
+        <a:scrgbClr r="0" g="0" b="0"/>
+      </a:fillRef>
+      <a:effectRef idx="0">
+        <a:scrgbClr r="0" g="0" b="0"/>
+      </a:effectRef>
+      <a:fontRef idx="minor"/>
+    </dgm:style>
+  </dgm:styleLbl>
+  <dgm:styleLbl name="bgShp">
+    <dgm:scene3d>
+      <a:camera prst="orthographicFront"/>
+      <a:lightRig rig="threePt" dir="t"/>
+    </dgm:scene3d>
+    <dgm:sp3d/>
+    <dgm:txPr/>
+    <dgm:style>
+      <a:lnRef idx="0">
+        <a:scrgbClr r="0" g="0" b="0"/>
+      </a:lnRef>
+      <a:fillRef idx="1">
+        <a:scrgbClr r="0" g="0" b="0"/>
+      </a:fillRef>
+      <a:effectRef idx="2">
+        <a:scrgbClr r="0" g="0" b="0"/>
+      </a:effectRef>
+      <a:fontRef idx="minor"/>
+    </dgm:style>
+  </dgm:styleLbl>
+  <dgm:styleLbl name="dkBgShp">
+    <dgm:scene3d>
+      <a:camera prst="orthographicFront"/>
+      <a:lightRig rig="threePt" dir="t"/>
+    </dgm:scene3d>
+    <dgm:sp3d/>
+    <dgm:txPr/>
+    <dgm:style>
+      <a:lnRef idx="0">
+        <a:scrgbClr r="0" g="0" b="0"/>
+      </a:lnRef>
+      <a:fillRef idx="1">
+        <a:scrgbClr r="0" g="0" b="0"/>
+      </a:fillRef>
+      <a:effectRef idx="2">
+        <a:scrgbClr r="0" g="0" b="0"/>
+      </a:effectRef>
+      <a:fontRef idx="minor"/>
+    </dgm:style>
+  </dgm:styleLbl>
+  <dgm:styleLbl name="trBgShp">
+    <dgm:scene3d>
+      <a:camera prst="orthographicFront"/>
+      <a:lightRig rig="threePt" dir="t"/>
+    </dgm:scene3d>
+    <dgm:sp3d/>
+    <dgm:txPr/>
+    <dgm:style>
+      <a:lnRef idx="0">
+        <a:scrgbClr r="0" g="0" b="0"/>
+      </a:lnRef>
+      <a:fillRef idx="1">
+        <a:scrgbClr r="0" g="0" b="0"/>
+      </a:fillRef>
+      <a:effectRef idx="0">
+        <a:scrgbClr r="0" g="0" b="0"/>
+      </a:effectRef>
+      <a:fontRef idx="minor"/>
+    </dgm:style>
+  </dgm:styleLbl>
+  <dgm:styleLbl name="fgShp">
+    <dgm:scene3d>
+      <a:camera prst="orthographicFront"/>
+      <a:lightRig rig="threePt" dir="t"/>
+    </dgm:scene3d>
+    <dgm:sp3d/>
+    <dgm:txPr/>
+    <dgm:style>
+      <a:lnRef idx="0">
+        <a:scrgbClr r="0" g="0" b="0"/>
+      </a:lnRef>
+      <a:fillRef idx="3">
+        <a:scrgbClr r="0" g="0" b="0"/>
+      </a:fillRef>
+      <a:effectRef idx="2">
+        <a:scrgbClr r="0" g="0" b="0"/>
+      </a:effectRef>
+      <a:fontRef idx="minor"/>
+    </dgm:style>
+  </dgm:styleLbl>
+  <dgm:styleLbl name="revTx">
+    <dgm:scene3d>
+      <a:camera prst="orthographicFront"/>
+      <a:lightRig rig="threePt" dir="t"/>
+    </dgm:scene3d>
+    <dgm:sp3d/>
+    <dgm:txPr/>
+    <dgm:style>
+      <a:lnRef idx="0">
+        <a:scrgbClr r="0" g="0" b="0"/>
+      </a:lnRef>
+      <a:fillRef idx="0">
+        <a:scrgbClr r="0" g="0" b="0"/>
+      </a:fillRef>
+      <a:effectRef idx="0">
+        <a:scrgbClr r="0" g="0" b="0"/>
+      </a:effectRef>
+      <a:fontRef idx="minor"/>
+    </dgm:style>
+  </dgm:styleLbl>
+</dgm:styleDef>
+</file>
+
 <file path=ppt/notesMasters/notesMaster1.xml><?xml version="1.0" encoding="utf-8"?>
 <p:notesMaster xmlns:a="http://schemas.openxmlformats.org/drawingml/2006/main" xmlns:r="http://schemas.openxmlformats.org/officeDocument/2006/relationships" xmlns:p="http://schemas.openxmlformats.org/presentationml/2006/main">
   <p:cSld>
@@ -223,7 +3323,7 @@
           <a:p>
             <a:fld id="{7358CC29-445E-4375-84FA-A1290C1DFF7E}" type="datetimeFigureOut">
               <a:rPr lang="en-US" smtClean="0"/>
-              <a:t>2/1/2023</a:t>
+              <a:t>23/02/2023</a:t>
             </a:fld>
             <a:endParaRPr lang="en-US"/>
           </a:p>
@@ -843,7 +3943,7 @@
           <a:p>
             <a:fld id="{0653D66D-8F7F-4D89-96F6-686A96BDA468}" type="datetimeFigureOut">
               <a:rPr lang="en-US" smtClean="0"/>
-              <a:t>2/1/2023</a:t>
+              <a:t>23/02/2023</a:t>
             </a:fld>
             <a:endParaRPr lang="en-US"/>
           </a:p>
@@ -1141,7 +4241,7 @@
           <a:p>
             <a:fld id="{0653D66D-8F7F-4D89-96F6-686A96BDA468}" type="datetimeFigureOut">
               <a:rPr lang="en-US" smtClean="0"/>
-              <a:t>2/1/2023</a:t>
+              <a:t>23/02/2023</a:t>
             </a:fld>
             <a:endParaRPr lang="en-US"/>
           </a:p>
@@ -1333,7 +4433,7 @@
           <a:p>
             <a:fld id="{0653D66D-8F7F-4D89-96F6-686A96BDA468}" type="datetimeFigureOut">
               <a:rPr lang="en-US" smtClean="0"/>
-              <a:t>2/1/2023</a:t>
+              <a:t>23/02/2023</a:t>
             </a:fld>
             <a:endParaRPr lang="en-US"/>
           </a:p>
@@ -1594,7 +4694,7 @@
           <a:p>
             <a:fld id="{0653D66D-8F7F-4D89-96F6-686A96BDA468}" type="datetimeFigureOut">
               <a:rPr lang="en-US" smtClean="0"/>
-              <a:t>2/1/2023</a:t>
+              <a:t>23/02/2023</a:t>
             </a:fld>
             <a:endParaRPr lang="en-US"/>
           </a:p>
@@ -2018,7 +5118,7 @@
           <a:p>
             <a:fld id="{0653D66D-8F7F-4D89-96F6-686A96BDA468}" type="datetimeFigureOut">
               <a:rPr lang="en-US" smtClean="0"/>
-              <a:t>2/1/2023</a:t>
+              <a:t>23/02/2023</a:t>
             </a:fld>
             <a:endParaRPr lang="en-US"/>
           </a:p>
@@ -2555,7 +5655,7 @@
           <a:p>
             <a:fld id="{0653D66D-8F7F-4D89-96F6-686A96BDA468}" type="datetimeFigureOut">
               <a:rPr lang="en-US" smtClean="0"/>
-              <a:t>2/1/2023</a:t>
+              <a:t>23/02/2023</a:t>
             </a:fld>
             <a:endParaRPr lang="en-US"/>
           </a:p>
@@ -3419,7 +6519,7 @@
           <a:p>
             <a:fld id="{0653D66D-8F7F-4D89-96F6-686A96BDA468}" type="datetimeFigureOut">
               <a:rPr lang="en-US" smtClean="0"/>
-              <a:t>2/1/2023</a:t>
+              <a:t>23/02/2023</a:t>
             </a:fld>
             <a:endParaRPr lang="en-US"/>
           </a:p>
@@ -3589,7 +6689,7 @@
           <a:p>
             <a:fld id="{0653D66D-8F7F-4D89-96F6-686A96BDA468}" type="datetimeFigureOut">
               <a:rPr lang="en-US" smtClean="0"/>
-              <a:t>2/1/2023</a:t>
+              <a:t>23/02/2023</a:t>
             </a:fld>
             <a:endParaRPr lang="en-US"/>
           </a:p>
@@ -3773,7 +6873,7 @@
           <a:p>
             <a:fld id="{0653D66D-8F7F-4D89-96F6-686A96BDA468}" type="datetimeFigureOut">
               <a:rPr lang="en-US" smtClean="0"/>
-              <a:t>2/1/2023</a:t>
+              <a:t>23/02/2023</a:t>
             </a:fld>
             <a:endParaRPr lang="en-US"/>
           </a:p>
@@ -3943,7 +7043,7 @@
           <a:p>
             <a:fld id="{0653D66D-8F7F-4D89-96F6-686A96BDA468}" type="datetimeFigureOut">
               <a:rPr lang="en-US" smtClean="0"/>
-              <a:t>2/1/2023</a:t>
+              <a:t>23/02/2023</a:t>
             </a:fld>
             <a:endParaRPr lang="en-US"/>
           </a:p>
@@ -4187,7 +7287,7 @@
           <a:p>
             <a:fld id="{0653D66D-8F7F-4D89-96F6-686A96BDA468}" type="datetimeFigureOut">
               <a:rPr lang="en-US" smtClean="0"/>
-              <a:t>2/1/2023</a:t>
+              <a:t>23/02/2023</a:t>
             </a:fld>
             <a:endParaRPr lang="en-US"/>
           </a:p>
@@ -4423,7 +7523,7 @@
           <a:p>
             <a:fld id="{0653D66D-8F7F-4D89-96F6-686A96BDA468}" type="datetimeFigureOut">
               <a:rPr lang="en-US" smtClean="0"/>
-              <a:t>2/1/2023</a:t>
+              <a:t>23/02/2023</a:t>
             </a:fld>
             <a:endParaRPr lang="en-US"/>
           </a:p>
@@ -4889,7 +7989,7 @@
           <a:p>
             <a:fld id="{0653D66D-8F7F-4D89-96F6-686A96BDA468}" type="datetimeFigureOut">
               <a:rPr lang="en-US" smtClean="0"/>
-              <a:t>2/1/2023</a:t>
+              <a:t>23/02/2023</a:t>
             </a:fld>
             <a:endParaRPr lang="en-US"/>
           </a:p>
@@ -5007,7 +8107,7 @@
           <a:p>
             <a:fld id="{0653D66D-8F7F-4D89-96F6-686A96BDA468}" type="datetimeFigureOut">
               <a:rPr lang="en-US" smtClean="0"/>
-              <a:t>2/1/2023</a:t>
+              <a:t>23/02/2023</a:t>
             </a:fld>
             <a:endParaRPr lang="en-US"/>
           </a:p>
@@ -5102,7 +8202,7 @@
           <a:p>
             <a:fld id="{0653D66D-8F7F-4D89-96F6-686A96BDA468}" type="datetimeFigureOut">
               <a:rPr lang="en-US" smtClean="0"/>
-              <a:t>2/1/2023</a:t>
+              <a:t>23/02/2023</a:t>
             </a:fld>
             <a:endParaRPr lang="en-US"/>
           </a:p>
@@ -5357,7 +8457,7 @@
           <a:p>
             <a:fld id="{0653D66D-8F7F-4D89-96F6-686A96BDA468}" type="datetimeFigureOut">
               <a:rPr lang="en-US" smtClean="0"/>
-              <a:t>2/1/2023</a:t>
+              <a:t>23/02/2023</a:t>
             </a:fld>
             <a:endParaRPr lang="en-US"/>
           </a:p>
@@ -5657,7 +8757,7 @@
           <a:p>
             <a:fld id="{0653D66D-8F7F-4D89-96F6-686A96BDA468}" type="datetimeFigureOut">
               <a:rPr lang="en-US" smtClean="0"/>
-              <a:t>2/1/2023</a:t>
+              <a:t>23/02/2023</a:t>
             </a:fld>
             <a:endParaRPr lang="en-US"/>
           </a:p>
@@ -5891,7 +8991,7 @@
           <a:p>
             <a:fld id="{0653D66D-8F7F-4D89-96F6-686A96BDA468}" type="datetimeFigureOut">
               <a:rPr lang="en-US" smtClean="0"/>
-              <a:t>2/1/2023</a:t>
+              <a:t>23/02/2023</a:t>
             </a:fld>
             <a:endParaRPr lang="en-US"/>
           </a:p>
@@ -9178,9 +12278,20 @@
   <p:cSld>
     <p:bg>
       <p:bgPr>
-        <a:solidFill>
-          <a:schemeClr val="bg1"/>
-        </a:solidFill>
+        <a:blipFill rotWithShape="1">
+          <a:blip r:embed="rId2">
+            <a:duotone>
+              <a:schemeClr val="bg2">
+                <a:shade val="80000"/>
+                <a:lumMod val="80000"/>
+              </a:schemeClr>
+              <a:schemeClr val="bg2">
+                <a:tint val="98000"/>
+              </a:schemeClr>
+            </a:duotone>
+          </a:blip>
+          <a:stretch/>
+        </a:blipFill>
         <a:effectLst/>
       </p:bgPr>
     </p:bg>
@@ -9216,8 +12327,8 @@
         </p:nvSpPr>
         <p:spPr>
           <a:xfrm>
-            <a:off x="1102368" y="1877492"/>
-            <a:ext cx="4030132" cy="3215373"/>
+            <a:off x="633743" y="609599"/>
+            <a:ext cx="3413156" cy="5273675"/>
           </a:xfrm>
         </p:spPr>
         <p:txBody>
@@ -9226,118 +12337,92 @@
           </a:bodyPr>
           <a:lstStyle/>
           <a:p>
-            <a:pPr algn="ctr"/>
-            <a:r>
-              <a:rPr lang="en-US" b="0" i="0" dirty="0">
-                <a:solidFill>
-                  <a:schemeClr val="bg1"/>
-                </a:solidFill>
+            <a:r>
+              <a:rPr lang="en-US" b="0" i="0">
                 <a:effectLst/>
                 <a:latin typeface="Söhne"/>
               </a:rPr>
               <a:t>3.13 Introduction to PHP</a:t>
             </a:r>
-            <a:endParaRPr lang="en-US" dirty="0">
-              <a:solidFill>
-                <a:schemeClr val="bg1"/>
-              </a:solidFill>
-            </a:endParaRPr>
-          </a:p>
-        </p:txBody>
-      </p:sp>
-      <p:sp>
-        <p:nvSpPr>
-          <p:cNvPr id="11" name="Content Placeholder 2">
+            <a:endParaRPr lang="en-US"/>
+          </a:p>
+        </p:txBody>
+      </p:sp>
+      <p:pic>
+        <p:nvPicPr>
+          <p:cNvPr id="17" name="Picture 16">
             <a:extLst>
               <a:ext uri="{FF2B5EF4-FFF2-40B4-BE49-F238E27FC236}">
-                <a16:creationId xmlns:a16="http://schemas.microsoft.com/office/drawing/2014/main" id="{3B97A005-7444-43E5-0FD3-6D8196223115}"/>
+                <a16:creationId xmlns:a16="http://schemas.microsoft.com/office/drawing/2014/main" id="{82AABC82-C2D1-4340-A6DF-6E73DF06FCAC}"/>
+              </a:ext>
+              <a:ext uri="{C183D7F6-B498-43B3-948B-1728B52AA6E4}">
+                <adec:decorative xmlns:adec="http://schemas.microsoft.com/office/drawing/2017/decorative" val="1"/>
               </a:ext>
             </a:extLst>
           </p:cNvPr>
-          <p:cNvSpPr>
-            <a:spLocks noGrp="1"/>
-          </p:cNvSpPr>
-          <p:nvPr>
-            <p:ph idx="1"/>
-          </p:nvPr>
-        </p:nvSpPr>
+          <p:cNvPicPr>
+            <a:picLocks noGrp="1" noRot="1" noChangeAspect="1" noMove="1" noResize="1" noEditPoints="1" noAdjustHandles="1" noChangeArrowheads="1" noChangeShapeType="1" noCrop="1"/>
+          </p:cNvPicPr>
+          <p:nvPr>
+            <p:extLst>
+              <p:ext uri="{386F3935-93C4-4BCD-93E2-E3B085C9AB24}">
+                <p16:designElem xmlns:p16="http://schemas.microsoft.com/office/powerpoint/2015/main" val="1"/>
+              </p:ext>
+            </p:extLst>
+          </p:nvPr>
+        </p:nvPicPr>
+        <p:blipFill rotWithShape="1">
+          <a:blip r:embed="rId3">
+            <a:extLst>
+              <a:ext uri="{28A0092B-C50C-407E-A947-70E740481C1C}">
+                <a14:useLocalDpi xmlns:a14="http://schemas.microsoft.com/office/drawing/2010/main" val="0"/>
+              </a:ext>
+            </a:extLst>
+          </a:blip>
+          <a:srcRect t="964" r="2807" b="1446"/>
+          <a:stretch/>
+        </p:blipFill>
         <p:spPr>
           <a:xfrm>
-            <a:off x="6234868" y="1130846"/>
-            <a:ext cx="5217173" cy="4351338"/>
+            <a:off x="4639056" y="2"/>
+            <a:ext cx="7552944" cy="6857998"/>
           </a:xfrm>
+          <a:prstGeom prst="rect">
+            <a:avLst/>
+          </a:prstGeom>
         </p:spPr>
-        <p:txBody>
-          <a:bodyPr>
-            <a:normAutofit fontScale="92500"/>
-          </a:bodyPr>
-          <a:lstStyle/>
-          <a:p>
-            <a:pPr>
-              <a:buFont typeface="Arial" panose="020B0604020202020204" pitchFamily="34" charset="0"/>
-              <a:buChar char="•"/>
-            </a:pPr>
-            <a:r>
-              <a:rPr lang="en-US" sz="2600" b="0" i="0">
-                <a:solidFill>
-                  <a:schemeClr val="bg1"/>
-                </a:solidFill>
-                <a:effectLst/>
-                <a:latin typeface="Söhne"/>
-              </a:rPr>
-              <a:t>PHP stands for Hypertext Preprocessor</a:t>
-            </a:r>
-          </a:p>
-          <a:p>
-            <a:pPr>
-              <a:buFont typeface="Arial" panose="020B0604020202020204" pitchFamily="34" charset="0"/>
-              <a:buChar char="•"/>
-            </a:pPr>
-            <a:r>
-              <a:rPr lang="en-US" sz="2600" b="0" i="0">
-                <a:solidFill>
-                  <a:schemeClr val="bg1"/>
-                </a:solidFill>
-                <a:effectLst/>
-                <a:latin typeface="Söhne"/>
-              </a:rPr>
-              <a:t>It is a server-side scripting language used to create dynamic web pages</a:t>
-            </a:r>
-          </a:p>
-          <a:p>
-            <a:pPr>
-              <a:buFont typeface="Arial" panose="020B0604020202020204" pitchFamily="34" charset="0"/>
-              <a:buChar char="•"/>
-            </a:pPr>
-            <a:r>
-              <a:rPr lang="en-US" sz="2600" b="0" i="0">
-                <a:solidFill>
-                  <a:schemeClr val="bg1"/>
-                </a:solidFill>
-                <a:effectLst/>
-                <a:latin typeface="Söhne"/>
-              </a:rPr>
-              <a:t>PHP is widely used in web development and can be integrated with HTML, CSS, and JavaScript</a:t>
-            </a:r>
-          </a:p>
-          <a:p>
-            <a:pPr>
-              <a:buFont typeface="Arial" panose="020B0604020202020204" pitchFamily="34" charset="0"/>
-              <a:buChar char="•"/>
-            </a:pPr>
-            <a:r>
-              <a:rPr lang="en-US" sz="2600" b="0" i="0">
-                <a:solidFill>
-                  <a:schemeClr val="bg1"/>
-                </a:solidFill>
-                <a:effectLst/>
-                <a:latin typeface="Söhne"/>
-              </a:rPr>
-              <a:t>PHP code is executed on the server and the output is sent to the client's web browser</a:t>
-            </a:r>
-          </a:p>
-        </p:txBody>
-      </p:sp>
+      </p:pic>
+      <p:graphicFrame>
+        <p:nvGraphicFramePr>
+          <p:cNvPr id="13" name="Content Placeholder 2">
+            <a:extLst>
+              <a:ext uri="{FF2B5EF4-FFF2-40B4-BE49-F238E27FC236}">
+                <a16:creationId xmlns:a16="http://schemas.microsoft.com/office/drawing/2014/main" id="{B5AB7134-C640-2B08-07DB-B4410B764ACF}"/>
+              </a:ext>
+            </a:extLst>
+          </p:cNvPr>
+          <p:cNvGraphicFramePr>
+            <a:graphicFrameLocks noGrp="1"/>
+          </p:cNvGraphicFramePr>
+          <p:nvPr>
+            <p:ph idx="1"/>
+            <p:extLst>
+              <p:ext uri="{D42A27DB-BD31-4B8C-83A1-F6EECF244321}">
+                <p14:modId xmlns:p14="http://schemas.microsoft.com/office/powerpoint/2010/main" val="2862352812"/>
+              </p:ext>
+            </p:extLst>
+          </p:nvPr>
+        </p:nvGraphicFramePr>
+        <p:xfrm>
+          <a:off x="5282521" y="709683"/>
+          <a:ext cx="6266011" cy="4899547"/>
+        </p:xfrm>
+        <a:graphic>
+          <a:graphicData uri="http://schemas.openxmlformats.org/drawingml/2006/diagram">
+            <dgm:relIds xmlns:dgm="http://schemas.openxmlformats.org/drawingml/2006/diagram" xmlns:r="http://schemas.openxmlformats.org/officeDocument/2006/relationships" r:dm="rId4" r:lo="rId5" r:qs="rId6" r:cs="rId7"/>
+          </a:graphicData>
+        </a:graphic>
+      </p:graphicFrame>
     </p:spTree>
     <p:extLst>
       <p:ext uri="{BB962C8B-B14F-4D97-AF65-F5344CB8AC3E}">
@@ -11110,9 +14195,20 @@
   <p:cSld>
     <p:bg>
       <p:bgPr>
-        <a:solidFill>
-          <a:schemeClr val="bg1"/>
-        </a:solidFill>
+        <a:blipFill rotWithShape="1">
+          <a:blip r:embed="rId2">
+            <a:duotone>
+              <a:schemeClr val="bg2">
+                <a:shade val="80000"/>
+                <a:lumMod val="80000"/>
+              </a:schemeClr>
+              <a:schemeClr val="bg2">
+                <a:tint val="98000"/>
+              </a:schemeClr>
+            </a:duotone>
+          </a:blip>
+          <a:stretch/>
+        </a:blipFill>
         <a:effectLst/>
       </p:bgPr>
     </p:bg>
@@ -11130,6 +14226,139 @@
           <a:chExt cx="0" cy="0"/>
         </a:xfrm>
       </p:grpSpPr>
+      <p:sp useBgFill="1">
+        <p:nvSpPr>
+          <p:cNvPr id="16" name="Rectangle 15">
+            <a:extLst>
+              <a:ext uri="{FF2B5EF4-FFF2-40B4-BE49-F238E27FC236}">
+                <a16:creationId xmlns:a16="http://schemas.microsoft.com/office/drawing/2014/main" id="{69652D62-ECFB-408E-ABE6-155A644F433D}"/>
+              </a:ext>
+              <a:ext uri="{C183D7F6-B498-43B3-948B-1728B52AA6E4}">
+                <adec:decorative xmlns:adec="http://schemas.microsoft.com/office/drawing/2017/decorative" val="1"/>
+              </a:ext>
+            </a:extLst>
+          </p:cNvPr>
+          <p:cNvSpPr>
+            <a:spLocks noGrp="1" noRot="1" noChangeAspect="1" noMove="1" noResize="1" noEditPoints="1" noAdjustHandles="1" noChangeArrowheads="1" noChangeShapeType="1" noTextEdit="1"/>
+          </p:cNvSpPr>
+          <p:nvPr>
+            <p:extLst>
+              <p:ext uri="{386F3935-93C4-4BCD-93E2-E3B085C9AB24}">
+                <p16:designElem xmlns:p16="http://schemas.microsoft.com/office/powerpoint/2015/main" val="1"/>
+              </p:ext>
+            </p:extLst>
+          </p:nvPr>
+        </p:nvSpPr>
+        <p:spPr>
+          <a:xfrm>
+            <a:off x="0" y="0"/>
+            <a:ext cx="12192000" cy="6858000"/>
+          </a:xfrm>
+          <a:prstGeom prst="rect">
+            <a:avLst/>
+          </a:prstGeom>
+          <a:ln>
+            <a:noFill/>
+          </a:ln>
+        </p:spPr>
+        <p:style>
+          <a:lnRef idx="2">
+            <a:schemeClr val="accent1">
+              <a:shade val="50000"/>
+            </a:schemeClr>
+          </a:lnRef>
+          <a:fillRef idx="1">
+            <a:schemeClr val="accent1"/>
+          </a:fillRef>
+          <a:effectRef idx="0">
+            <a:schemeClr val="accent1"/>
+          </a:effectRef>
+          <a:fontRef idx="minor">
+            <a:schemeClr val="lt1"/>
+          </a:fontRef>
+        </p:style>
+        <p:txBody>
+          <a:bodyPr rtlCol="0" anchor="ctr"/>
+          <a:lstStyle/>
+          <a:p>
+            <a:pPr algn="ctr"/>
+            <a:endParaRPr lang="en-US"/>
+          </a:p>
+        </p:txBody>
+      </p:sp>
+      <p:sp>
+        <p:nvSpPr>
+          <p:cNvPr id="18" name="Rectangle 17">
+            <a:extLst>
+              <a:ext uri="{FF2B5EF4-FFF2-40B4-BE49-F238E27FC236}">
+                <a16:creationId xmlns:a16="http://schemas.microsoft.com/office/drawing/2014/main" id="{C1FEA985-924B-4044-8778-32D1E7164C01}"/>
+              </a:ext>
+              <a:ext uri="{C183D7F6-B498-43B3-948B-1728B52AA6E4}">
+                <adec:decorative xmlns:adec="http://schemas.microsoft.com/office/drawing/2017/decorative" val="1"/>
+              </a:ext>
+            </a:extLst>
+          </p:cNvPr>
+          <p:cNvSpPr>
+            <a:spLocks noGrp="1" noRot="1" noChangeAspect="1" noMove="1" noResize="1" noEditPoints="1" noAdjustHandles="1" noChangeArrowheads="1" noChangeShapeType="1" noTextEdit="1"/>
+          </p:cNvSpPr>
+          <p:nvPr>
+            <p:extLst>
+              <p:ext uri="{386F3935-93C4-4BCD-93E2-E3B085C9AB24}">
+                <p16:designElem xmlns:p16="http://schemas.microsoft.com/office/powerpoint/2015/main" val="1"/>
+              </p:ext>
+            </p:extLst>
+          </p:nvPr>
+        </p:nvSpPr>
+        <p:spPr bwMode="ltGray">
+          <a:xfrm>
+            <a:off x="321564" y="320040"/>
+            <a:ext cx="11548872" cy="6217920"/>
+          </a:xfrm>
+          <a:prstGeom prst="rect">
+            <a:avLst/>
+          </a:prstGeom>
+          <a:solidFill>
+            <a:schemeClr val="bg1">
+              <a:lumMod val="75000"/>
+              <a:lumOff val="25000"/>
+            </a:schemeClr>
+          </a:solidFill>
+          <a:ln>
+            <a:noFill/>
+          </a:ln>
+          <a:effectLst>
+            <a:innerShdw blurRad="63500" dist="50800" dir="16200000">
+              <a:prstClr val="black">
+                <a:alpha val="50000"/>
+              </a:prstClr>
+            </a:innerShdw>
+          </a:effectLst>
+        </p:spPr>
+        <p:style>
+          <a:lnRef idx="2">
+            <a:schemeClr val="accent1">
+              <a:shade val="50000"/>
+            </a:schemeClr>
+          </a:lnRef>
+          <a:fillRef idx="1">
+            <a:schemeClr val="accent1"/>
+          </a:fillRef>
+          <a:effectRef idx="0">
+            <a:schemeClr val="accent1"/>
+          </a:effectRef>
+          <a:fontRef idx="minor">
+            <a:schemeClr val="lt1"/>
+          </a:fontRef>
+        </p:style>
+        <p:txBody>
+          <a:bodyPr rtlCol="0" anchor="ctr"/>
+          <a:lstStyle/>
+          <a:p>
+            <a:pPr algn="ctr"/>
+            <a:endParaRPr lang="en-US"/>
+          </a:p>
+        </p:txBody>
+      </p:sp>
       <p:sp>
         <p:nvSpPr>
           <p:cNvPr id="2" name="Title 1">
@@ -11148,8 +14377,8 @@
         </p:nvSpPr>
         <p:spPr>
           <a:xfrm>
-            <a:off x="1102368" y="1877492"/>
-            <a:ext cx="4030132" cy="3215373"/>
+            <a:off x="913795" y="963506"/>
+            <a:ext cx="3740815" cy="4827693"/>
           </a:xfrm>
         </p:spPr>
         <p:txBody>
@@ -11158,25 +14387,70 @@
           </a:bodyPr>
           <a:lstStyle/>
           <a:p>
-            <a:pPr algn="ctr"/>
+            <a:pPr algn="r"/>
             <a:r>
               <a:rPr lang="en-US" b="0" i="0">
-                <a:solidFill>
-                  <a:schemeClr val="bg1"/>
-                </a:solidFill>
                 <a:effectLst/>
                 <a:latin typeface="Söhne"/>
               </a:rPr>
               <a:t>3.13 Hardware and Software Requirements</a:t>
             </a:r>
-            <a:endParaRPr lang="en-US" dirty="0">
-              <a:solidFill>
-                <a:schemeClr val="bg1"/>
-              </a:solidFill>
-            </a:endParaRPr>
-          </a:p>
-        </p:txBody>
-      </p:sp>
+            <a:endParaRPr lang="en-US"/>
+          </a:p>
+        </p:txBody>
+      </p:sp>
+      <p:cxnSp>
+        <p:nvCxnSpPr>
+          <p:cNvPr id="20" name="Straight Connector 19">
+            <a:extLst>
+              <a:ext uri="{FF2B5EF4-FFF2-40B4-BE49-F238E27FC236}">
+                <a16:creationId xmlns:a16="http://schemas.microsoft.com/office/drawing/2014/main" id="{96C7F9CB-BCC3-4648-8DEF-07B0887D87D6}"/>
+              </a:ext>
+              <a:ext uri="{C183D7F6-B498-43B3-948B-1728B52AA6E4}">
+                <adec:decorative xmlns:adec="http://schemas.microsoft.com/office/drawing/2017/decorative" val="1"/>
+              </a:ext>
+            </a:extLst>
+          </p:cNvPr>
+          <p:cNvCxnSpPr>
+            <a:cxnSpLocks noGrp="1" noRot="1" noChangeAspect="1" noMove="1" noResize="1" noEditPoints="1" noAdjustHandles="1" noChangeArrowheads="1" noChangeShapeType="1"/>
+          </p:cNvCxnSpPr>
+          <p:nvPr>
+            <p:extLst>
+              <p:ext uri="{386F3935-93C4-4BCD-93E2-E3B085C9AB24}">
+                <p16:designElem xmlns:p16="http://schemas.microsoft.com/office/powerpoint/2015/main" val="1"/>
+              </p:ext>
+            </p:extLst>
+          </p:nvPr>
+        </p:nvCxnSpPr>
+        <p:spPr>
+          <a:xfrm>
+            <a:off x="4981187" y="2057399"/>
+            <a:ext cx="0" cy="2743200"/>
+          </a:xfrm>
+          <a:prstGeom prst="line">
+            <a:avLst/>
+          </a:prstGeom>
+          <a:ln w="19050">
+            <a:solidFill>
+              <a:schemeClr val="accent1"/>
+            </a:solidFill>
+          </a:ln>
+        </p:spPr>
+        <p:style>
+          <a:lnRef idx="1">
+            <a:schemeClr val="accent1"/>
+          </a:lnRef>
+          <a:fillRef idx="0">
+            <a:schemeClr val="accent1"/>
+          </a:fillRef>
+          <a:effectRef idx="0">
+            <a:schemeClr val="accent1"/>
+          </a:effectRef>
+          <a:fontRef idx="minor">
+            <a:schemeClr val="tx1"/>
+          </a:fontRef>
+        </p:style>
+      </p:cxnSp>
       <p:sp>
         <p:nvSpPr>
           <p:cNvPr id="11" name="Content Placeholder 2">
@@ -11195,13 +14469,14 @@
         </p:nvSpPr>
         <p:spPr>
           <a:xfrm>
-            <a:off x="6234868" y="1130846"/>
-            <a:ext cx="5217173" cy="4351338"/>
+            <a:off x="5307765" y="963507"/>
+            <a:ext cx="5959791" cy="4827694"/>
           </a:xfrm>
+          <a:effectLst/>
         </p:spPr>
         <p:txBody>
-          <a:bodyPr>
-            <a:normAutofit lnSpcReduction="10000"/>
+          <a:bodyPr anchor="ctr">
+            <a:normAutofit/>
           </a:bodyPr>
           <a:lstStyle/>
           <a:p>
@@ -11210,9 +14485,9 @@
               <a:buChar char="•"/>
             </a:pPr>
             <a:r>
-              <a:rPr lang="en-US" sz="2200" b="0" i="0">
+              <a:rPr lang="en-US" b="0" i="0">
                 <a:solidFill>
-                  <a:schemeClr val="bg1"/>
+                  <a:schemeClr val="tx1"/>
                 </a:solidFill>
                 <a:effectLst/>
                 <a:latin typeface="Söhne"/>
@@ -11226,9 +14501,9 @@
               <a:buChar char="•"/>
             </a:pPr>
             <a:r>
-              <a:rPr lang="en-US" sz="2200" b="0" i="0">
+              <a:rPr lang="en-US" b="0" i="0">
                 <a:solidFill>
-                  <a:schemeClr val="bg1"/>
+                  <a:schemeClr val="tx1"/>
                 </a:solidFill>
                 <a:effectLst/>
                 <a:latin typeface="Söhne"/>
@@ -11242,9 +14517,9 @@
               <a:buChar char="•"/>
             </a:pPr>
             <a:r>
-              <a:rPr lang="en-US" sz="2200" b="0" i="0">
+              <a:rPr lang="en-US" b="0" i="0">
                 <a:solidFill>
-                  <a:schemeClr val="bg1"/>
+                  <a:schemeClr val="tx1"/>
                 </a:solidFill>
                 <a:effectLst/>
                 <a:latin typeface="Söhne"/>
@@ -11258,9 +14533,9 @@
               <a:buChar char="•"/>
             </a:pPr>
             <a:r>
-              <a:rPr lang="en-US" sz="2200" b="0" i="0">
+              <a:rPr lang="en-US" b="0" i="0">
                 <a:solidFill>
-                  <a:schemeClr val="bg1"/>
+                  <a:schemeClr val="tx1"/>
                 </a:solidFill>
                 <a:effectLst/>
                 <a:latin typeface="Söhne"/>
@@ -11274,9 +14549,9 @@
               <a:buChar char="•"/>
             </a:pPr>
             <a:r>
-              <a:rPr lang="en-US" sz="2200" b="0" i="0">
+              <a:rPr lang="en-US" b="0" i="0">
                 <a:solidFill>
-                  <a:schemeClr val="bg1"/>
+                  <a:schemeClr val="tx1"/>
                 </a:solidFill>
                 <a:effectLst/>
                 <a:latin typeface="Söhne"/>

--- a/assets/Computer_Science/Class_12/PHP_FULL.pptx
+++ b/assets/Computer_Science/Class_12/PHP_FULL.pptx
@@ -3323,7 +3323,7 @@
           <a:p>
             <a:fld id="{7358CC29-445E-4375-84FA-A1290C1DFF7E}" type="datetimeFigureOut">
               <a:rPr lang="en-US" smtClean="0"/>
-              <a:t>23/02/2023</a:t>
+              <a:t>8/23/2023</a:t>
             </a:fld>
             <a:endParaRPr lang="en-US"/>
           </a:p>
@@ -3943,7 +3943,7 @@
           <a:p>
             <a:fld id="{0653D66D-8F7F-4D89-96F6-686A96BDA468}" type="datetimeFigureOut">
               <a:rPr lang="en-US" smtClean="0"/>
-              <a:t>23/02/2023</a:t>
+              <a:t>8/23/2023</a:t>
             </a:fld>
             <a:endParaRPr lang="en-US"/>
           </a:p>
@@ -4241,7 +4241,7 @@
           <a:p>
             <a:fld id="{0653D66D-8F7F-4D89-96F6-686A96BDA468}" type="datetimeFigureOut">
               <a:rPr lang="en-US" smtClean="0"/>
-              <a:t>23/02/2023</a:t>
+              <a:t>8/23/2023</a:t>
             </a:fld>
             <a:endParaRPr lang="en-US"/>
           </a:p>
@@ -4433,7 +4433,7 @@
           <a:p>
             <a:fld id="{0653D66D-8F7F-4D89-96F6-686A96BDA468}" type="datetimeFigureOut">
               <a:rPr lang="en-US" smtClean="0"/>
-              <a:t>23/02/2023</a:t>
+              <a:t>8/23/2023</a:t>
             </a:fld>
             <a:endParaRPr lang="en-US"/>
           </a:p>
@@ -4694,7 +4694,7 @@
           <a:p>
             <a:fld id="{0653D66D-8F7F-4D89-96F6-686A96BDA468}" type="datetimeFigureOut">
               <a:rPr lang="en-US" smtClean="0"/>
-              <a:t>23/02/2023</a:t>
+              <a:t>8/23/2023</a:t>
             </a:fld>
             <a:endParaRPr lang="en-US"/>
           </a:p>
@@ -5118,7 +5118,7 @@
           <a:p>
             <a:fld id="{0653D66D-8F7F-4D89-96F6-686A96BDA468}" type="datetimeFigureOut">
               <a:rPr lang="en-US" smtClean="0"/>
-              <a:t>23/02/2023</a:t>
+              <a:t>8/23/2023</a:t>
             </a:fld>
             <a:endParaRPr lang="en-US"/>
           </a:p>
@@ -5655,7 +5655,7 @@
           <a:p>
             <a:fld id="{0653D66D-8F7F-4D89-96F6-686A96BDA468}" type="datetimeFigureOut">
               <a:rPr lang="en-US" smtClean="0"/>
-              <a:t>23/02/2023</a:t>
+              <a:t>8/23/2023</a:t>
             </a:fld>
             <a:endParaRPr lang="en-US"/>
           </a:p>
@@ -6519,7 +6519,7 @@
           <a:p>
             <a:fld id="{0653D66D-8F7F-4D89-96F6-686A96BDA468}" type="datetimeFigureOut">
               <a:rPr lang="en-US" smtClean="0"/>
-              <a:t>23/02/2023</a:t>
+              <a:t>8/23/2023</a:t>
             </a:fld>
             <a:endParaRPr lang="en-US"/>
           </a:p>
@@ -6689,7 +6689,7 @@
           <a:p>
             <a:fld id="{0653D66D-8F7F-4D89-96F6-686A96BDA468}" type="datetimeFigureOut">
               <a:rPr lang="en-US" smtClean="0"/>
-              <a:t>23/02/2023</a:t>
+              <a:t>8/23/2023</a:t>
             </a:fld>
             <a:endParaRPr lang="en-US"/>
           </a:p>
@@ -6873,7 +6873,7 @@
           <a:p>
             <a:fld id="{0653D66D-8F7F-4D89-96F6-686A96BDA468}" type="datetimeFigureOut">
               <a:rPr lang="en-US" smtClean="0"/>
-              <a:t>23/02/2023</a:t>
+              <a:t>8/23/2023</a:t>
             </a:fld>
             <a:endParaRPr lang="en-US"/>
           </a:p>
@@ -7043,7 +7043,7 @@
           <a:p>
             <a:fld id="{0653D66D-8F7F-4D89-96F6-686A96BDA468}" type="datetimeFigureOut">
               <a:rPr lang="en-US" smtClean="0"/>
-              <a:t>23/02/2023</a:t>
+              <a:t>8/23/2023</a:t>
             </a:fld>
             <a:endParaRPr lang="en-US"/>
           </a:p>
@@ -7287,7 +7287,7 @@
           <a:p>
             <a:fld id="{0653D66D-8F7F-4D89-96F6-686A96BDA468}" type="datetimeFigureOut">
               <a:rPr lang="en-US" smtClean="0"/>
-              <a:t>23/02/2023</a:t>
+              <a:t>8/23/2023</a:t>
             </a:fld>
             <a:endParaRPr lang="en-US"/>
           </a:p>
@@ -7523,7 +7523,7 @@
           <a:p>
             <a:fld id="{0653D66D-8F7F-4D89-96F6-686A96BDA468}" type="datetimeFigureOut">
               <a:rPr lang="en-US" smtClean="0"/>
-              <a:t>23/02/2023</a:t>
+              <a:t>8/23/2023</a:t>
             </a:fld>
             <a:endParaRPr lang="en-US"/>
           </a:p>
@@ -7989,7 +7989,7 @@
           <a:p>
             <a:fld id="{0653D66D-8F7F-4D89-96F6-686A96BDA468}" type="datetimeFigureOut">
               <a:rPr lang="en-US" smtClean="0"/>
-              <a:t>23/02/2023</a:t>
+              <a:t>8/23/2023</a:t>
             </a:fld>
             <a:endParaRPr lang="en-US"/>
           </a:p>
@@ -8107,7 +8107,7 @@
           <a:p>
             <a:fld id="{0653D66D-8F7F-4D89-96F6-686A96BDA468}" type="datetimeFigureOut">
               <a:rPr lang="en-US" smtClean="0"/>
-              <a:t>23/02/2023</a:t>
+              <a:t>8/23/2023</a:t>
             </a:fld>
             <a:endParaRPr lang="en-US"/>
           </a:p>
@@ -8202,7 +8202,7 @@
           <a:p>
             <a:fld id="{0653D66D-8F7F-4D89-96F6-686A96BDA468}" type="datetimeFigureOut">
               <a:rPr lang="en-US" smtClean="0"/>
-              <a:t>23/02/2023</a:t>
+              <a:t>8/23/2023</a:t>
             </a:fld>
             <a:endParaRPr lang="en-US"/>
           </a:p>
@@ -8457,7 +8457,7 @@
           <a:p>
             <a:fld id="{0653D66D-8F7F-4D89-96F6-686A96BDA468}" type="datetimeFigureOut">
               <a:rPr lang="en-US" smtClean="0"/>
-              <a:t>23/02/2023</a:t>
+              <a:t>8/23/2023</a:t>
             </a:fld>
             <a:endParaRPr lang="en-US"/>
           </a:p>
@@ -8757,7 +8757,7 @@
           <a:p>
             <a:fld id="{0653D66D-8F7F-4D89-96F6-686A96BDA468}" type="datetimeFigureOut">
               <a:rPr lang="en-US" smtClean="0"/>
-              <a:t>23/02/2023</a:t>
+              <a:t>8/23/2023</a:t>
             </a:fld>
             <a:endParaRPr lang="en-US"/>
           </a:p>
@@ -8991,7 +8991,7 @@
           <a:p>
             <a:fld id="{0653D66D-8F7F-4D89-96F6-686A96BDA468}" type="datetimeFigureOut">
               <a:rPr lang="en-US" smtClean="0"/>
-              <a:t>23/02/2023</a:t>
+              <a:t>8/23/2023</a:t>
             </a:fld>
             <a:endParaRPr lang="en-US"/>
           </a:p>
@@ -11733,7 +11733,7 @@
               <a:buChar char="•"/>
             </a:pPr>
             <a:r>
-              <a:rPr lang="en-US" sz="1700" b="0" i="0">
+              <a:rPr lang="en-US" sz="1700" b="0" i="0" dirty="0">
                 <a:solidFill>
                   <a:srgbClr val="FFFFFF"/>
                 </a:solidFill>
@@ -11749,7 +11749,7 @@
               <a:buChar char="•"/>
             </a:pPr>
             <a:r>
-              <a:rPr lang="en-US" sz="1700" b="0" i="0">
+              <a:rPr lang="en-US" sz="1700" b="0" i="0" dirty="0">
                 <a:solidFill>
                   <a:srgbClr val="FFFFFF"/>
                 </a:solidFill>
@@ -11765,7 +11765,7 @@
               <a:buChar char="•"/>
             </a:pPr>
             <a:r>
-              <a:rPr lang="en-US" sz="1700" b="0" i="0">
+              <a:rPr lang="en-US" sz="1700" b="0" i="0" dirty="0">
                 <a:solidFill>
                   <a:srgbClr val="FFFFFF"/>
                 </a:solidFill>
@@ -11781,7 +11781,7 @@
               <a:buChar char="•"/>
             </a:pPr>
             <a:r>
-              <a:rPr lang="en-US" sz="1700" b="0" i="0">
+              <a:rPr lang="en-US" sz="1700" b="0" i="0" dirty="0">
                 <a:solidFill>
                   <a:srgbClr val="FFFFFF"/>
                 </a:solidFill>
@@ -11797,7 +11797,7 @@
               <a:buChar char="•"/>
             </a:pPr>
             <a:r>
-              <a:rPr lang="en-US" sz="1700" b="0" i="0">
+              <a:rPr lang="en-US" sz="1700" b="0" i="0" dirty="0">
                 <a:solidFill>
                   <a:srgbClr val="FFFFFF"/>
                 </a:solidFill>
@@ -11813,7 +11813,7 @@
               <a:buChar char="•"/>
             </a:pPr>
             <a:r>
-              <a:rPr lang="en-US" sz="1700" b="0" i="0">
+              <a:rPr lang="en-US" sz="1700" b="0" i="0" dirty="0">
                 <a:solidFill>
                   <a:srgbClr val="FFFFFF"/>
                 </a:solidFill>
@@ -11829,7 +11829,7 @@
               <a:buChar char="•"/>
             </a:pPr>
             <a:r>
-              <a:rPr lang="en-US" sz="1700" b="0" i="0">
+              <a:rPr lang="en-US" sz="1700" b="0" i="0" dirty="0">
                 <a:solidFill>
                   <a:srgbClr val="FFFFFF"/>
                 </a:solidFill>
@@ -12164,27 +12164,7 @@
                 <a:effectLst/>
                 <a:latin typeface="Söhne"/>
               </a:rPr>
-              <a:t>To connect to a database from PHP, you will need to use the appropriate database extension (e.g. PDO or </a:t>
-            </a:r>
-            <a:r>
-              <a:rPr lang="en-US" sz="2000" b="0" i="0" dirty="0" err="1">
-                <a:solidFill>
-                  <a:srgbClr val="FFFFFF"/>
-                </a:solidFill>
-                <a:effectLst/>
-                <a:latin typeface="Söhne"/>
-              </a:rPr>
-              <a:t>MySQLi</a:t>
-            </a:r>
-            <a:r>
-              <a:rPr lang="en-US" sz="2000" b="0" i="0" dirty="0">
-                <a:solidFill>
-                  <a:srgbClr val="FFFFFF"/>
-                </a:solidFill>
-                <a:effectLst/>
-                <a:latin typeface="Söhne"/>
-              </a:rPr>
-              <a:t>) and provide the necessary connection details such as the hostname, username, password, and database name</a:t>
+              <a:t>To connect to a database from PHP, you will need to use the appropriate database extension (e.g. PDO or MySQLi) and provide the necessary connection details such as the hostname, username, password, and database name</a:t>
             </a:r>
           </a:p>
           <a:p>
@@ -12647,27 +12627,7 @@
                 <a:effectLst/>
                 <a:latin typeface="Söhne"/>
               </a:rPr>
-              <a:t>Once connected to the database, you can execute SQL statements using the appropriate methods of the database extension (e.g. PDO or </a:t>
-            </a:r>
-            <a:r>
-              <a:rPr lang="en-US" sz="2000" b="0" i="0" dirty="0" err="1">
-                <a:solidFill>
-                  <a:srgbClr val="D1D5DB"/>
-                </a:solidFill>
-                <a:effectLst/>
-                <a:latin typeface="Söhne"/>
-              </a:rPr>
-              <a:t>MySQLi</a:t>
-            </a:r>
-            <a:r>
-              <a:rPr lang="en-US" sz="2000" b="0" i="0" dirty="0">
-                <a:solidFill>
-                  <a:srgbClr val="D1D5DB"/>
-                </a:solidFill>
-                <a:effectLst/>
-                <a:latin typeface="Söhne"/>
-              </a:rPr>
-              <a:t>)</a:t>
+              <a:t>Once connected to the database, you can execute SQL statements using the appropriate methods of the database extension (e.g. PDO or MySQLi)</a:t>
             </a:r>
           </a:p>
           <a:p>
@@ -13770,27 +13730,7 @@
                 <a:effectLst/>
                 <a:latin typeface="Söhne"/>
               </a:rPr>
-              <a:t>Creating a SQL database with server-side scripting using PHP is a common task when building dynamic web applications. PHP provides several ways to interact with a SQL database, including the </a:t>
-            </a:r>
-            <a:r>
-              <a:rPr lang="en-US" b="0" i="0" dirty="0" err="1">
-                <a:solidFill>
-                  <a:srgbClr val="D1D5DB"/>
-                </a:solidFill>
-                <a:effectLst/>
-                <a:latin typeface="Söhne"/>
-              </a:rPr>
-              <a:t>MySQLi</a:t>
-            </a:r>
-            <a:r>
-              <a:rPr lang="en-US" b="0" i="0" dirty="0">
-                <a:solidFill>
-                  <a:srgbClr val="D1D5DB"/>
-                </a:solidFill>
-                <a:effectLst/>
-                <a:latin typeface="Söhne"/>
-              </a:rPr>
-              <a:t> and PDO extensions.</a:t>
+              <a:t>Creating a SQL database with server-side scripting using PHP is a common task when building dynamic web applications. PHP provides several ways to interact with a SQL database, including the MySQLi and PDO extensions.</a:t>
             </a:r>
           </a:p>
           <a:p>
@@ -13819,27 +13759,7 @@
                 <a:effectLst/>
                 <a:latin typeface="Söhne"/>
               </a:rPr>
-              <a:t>Connect to a MySQL server using the </a:t>
-            </a:r>
-            <a:r>
-              <a:rPr lang="en-US" b="0" i="0" dirty="0" err="1">
-                <a:solidFill>
-                  <a:srgbClr val="D1D5DB"/>
-                </a:solidFill>
-                <a:effectLst/>
-                <a:latin typeface="Söhne"/>
-              </a:rPr>
-              <a:t>MySQLi</a:t>
-            </a:r>
-            <a:r>
-              <a:rPr lang="en-US" b="0" i="0" dirty="0">
-                <a:solidFill>
-                  <a:srgbClr val="D1D5DB"/>
-                </a:solidFill>
-                <a:effectLst/>
-                <a:latin typeface="Söhne"/>
-              </a:rPr>
-              <a:t> or PDO extension.</a:t>
+              <a:t>Connect to a MySQL server using the MySQLi or PDO extension.</a:t>
             </a:r>
           </a:p>
           <a:p>
@@ -14069,37 +13989,7 @@
                   <a:srgbClr val="DADADA"/>
                 </a:solidFill>
               </a:rPr>
-              <a:t>Here is an example of creating a SQL database using the </a:t>
-            </a:r>
-            <a:r>
-              <a:rPr lang="en-US" sz="1600" b="0" i="0" dirty="0" err="1">
-                <a:ln>
-                  <a:solidFill>
-                    <a:srgbClr val="404040">
-                      <a:alpha val="10000"/>
-                    </a:srgbClr>
-                  </a:solidFill>
-                </a:ln>
-                <a:solidFill>
-                  <a:srgbClr val="DADADA"/>
-                </a:solidFill>
-              </a:rPr>
-              <a:t>MySQLi</a:t>
-            </a:r>
-            <a:r>
-              <a:rPr lang="en-US" sz="1600" b="0" i="0" dirty="0">
-                <a:ln>
-                  <a:solidFill>
-                    <a:srgbClr val="404040">
-                      <a:alpha val="10000"/>
-                    </a:srgbClr>
-                  </a:solidFill>
-                </a:ln>
-                <a:solidFill>
-                  <a:srgbClr val="DADADA"/>
-                </a:solidFill>
-              </a:rPr>
-              <a:t> extension:</a:t>
+              <a:t>Here is an example of creating a SQL database using the MySQLi extension:</a:t>
             </a:r>
           </a:p>
           <a:p>
